--- a/Scratch for Newbies/Level1/Lesson 2 - Find the Diamond/Notes/Notes.pptx
+++ b/Scratch for Newbies/Level1/Lesson 2 - Find the Diamond/Notes/Notes.pptx
@@ -5,15 +5,25 @@
     <p:sldMasterId id="2147483648" r:id="rId1"/>
   </p:sldMasterIdLst>
   <p:notesMasterIdLst>
-    <p:notesMasterId r:id="rId8"/>
+    <p:notesMasterId r:id="rId18"/>
   </p:notesMasterIdLst>
   <p:sldIdLst>
     <p:sldId id="259" r:id="rId2"/>
     <p:sldId id="262" r:id="rId3"/>
     <p:sldId id="261" r:id="rId4"/>
-    <p:sldId id="313" r:id="rId5"/>
-    <p:sldId id="320" r:id="rId6"/>
-    <p:sldId id="319" r:id="rId7"/>
+    <p:sldId id="321" r:id="rId5"/>
+    <p:sldId id="322" r:id="rId6"/>
+    <p:sldId id="323" r:id="rId7"/>
+    <p:sldId id="324" r:id="rId8"/>
+    <p:sldId id="325" r:id="rId9"/>
+    <p:sldId id="326" r:id="rId10"/>
+    <p:sldId id="327" r:id="rId11"/>
+    <p:sldId id="328" r:id="rId12"/>
+    <p:sldId id="329" r:id="rId13"/>
+    <p:sldId id="313" r:id="rId14"/>
+    <p:sldId id="330" r:id="rId15"/>
+    <p:sldId id="320" r:id="rId16"/>
+    <p:sldId id="319" r:id="rId17"/>
   </p:sldIdLst>
   <p:sldSz cx="12192000" cy="6858000"/>
   <p:notesSz cx="6858000" cy="9144000"/>
@@ -213,7 +223,7 @@
           <a:p>
             <a:fld id="{1147297C-06E1-4B62-AA21-F05F5B88E178}" type="datetimeFigureOut">
               <a:rPr lang="zh-CN" altLang="en-US" smtClean="0"/>
-              <a:t>2024/9/26</a:t>
+              <a:t>2024/9/27</a:t>
             </a:fld>
             <a:endParaRPr lang="zh-CN" altLang="en-US"/>
           </a:p>
@@ -630,7 +640,7 @@
           <a:p>
             <a:fld id="{4023CD3E-1ACA-4ABC-A7C3-AE6EDCC1D047}" type="datetime1">
               <a:rPr lang="zh-CN" altLang="en-US" smtClean="0"/>
-              <a:t>2024/9/26</a:t>
+              <a:t>2024/9/27</a:t>
             </a:fld>
             <a:endParaRPr lang="zh-CN" altLang="en-US"/>
           </a:p>
@@ -830,7 +840,7 @@
           <a:p>
             <a:fld id="{46FEC84B-BDA6-4394-A5DC-761CC97902A2}" type="datetime1">
               <a:rPr lang="zh-CN" altLang="en-US" smtClean="0"/>
-              <a:t>2024/9/26</a:t>
+              <a:t>2024/9/27</a:t>
             </a:fld>
             <a:endParaRPr lang="zh-CN" altLang="en-US"/>
           </a:p>
@@ -1040,7 +1050,7 @@
           <a:p>
             <a:fld id="{EECEE064-21DA-485D-93FF-A8D005D0BACF}" type="datetime1">
               <a:rPr lang="zh-CN" altLang="en-US" smtClean="0"/>
-              <a:t>2024/9/26</a:t>
+              <a:t>2024/9/27</a:t>
             </a:fld>
             <a:endParaRPr lang="zh-CN" altLang="en-US"/>
           </a:p>
@@ -1240,7 +1250,7 @@
           <a:p>
             <a:fld id="{E99E488B-2EE6-4D29-A22A-AB91A65553BA}" type="datetime1">
               <a:rPr lang="zh-CN" altLang="en-US" smtClean="0"/>
-              <a:t>2024/9/26</a:t>
+              <a:t>2024/9/27</a:t>
             </a:fld>
             <a:endParaRPr lang="zh-CN" altLang="en-US"/>
           </a:p>
@@ -1516,7 +1526,7 @@
           <a:p>
             <a:fld id="{3421F69C-EC83-4748-9F42-207B0B7F7AEF}" type="datetime1">
               <a:rPr lang="zh-CN" altLang="en-US" smtClean="0"/>
-              <a:t>2024/9/26</a:t>
+              <a:t>2024/9/27</a:t>
             </a:fld>
             <a:endParaRPr lang="zh-CN" altLang="en-US"/>
           </a:p>
@@ -1784,7 +1794,7 @@
           <a:p>
             <a:fld id="{B299948A-4763-4EE0-97C0-D473B84BFE2B}" type="datetime1">
               <a:rPr lang="zh-CN" altLang="en-US" smtClean="0"/>
-              <a:t>2024/9/26</a:t>
+              <a:t>2024/9/27</a:t>
             </a:fld>
             <a:endParaRPr lang="zh-CN" altLang="en-US"/>
           </a:p>
@@ -2199,7 +2209,7 @@
           <a:p>
             <a:fld id="{9A2FD7C2-6438-4C8D-9885-EF594F129AF2}" type="datetime1">
               <a:rPr lang="zh-CN" altLang="en-US" smtClean="0"/>
-              <a:t>2024/9/26</a:t>
+              <a:t>2024/9/27</a:t>
             </a:fld>
             <a:endParaRPr lang="zh-CN" altLang="en-US"/>
           </a:p>
@@ -2341,7 +2351,7 @@
           <a:p>
             <a:fld id="{CED928C2-0FFC-4AD4-B896-4895AE4FE342}" type="datetime1">
               <a:rPr lang="zh-CN" altLang="en-US" smtClean="0"/>
-              <a:t>2024/9/26</a:t>
+              <a:t>2024/9/27</a:t>
             </a:fld>
             <a:endParaRPr lang="zh-CN" altLang="en-US"/>
           </a:p>
@@ -2454,7 +2464,7 @@
           <a:p>
             <a:fld id="{FA4C0A94-C2B5-4F29-B85C-45CA87678128}" type="datetime1">
               <a:rPr lang="zh-CN" altLang="en-US" smtClean="0"/>
-              <a:t>2024/9/26</a:t>
+              <a:t>2024/9/27</a:t>
             </a:fld>
             <a:endParaRPr lang="zh-CN" altLang="en-US"/>
           </a:p>
@@ -2767,7 +2777,7 @@
           <a:p>
             <a:fld id="{F4E08264-F49F-49C9-A7F4-9095CA867FFE}" type="datetime1">
               <a:rPr lang="zh-CN" altLang="en-US" smtClean="0"/>
-              <a:t>2024/9/26</a:t>
+              <a:t>2024/9/27</a:t>
             </a:fld>
             <a:endParaRPr lang="zh-CN" altLang="en-US"/>
           </a:p>
@@ -3056,7 +3066,7 @@
           <a:p>
             <a:fld id="{DB82EF23-268D-49B9-906A-158FBE8CE46C}" type="datetime1">
               <a:rPr lang="zh-CN" altLang="en-US" smtClean="0"/>
-              <a:t>2024/9/26</a:t>
+              <a:t>2024/9/27</a:t>
             </a:fld>
             <a:endParaRPr lang="zh-CN" altLang="en-US"/>
           </a:p>
@@ -3299,7 +3309,7 @@
           <a:p>
             <a:fld id="{F39741DB-35F8-42F3-A018-9E7E52FFF065}" type="datetime1">
               <a:rPr lang="zh-CN" altLang="en-US" smtClean="0"/>
-              <a:t>2024/9/26</a:t>
+              <a:t>2024/9/27</a:t>
             </a:fld>
             <a:endParaRPr lang="zh-CN" altLang="en-US"/>
           </a:p>
@@ -4210,6 +4220,3858 @@
 </p:sld>
 </file>
 
+<file path=ppt/slides/slide10.xml><?xml version="1.0" encoding="utf-8"?>
+<p:sld xmlns:a="http://schemas.openxmlformats.org/drawingml/2006/main" xmlns:r="http://schemas.openxmlformats.org/officeDocument/2006/relationships" xmlns:p="http://schemas.openxmlformats.org/presentationml/2006/main">
+  <p:cSld>
+    <p:spTree>
+      <p:nvGrpSpPr>
+        <p:cNvPr id="1" name=""/>
+        <p:cNvGrpSpPr/>
+        <p:nvPr/>
+      </p:nvGrpSpPr>
+      <p:grpSpPr>
+        <a:xfrm>
+          <a:off x="0" y="0"/>
+          <a:ext cx="0" cy="0"/>
+          <a:chOff x="0" y="0"/>
+          <a:chExt cx="0" cy="0"/>
+        </a:xfrm>
+      </p:grpSpPr>
+      <p:sp>
+        <p:nvSpPr>
+          <p:cNvPr id="6" name="Rectangle 5">
+            <a:extLst>
+              <a:ext uri="{FF2B5EF4-FFF2-40B4-BE49-F238E27FC236}">
+                <a16:creationId xmlns:a16="http://schemas.microsoft.com/office/drawing/2014/main" id="{7BC4EB1B-EA6B-DFE4-AF3B-05D0EB253209}"/>
+              </a:ext>
+            </a:extLst>
+          </p:cNvPr>
+          <p:cNvSpPr/>
+          <p:nvPr/>
+        </p:nvSpPr>
+        <p:spPr>
+          <a:xfrm>
+            <a:off x="0" y="0"/>
+            <a:ext cx="12192000" cy="6858000"/>
+          </a:xfrm>
+          <a:prstGeom prst="rect">
+            <a:avLst/>
+          </a:prstGeom>
+          <a:solidFill>
+            <a:srgbClr val="23242A"/>
+          </a:solidFill>
+          <a:ln>
+            <a:noFill/>
+          </a:ln>
+        </p:spPr>
+        <p:style>
+          <a:lnRef idx="2">
+            <a:schemeClr val="accent1">
+              <a:shade val="15000"/>
+            </a:schemeClr>
+          </a:lnRef>
+          <a:fillRef idx="1">
+            <a:schemeClr val="accent1"/>
+          </a:fillRef>
+          <a:effectRef idx="0">
+            <a:schemeClr val="accent1"/>
+          </a:effectRef>
+          <a:fontRef idx="minor">
+            <a:schemeClr val="lt1"/>
+          </a:fontRef>
+        </p:style>
+        <p:txBody>
+          <a:bodyPr rtlCol="0" anchor="ctr"/>
+          <a:lstStyle/>
+          <a:p>
+            <a:pPr algn="ctr"/>
+            <a:endParaRPr lang="zh-CN" altLang="en-US" dirty="0"/>
+          </a:p>
+        </p:txBody>
+      </p:sp>
+      <p:sp>
+        <p:nvSpPr>
+          <p:cNvPr id="2" name="Slide Number Placeholder 1">
+            <a:extLst>
+              <a:ext uri="{FF2B5EF4-FFF2-40B4-BE49-F238E27FC236}">
+                <a16:creationId xmlns:a16="http://schemas.microsoft.com/office/drawing/2014/main" id="{C53E70DF-9B91-8A92-BF94-1399BB9FFE34}"/>
+              </a:ext>
+            </a:extLst>
+          </p:cNvPr>
+          <p:cNvSpPr>
+            <a:spLocks noGrp="1"/>
+          </p:cNvSpPr>
+          <p:nvPr>
+            <p:ph type="sldNum" sz="quarter" idx="12"/>
+          </p:nvPr>
+        </p:nvSpPr>
+        <p:spPr>
+          <a:xfrm>
+            <a:off x="9057739" y="6259509"/>
+            <a:ext cx="2743200" cy="365125"/>
+          </a:xfrm>
+        </p:spPr>
+        <p:txBody>
+          <a:bodyPr/>
+          <a:lstStyle/>
+          <a:p>
+            <a:fld id="{9B1EC109-1E15-4BCA-93B5-56442BB3443E}" type="slidenum">
+              <a:rPr lang="zh-CN" altLang="en-US" sz="2400" b="1" smtClean="0">
+                <a:solidFill>
+                  <a:schemeClr val="bg1">
+                    <a:lumMod val="65000"/>
+                  </a:schemeClr>
+                </a:solidFill>
+                <a:latin typeface="Bradley Hand ITC" panose="03070402050302030203" pitchFamily="66" charset="0"/>
+              </a:rPr>
+              <a:t>10</a:t>
+            </a:fld>
+            <a:endParaRPr lang="zh-CN" altLang="en-US" sz="2400" b="1" dirty="0">
+              <a:solidFill>
+                <a:schemeClr val="bg1">
+                  <a:lumMod val="65000"/>
+                </a:schemeClr>
+              </a:solidFill>
+              <a:latin typeface="Bradley Hand ITC" panose="03070402050302030203" pitchFamily="66" charset="0"/>
+            </a:endParaRPr>
+          </a:p>
+        </p:txBody>
+      </p:sp>
+      <p:sp>
+        <p:nvSpPr>
+          <p:cNvPr id="4" name="Google Shape;867;p33">
+            <a:extLst>
+              <a:ext uri="{FF2B5EF4-FFF2-40B4-BE49-F238E27FC236}">
+                <a16:creationId xmlns:a16="http://schemas.microsoft.com/office/drawing/2014/main" id="{24BC39E7-8798-676F-63C1-093D28359AFA}"/>
+              </a:ext>
+            </a:extLst>
+          </p:cNvPr>
+          <p:cNvSpPr txBox="1">
+            <a:spLocks/>
+          </p:cNvSpPr>
+          <p:nvPr/>
+        </p:nvSpPr>
+        <p:spPr>
+          <a:xfrm>
+            <a:off x="2222600" y="143850"/>
+            <a:ext cx="7746800" cy="1602400"/>
+          </a:xfrm>
+          <a:prstGeom prst="rect">
+            <a:avLst/>
+          </a:prstGeom>
+          <a:noFill/>
+          <a:ln>
+            <a:noFill/>
+          </a:ln>
+        </p:spPr>
+        <p:txBody>
+          <a:bodyPr spcFirstLastPara="1" wrap="square" lIns="91425" tIns="91425" rIns="91425" bIns="91425" anchor="b" anchorCtr="0">
+            <a:noAutofit/>
+          </a:bodyPr>
+          <a:lstStyle>
+            <a:defPPr marR="0" lvl="0" algn="l" rtl="0">
+              <a:lnSpc>
+                <a:spcPct val="100000"/>
+              </a:lnSpc>
+              <a:spcBef>
+                <a:spcPts val="0"/>
+              </a:spcBef>
+              <a:spcAft>
+                <a:spcPts val="0"/>
+              </a:spcAft>
+            </a:defPPr>
+            <a:lvl1pPr marR="0" lvl="0" algn="l" rtl="0">
+              <a:lnSpc>
+                <a:spcPct val="100000"/>
+              </a:lnSpc>
+              <a:spcBef>
+                <a:spcPts val="0"/>
+              </a:spcBef>
+              <a:spcAft>
+                <a:spcPts val="0"/>
+              </a:spcAft>
+              <a:buClr>
+                <a:schemeClr val="dk1"/>
+              </a:buClr>
+              <a:buSzPts val="3600"/>
+              <a:buFont typeface="Barlow"/>
+              <a:buNone/>
+              <a:defRPr sz="7200" b="1" i="0" u="none" strike="noStrike" cap="none">
+                <a:solidFill>
+                  <a:schemeClr val="dk1"/>
+                </a:solidFill>
+                <a:latin typeface="Barlow"/>
+                <a:ea typeface="Barlow"/>
+                <a:cs typeface="Barlow"/>
+                <a:sym typeface="Barlow"/>
+              </a:defRPr>
+            </a:lvl1pPr>
+            <a:lvl2pPr marR="0" lvl="1" algn="ctr" rtl="0">
+              <a:lnSpc>
+                <a:spcPct val="100000"/>
+              </a:lnSpc>
+              <a:spcBef>
+                <a:spcPts val="0"/>
+              </a:spcBef>
+              <a:spcAft>
+                <a:spcPts val="0"/>
+              </a:spcAft>
+              <a:buClr>
+                <a:schemeClr val="dk1"/>
+              </a:buClr>
+              <a:buSzPts val="3600"/>
+              <a:buFont typeface="Barlow"/>
+              <a:buNone/>
+              <a:defRPr sz="3600" b="1" i="0" u="none" strike="noStrike" cap="none">
+                <a:solidFill>
+                  <a:schemeClr val="dk1"/>
+                </a:solidFill>
+                <a:latin typeface="Barlow"/>
+                <a:ea typeface="Barlow"/>
+                <a:cs typeface="Barlow"/>
+                <a:sym typeface="Barlow"/>
+              </a:defRPr>
+            </a:lvl2pPr>
+            <a:lvl3pPr marR="0" lvl="2" algn="ctr" rtl="0">
+              <a:lnSpc>
+                <a:spcPct val="100000"/>
+              </a:lnSpc>
+              <a:spcBef>
+                <a:spcPts val="0"/>
+              </a:spcBef>
+              <a:spcAft>
+                <a:spcPts val="0"/>
+              </a:spcAft>
+              <a:buClr>
+                <a:schemeClr val="dk1"/>
+              </a:buClr>
+              <a:buSzPts val="3600"/>
+              <a:buFont typeface="Barlow"/>
+              <a:buNone/>
+              <a:defRPr sz="3600" b="1" i="0" u="none" strike="noStrike" cap="none">
+                <a:solidFill>
+                  <a:schemeClr val="dk1"/>
+                </a:solidFill>
+                <a:latin typeface="Barlow"/>
+                <a:ea typeface="Barlow"/>
+                <a:cs typeface="Barlow"/>
+                <a:sym typeface="Barlow"/>
+              </a:defRPr>
+            </a:lvl3pPr>
+            <a:lvl4pPr marR="0" lvl="3" algn="ctr" rtl="0">
+              <a:lnSpc>
+                <a:spcPct val="100000"/>
+              </a:lnSpc>
+              <a:spcBef>
+                <a:spcPts val="0"/>
+              </a:spcBef>
+              <a:spcAft>
+                <a:spcPts val="0"/>
+              </a:spcAft>
+              <a:buClr>
+                <a:schemeClr val="dk1"/>
+              </a:buClr>
+              <a:buSzPts val="3600"/>
+              <a:buFont typeface="Barlow"/>
+              <a:buNone/>
+              <a:defRPr sz="3600" b="1" i="0" u="none" strike="noStrike" cap="none">
+                <a:solidFill>
+                  <a:schemeClr val="dk1"/>
+                </a:solidFill>
+                <a:latin typeface="Barlow"/>
+                <a:ea typeface="Barlow"/>
+                <a:cs typeface="Barlow"/>
+                <a:sym typeface="Barlow"/>
+              </a:defRPr>
+            </a:lvl4pPr>
+            <a:lvl5pPr marR="0" lvl="4" algn="ctr" rtl="0">
+              <a:lnSpc>
+                <a:spcPct val="100000"/>
+              </a:lnSpc>
+              <a:spcBef>
+                <a:spcPts val="0"/>
+              </a:spcBef>
+              <a:spcAft>
+                <a:spcPts val="0"/>
+              </a:spcAft>
+              <a:buClr>
+                <a:schemeClr val="dk1"/>
+              </a:buClr>
+              <a:buSzPts val="3600"/>
+              <a:buFont typeface="Barlow"/>
+              <a:buNone/>
+              <a:defRPr sz="3600" b="1" i="0" u="none" strike="noStrike" cap="none">
+                <a:solidFill>
+                  <a:schemeClr val="dk1"/>
+                </a:solidFill>
+                <a:latin typeface="Barlow"/>
+                <a:ea typeface="Barlow"/>
+                <a:cs typeface="Barlow"/>
+                <a:sym typeface="Barlow"/>
+              </a:defRPr>
+            </a:lvl5pPr>
+            <a:lvl6pPr marR="0" lvl="5" algn="ctr" rtl="0">
+              <a:lnSpc>
+                <a:spcPct val="100000"/>
+              </a:lnSpc>
+              <a:spcBef>
+                <a:spcPts val="0"/>
+              </a:spcBef>
+              <a:spcAft>
+                <a:spcPts val="0"/>
+              </a:spcAft>
+              <a:buClr>
+                <a:schemeClr val="dk1"/>
+              </a:buClr>
+              <a:buSzPts val="3600"/>
+              <a:buFont typeface="Barlow"/>
+              <a:buNone/>
+              <a:defRPr sz="3600" b="1" i="0" u="none" strike="noStrike" cap="none">
+                <a:solidFill>
+                  <a:schemeClr val="dk1"/>
+                </a:solidFill>
+                <a:latin typeface="Barlow"/>
+                <a:ea typeface="Barlow"/>
+                <a:cs typeface="Barlow"/>
+                <a:sym typeface="Barlow"/>
+              </a:defRPr>
+            </a:lvl6pPr>
+            <a:lvl7pPr marR="0" lvl="6" algn="ctr" rtl="0">
+              <a:lnSpc>
+                <a:spcPct val="100000"/>
+              </a:lnSpc>
+              <a:spcBef>
+                <a:spcPts val="0"/>
+              </a:spcBef>
+              <a:spcAft>
+                <a:spcPts val="0"/>
+              </a:spcAft>
+              <a:buClr>
+                <a:schemeClr val="dk1"/>
+              </a:buClr>
+              <a:buSzPts val="3600"/>
+              <a:buFont typeface="Barlow"/>
+              <a:buNone/>
+              <a:defRPr sz="3600" b="1" i="0" u="none" strike="noStrike" cap="none">
+                <a:solidFill>
+                  <a:schemeClr val="dk1"/>
+                </a:solidFill>
+                <a:latin typeface="Barlow"/>
+                <a:ea typeface="Barlow"/>
+                <a:cs typeface="Barlow"/>
+                <a:sym typeface="Barlow"/>
+              </a:defRPr>
+            </a:lvl7pPr>
+            <a:lvl8pPr marR="0" lvl="7" algn="ctr" rtl="0">
+              <a:lnSpc>
+                <a:spcPct val="100000"/>
+              </a:lnSpc>
+              <a:spcBef>
+                <a:spcPts val="0"/>
+              </a:spcBef>
+              <a:spcAft>
+                <a:spcPts val="0"/>
+              </a:spcAft>
+              <a:buClr>
+                <a:schemeClr val="dk1"/>
+              </a:buClr>
+              <a:buSzPts val="3600"/>
+              <a:buFont typeface="Barlow"/>
+              <a:buNone/>
+              <a:defRPr sz="3600" b="1" i="0" u="none" strike="noStrike" cap="none">
+                <a:solidFill>
+                  <a:schemeClr val="dk1"/>
+                </a:solidFill>
+                <a:latin typeface="Barlow"/>
+                <a:ea typeface="Barlow"/>
+                <a:cs typeface="Barlow"/>
+                <a:sym typeface="Barlow"/>
+              </a:defRPr>
+            </a:lvl8pPr>
+            <a:lvl9pPr marR="0" lvl="8" algn="ctr" rtl="0">
+              <a:lnSpc>
+                <a:spcPct val="100000"/>
+              </a:lnSpc>
+              <a:spcBef>
+                <a:spcPts val="0"/>
+              </a:spcBef>
+              <a:spcAft>
+                <a:spcPts val="0"/>
+              </a:spcAft>
+              <a:buClr>
+                <a:schemeClr val="dk1"/>
+              </a:buClr>
+              <a:buSzPts val="3600"/>
+              <a:buFont typeface="Barlow"/>
+              <a:buNone/>
+              <a:defRPr sz="3600" b="1" i="0" u="none" strike="noStrike" cap="none">
+                <a:solidFill>
+                  <a:schemeClr val="dk1"/>
+                </a:solidFill>
+                <a:latin typeface="Barlow"/>
+                <a:ea typeface="Barlow"/>
+                <a:cs typeface="Barlow"/>
+                <a:sym typeface="Barlow"/>
+              </a:defRPr>
+            </a:lvl9pPr>
+          </a:lstStyle>
+          <a:p>
+            <a:pPr algn="ctr"/>
+            <a:r>
+              <a:rPr lang="en-US" altLang="zh-CN" sz="8000" spc="300" dirty="0">
+                <a:solidFill>
+                  <a:schemeClr val="accent4">
+                    <a:lumMod val="60000"/>
+                    <a:lumOff val="40000"/>
+                    <a:alpha val="60000"/>
+                  </a:schemeClr>
+                </a:solidFill>
+                <a:latin typeface="Amatic SC" panose="020F0502020204030204" pitchFamily="2" charset="-79"/>
+                <a:cs typeface="Amatic SC" panose="020F0502020204030204" pitchFamily="2" charset="-79"/>
+              </a:rPr>
+              <a:t>Remove outline</a:t>
+            </a:r>
+          </a:p>
+        </p:txBody>
+      </p:sp>
+      <p:pic>
+        <p:nvPicPr>
+          <p:cNvPr id="14" name="Picture 13">
+            <a:extLst>
+              <a:ext uri="{FF2B5EF4-FFF2-40B4-BE49-F238E27FC236}">
+                <a16:creationId xmlns:a16="http://schemas.microsoft.com/office/drawing/2014/main" id="{F81B9D7C-B757-BEDF-E3B3-924D33172F37}"/>
+              </a:ext>
+            </a:extLst>
+          </p:cNvPr>
+          <p:cNvPicPr>
+            <a:picLocks noChangeAspect="1"/>
+          </p:cNvPicPr>
+          <p:nvPr/>
+        </p:nvPicPr>
+        <p:blipFill>
+          <a:blip r:embed="rId2">
+            <a:extLst>
+              <a:ext uri="{28A0092B-C50C-407E-A947-70E740481C1C}">
+                <a14:useLocalDpi xmlns:a14="http://schemas.microsoft.com/office/drawing/2010/main" val="0"/>
+              </a:ext>
+            </a:extLst>
+          </a:blip>
+          <a:stretch>
+            <a:fillRect/>
+          </a:stretch>
+        </p:blipFill>
+        <p:spPr>
+          <a:xfrm>
+            <a:off x="5387417" y="1890099"/>
+            <a:ext cx="5865594" cy="4478035"/>
+          </a:xfrm>
+          <a:prstGeom prst="rect">
+            <a:avLst/>
+          </a:prstGeom>
+        </p:spPr>
+      </p:pic>
+      <p:pic>
+        <p:nvPicPr>
+          <p:cNvPr id="21" name="Picture 20">
+            <a:extLst>
+              <a:ext uri="{FF2B5EF4-FFF2-40B4-BE49-F238E27FC236}">
+                <a16:creationId xmlns:a16="http://schemas.microsoft.com/office/drawing/2014/main" id="{2DCC0593-9A66-FA27-244A-492578A1EB41}"/>
+              </a:ext>
+            </a:extLst>
+          </p:cNvPr>
+          <p:cNvPicPr>
+            <a:picLocks noChangeAspect="1"/>
+          </p:cNvPicPr>
+          <p:nvPr/>
+        </p:nvPicPr>
+        <p:blipFill>
+          <a:blip r:embed="rId3">
+            <a:extLst>
+              <a:ext uri="{28A0092B-C50C-407E-A947-70E740481C1C}">
+                <a14:useLocalDpi xmlns:a14="http://schemas.microsoft.com/office/drawing/2010/main" val="0"/>
+              </a:ext>
+            </a:extLst>
+          </a:blip>
+          <a:stretch>
+            <a:fillRect/>
+          </a:stretch>
+        </p:blipFill>
+        <p:spPr>
+          <a:xfrm>
+            <a:off x="1066061" y="1916023"/>
+            <a:ext cx="1829057" cy="4247134"/>
+          </a:xfrm>
+          <a:prstGeom prst="rect">
+            <a:avLst/>
+          </a:prstGeom>
+        </p:spPr>
+      </p:pic>
+      <p:sp>
+        <p:nvSpPr>
+          <p:cNvPr id="13" name="Rectangle 12">
+            <a:extLst>
+              <a:ext uri="{FF2B5EF4-FFF2-40B4-BE49-F238E27FC236}">
+                <a16:creationId xmlns:a16="http://schemas.microsoft.com/office/drawing/2014/main" id="{2F56703B-5BC2-61EA-CA2D-6A216C0701A1}"/>
+              </a:ext>
+            </a:extLst>
+          </p:cNvPr>
+          <p:cNvSpPr/>
+          <p:nvPr/>
+        </p:nvSpPr>
+        <p:spPr>
+          <a:xfrm>
+            <a:off x="1125213" y="5581935"/>
+            <a:ext cx="485223" cy="486884"/>
+          </a:xfrm>
+          <a:prstGeom prst="rect">
+            <a:avLst/>
+          </a:prstGeom>
+          <a:noFill/>
+          <a:ln w="38100">
+            <a:solidFill>
+              <a:srgbClr val="C00000"/>
+            </a:solidFill>
+          </a:ln>
+        </p:spPr>
+        <p:style>
+          <a:lnRef idx="2">
+            <a:schemeClr val="accent1">
+              <a:shade val="15000"/>
+            </a:schemeClr>
+          </a:lnRef>
+          <a:fillRef idx="1">
+            <a:schemeClr val="accent1"/>
+          </a:fillRef>
+          <a:effectRef idx="0">
+            <a:schemeClr val="accent1"/>
+          </a:effectRef>
+          <a:fontRef idx="minor">
+            <a:schemeClr val="lt1"/>
+          </a:fontRef>
+        </p:style>
+        <p:txBody>
+          <a:bodyPr rtlCol="0" anchor="ctr"/>
+          <a:lstStyle/>
+          <a:p>
+            <a:pPr algn="ctr"/>
+            <a:endParaRPr lang="zh-CN" altLang="en-US"/>
+          </a:p>
+        </p:txBody>
+      </p:sp>
+      <p:cxnSp>
+        <p:nvCxnSpPr>
+          <p:cNvPr id="15" name="Straight Connector 14">
+            <a:extLst>
+              <a:ext uri="{FF2B5EF4-FFF2-40B4-BE49-F238E27FC236}">
+                <a16:creationId xmlns:a16="http://schemas.microsoft.com/office/drawing/2014/main" id="{F31D6F41-CA0F-9641-57F6-42DDC4D83D61}"/>
+              </a:ext>
+            </a:extLst>
+          </p:cNvPr>
+          <p:cNvCxnSpPr>
+            <a:cxnSpLocks/>
+            <a:endCxn id="17" idx="2"/>
+          </p:cNvCxnSpPr>
+          <p:nvPr/>
+        </p:nvCxnSpPr>
+        <p:spPr>
+          <a:xfrm flipV="1">
+            <a:off x="1610436" y="3981735"/>
+            <a:ext cx="2532190" cy="1839840"/>
+          </a:xfrm>
+          <a:prstGeom prst="line">
+            <a:avLst/>
+          </a:prstGeom>
+          <a:ln w="38100">
+            <a:solidFill>
+              <a:srgbClr val="C00000"/>
+            </a:solidFill>
+          </a:ln>
+        </p:spPr>
+        <p:style>
+          <a:lnRef idx="1">
+            <a:schemeClr val="accent1"/>
+          </a:lnRef>
+          <a:fillRef idx="0">
+            <a:schemeClr val="accent1"/>
+          </a:fillRef>
+          <a:effectRef idx="0">
+            <a:schemeClr val="accent1"/>
+          </a:effectRef>
+          <a:fontRef idx="minor">
+            <a:schemeClr val="tx1"/>
+          </a:fontRef>
+        </p:style>
+      </p:cxnSp>
+      <p:sp>
+        <p:nvSpPr>
+          <p:cNvPr id="17" name="TextBox 16">
+            <a:extLst>
+              <a:ext uri="{FF2B5EF4-FFF2-40B4-BE49-F238E27FC236}">
+                <a16:creationId xmlns:a16="http://schemas.microsoft.com/office/drawing/2014/main" id="{C5318D13-801D-1696-9ECA-FE0FB83E63AA}"/>
+              </a:ext>
+            </a:extLst>
+          </p:cNvPr>
+          <p:cNvSpPr txBox="1"/>
+          <p:nvPr/>
+        </p:nvSpPr>
+        <p:spPr>
+          <a:xfrm>
+            <a:off x="2950186" y="3520070"/>
+            <a:ext cx="2384879" cy="461665"/>
+          </a:xfrm>
+          <a:prstGeom prst="rect">
+            <a:avLst/>
+          </a:prstGeom>
+          <a:noFill/>
+        </p:spPr>
+        <p:txBody>
+          <a:bodyPr wrap="square" rtlCol="0">
+            <a:spAutoFit/>
+          </a:bodyPr>
+          <a:lstStyle/>
+          <a:p>
+            <a:r>
+              <a:rPr lang="en-US" altLang="zh-CN" sz="2400" dirty="0">
+                <a:solidFill>
+                  <a:schemeClr val="bg1">
+                    <a:lumMod val="65000"/>
+                  </a:schemeClr>
+                </a:solidFill>
+                <a:latin typeface="High Tower Text" panose="02040502050506030303" pitchFamily="18" charset="0"/>
+              </a:rPr>
+              <a:t>Remove Outline</a:t>
+            </a:r>
+            <a:endParaRPr lang="zh-CN" altLang="en-US" sz="2400" dirty="0">
+              <a:solidFill>
+                <a:schemeClr val="bg1">
+                  <a:lumMod val="65000"/>
+                </a:schemeClr>
+              </a:solidFill>
+              <a:latin typeface="High Tower Text" panose="02040502050506030303" pitchFamily="18" charset="0"/>
+            </a:endParaRPr>
+          </a:p>
+        </p:txBody>
+      </p:sp>
+    </p:spTree>
+    <p:extLst>
+      <p:ext uri="{BB962C8B-B14F-4D97-AF65-F5344CB8AC3E}">
+        <p14:creationId xmlns:p14="http://schemas.microsoft.com/office/powerpoint/2010/main" val="468043706"/>
+      </p:ext>
+    </p:extLst>
+  </p:cSld>
+  <p:clrMapOvr>
+    <a:masterClrMapping/>
+  </p:clrMapOvr>
+</p:sld>
+</file>
+
+<file path=ppt/slides/slide11.xml><?xml version="1.0" encoding="utf-8"?>
+<p:sld xmlns:a="http://schemas.openxmlformats.org/drawingml/2006/main" xmlns:r="http://schemas.openxmlformats.org/officeDocument/2006/relationships" xmlns:p="http://schemas.openxmlformats.org/presentationml/2006/main">
+  <p:cSld>
+    <p:spTree>
+      <p:nvGrpSpPr>
+        <p:cNvPr id="1" name=""/>
+        <p:cNvGrpSpPr/>
+        <p:nvPr/>
+      </p:nvGrpSpPr>
+      <p:grpSpPr>
+        <a:xfrm>
+          <a:off x="0" y="0"/>
+          <a:ext cx="0" cy="0"/>
+          <a:chOff x="0" y="0"/>
+          <a:chExt cx="0" cy="0"/>
+        </a:xfrm>
+      </p:grpSpPr>
+      <p:sp>
+        <p:nvSpPr>
+          <p:cNvPr id="6" name="Rectangle 5">
+            <a:extLst>
+              <a:ext uri="{FF2B5EF4-FFF2-40B4-BE49-F238E27FC236}">
+                <a16:creationId xmlns:a16="http://schemas.microsoft.com/office/drawing/2014/main" id="{7BC4EB1B-EA6B-DFE4-AF3B-05D0EB253209}"/>
+              </a:ext>
+            </a:extLst>
+          </p:cNvPr>
+          <p:cNvSpPr/>
+          <p:nvPr/>
+        </p:nvSpPr>
+        <p:spPr>
+          <a:xfrm>
+            <a:off x="0" y="0"/>
+            <a:ext cx="12192000" cy="6858000"/>
+          </a:xfrm>
+          <a:prstGeom prst="rect">
+            <a:avLst/>
+          </a:prstGeom>
+          <a:solidFill>
+            <a:srgbClr val="23242A"/>
+          </a:solidFill>
+          <a:ln>
+            <a:noFill/>
+          </a:ln>
+        </p:spPr>
+        <p:style>
+          <a:lnRef idx="2">
+            <a:schemeClr val="accent1">
+              <a:shade val="15000"/>
+            </a:schemeClr>
+          </a:lnRef>
+          <a:fillRef idx="1">
+            <a:schemeClr val="accent1"/>
+          </a:fillRef>
+          <a:effectRef idx="0">
+            <a:schemeClr val="accent1"/>
+          </a:effectRef>
+          <a:fontRef idx="minor">
+            <a:schemeClr val="lt1"/>
+          </a:fontRef>
+        </p:style>
+        <p:txBody>
+          <a:bodyPr rtlCol="0" anchor="ctr"/>
+          <a:lstStyle/>
+          <a:p>
+            <a:pPr algn="ctr"/>
+            <a:endParaRPr lang="zh-CN" altLang="en-US" dirty="0"/>
+          </a:p>
+        </p:txBody>
+      </p:sp>
+      <p:sp>
+        <p:nvSpPr>
+          <p:cNvPr id="2" name="Slide Number Placeholder 1">
+            <a:extLst>
+              <a:ext uri="{FF2B5EF4-FFF2-40B4-BE49-F238E27FC236}">
+                <a16:creationId xmlns:a16="http://schemas.microsoft.com/office/drawing/2014/main" id="{C53E70DF-9B91-8A92-BF94-1399BB9FFE34}"/>
+              </a:ext>
+            </a:extLst>
+          </p:cNvPr>
+          <p:cNvSpPr>
+            <a:spLocks noGrp="1"/>
+          </p:cNvSpPr>
+          <p:nvPr>
+            <p:ph type="sldNum" sz="quarter" idx="12"/>
+          </p:nvPr>
+        </p:nvSpPr>
+        <p:spPr>
+          <a:xfrm>
+            <a:off x="9057739" y="6259509"/>
+            <a:ext cx="2743200" cy="365125"/>
+          </a:xfrm>
+        </p:spPr>
+        <p:txBody>
+          <a:bodyPr/>
+          <a:lstStyle/>
+          <a:p>
+            <a:fld id="{9B1EC109-1E15-4BCA-93B5-56442BB3443E}" type="slidenum">
+              <a:rPr lang="zh-CN" altLang="en-US" sz="2400" b="1" smtClean="0">
+                <a:solidFill>
+                  <a:schemeClr val="bg1">
+                    <a:lumMod val="65000"/>
+                  </a:schemeClr>
+                </a:solidFill>
+                <a:latin typeface="Bradley Hand ITC" panose="03070402050302030203" pitchFamily="66" charset="0"/>
+              </a:rPr>
+              <a:t>11</a:t>
+            </a:fld>
+            <a:endParaRPr lang="zh-CN" altLang="en-US" sz="2400" b="1" dirty="0">
+              <a:solidFill>
+                <a:schemeClr val="bg1">
+                  <a:lumMod val="65000"/>
+                </a:schemeClr>
+              </a:solidFill>
+              <a:latin typeface="Bradley Hand ITC" panose="03070402050302030203" pitchFamily="66" charset="0"/>
+            </a:endParaRPr>
+          </a:p>
+        </p:txBody>
+      </p:sp>
+      <p:sp>
+        <p:nvSpPr>
+          <p:cNvPr id="4" name="Google Shape;867;p33">
+            <a:extLst>
+              <a:ext uri="{FF2B5EF4-FFF2-40B4-BE49-F238E27FC236}">
+                <a16:creationId xmlns:a16="http://schemas.microsoft.com/office/drawing/2014/main" id="{24BC39E7-8798-676F-63C1-093D28359AFA}"/>
+              </a:ext>
+            </a:extLst>
+          </p:cNvPr>
+          <p:cNvSpPr txBox="1">
+            <a:spLocks/>
+          </p:cNvSpPr>
+          <p:nvPr/>
+        </p:nvSpPr>
+        <p:spPr>
+          <a:xfrm>
+            <a:off x="2222600" y="143850"/>
+            <a:ext cx="7746800" cy="1602400"/>
+          </a:xfrm>
+          <a:prstGeom prst="rect">
+            <a:avLst/>
+          </a:prstGeom>
+          <a:noFill/>
+          <a:ln>
+            <a:noFill/>
+          </a:ln>
+        </p:spPr>
+        <p:txBody>
+          <a:bodyPr spcFirstLastPara="1" wrap="square" lIns="91425" tIns="91425" rIns="91425" bIns="91425" anchor="b" anchorCtr="0">
+            <a:noAutofit/>
+          </a:bodyPr>
+          <a:lstStyle>
+            <a:defPPr marR="0" lvl="0" algn="l" rtl="0">
+              <a:lnSpc>
+                <a:spcPct val="100000"/>
+              </a:lnSpc>
+              <a:spcBef>
+                <a:spcPts val="0"/>
+              </a:spcBef>
+              <a:spcAft>
+                <a:spcPts val="0"/>
+              </a:spcAft>
+            </a:defPPr>
+            <a:lvl1pPr marR="0" lvl="0" algn="l" rtl="0">
+              <a:lnSpc>
+                <a:spcPct val="100000"/>
+              </a:lnSpc>
+              <a:spcBef>
+                <a:spcPts val="0"/>
+              </a:spcBef>
+              <a:spcAft>
+                <a:spcPts val="0"/>
+              </a:spcAft>
+              <a:buClr>
+                <a:schemeClr val="dk1"/>
+              </a:buClr>
+              <a:buSzPts val="3600"/>
+              <a:buFont typeface="Barlow"/>
+              <a:buNone/>
+              <a:defRPr sz="7200" b="1" i="0" u="none" strike="noStrike" cap="none">
+                <a:solidFill>
+                  <a:schemeClr val="dk1"/>
+                </a:solidFill>
+                <a:latin typeface="Barlow"/>
+                <a:ea typeface="Barlow"/>
+                <a:cs typeface="Barlow"/>
+                <a:sym typeface="Barlow"/>
+              </a:defRPr>
+            </a:lvl1pPr>
+            <a:lvl2pPr marR="0" lvl="1" algn="ctr" rtl="0">
+              <a:lnSpc>
+                <a:spcPct val="100000"/>
+              </a:lnSpc>
+              <a:spcBef>
+                <a:spcPts val="0"/>
+              </a:spcBef>
+              <a:spcAft>
+                <a:spcPts val="0"/>
+              </a:spcAft>
+              <a:buClr>
+                <a:schemeClr val="dk1"/>
+              </a:buClr>
+              <a:buSzPts val="3600"/>
+              <a:buFont typeface="Barlow"/>
+              <a:buNone/>
+              <a:defRPr sz="3600" b="1" i="0" u="none" strike="noStrike" cap="none">
+                <a:solidFill>
+                  <a:schemeClr val="dk1"/>
+                </a:solidFill>
+                <a:latin typeface="Barlow"/>
+                <a:ea typeface="Barlow"/>
+                <a:cs typeface="Barlow"/>
+                <a:sym typeface="Barlow"/>
+              </a:defRPr>
+            </a:lvl2pPr>
+            <a:lvl3pPr marR="0" lvl="2" algn="ctr" rtl="0">
+              <a:lnSpc>
+                <a:spcPct val="100000"/>
+              </a:lnSpc>
+              <a:spcBef>
+                <a:spcPts val="0"/>
+              </a:spcBef>
+              <a:spcAft>
+                <a:spcPts val="0"/>
+              </a:spcAft>
+              <a:buClr>
+                <a:schemeClr val="dk1"/>
+              </a:buClr>
+              <a:buSzPts val="3600"/>
+              <a:buFont typeface="Barlow"/>
+              <a:buNone/>
+              <a:defRPr sz="3600" b="1" i="0" u="none" strike="noStrike" cap="none">
+                <a:solidFill>
+                  <a:schemeClr val="dk1"/>
+                </a:solidFill>
+                <a:latin typeface="Barlow"/>
+                <a:ea typeface="Barlow"/>
+                <a:cs typeface="Barlow"/>
+                <a:sym typeface="Barlow"/>
+              </a:defRPr>
+            </a:lvl3pPr>
+            <a:lvl4pPr marR="0" lvl="3" algn="ctr" rtl="0">
+              <a:lnSpc>
+                <a:spcPct val="100000"/>
+              </a:lnSpc>
+              <a:spcBef>
+                <a:spcPts val="0"/>
+              </a:spcBef>
+              <a:spcAft>
+                <a:spcPts val="0"/>
+              </a:spcAft>
+              <a:buClr>
+                <a:schemeClr val="dk1"/>
+              </a:buClr>
+              <a:buSzPts val="3600"/>
+              <a:buFont typeface="Barlow"/>
+              <a:buNone/>
+              <a:defRPr sz="3600" b="1" i="0" u="none" strike="noStrike" cap="none">
+                <a:solidFill>
+                  <a:schemeClr val="dk1"/>
+                </a:solidFill>
+                <a:latin typeface="Barlow"/>
+                <a:ea typeface="Barlow"/>
+                <a:cs typeface="Barlow"/>
+                <a:sym typeface="Barlow"/>
+              </a:defRPr>
+            </a:lvl4pPr>
+            <a:lvl5pPr marR="0" lvl="4" algn="ctr" rtl="0">
+              <a:lnSpc>
+                <a:spcPct val="100000"/>
+              </a:lnSpc>
+              <a:spcBef>
+                <a:spcPts val="0"/>
+              </a:spcBef>
+              <a:spcAft>
+                <a:spcPts val="0"/>
+              </a:spcAft>
+              <a:buClr>
+                <a:schemeClr val="dk1"/>
+              </a:buClr>
+              <a:buSzPts val="3600"/>
+              <a:buFont typeface="Barlow"/>
+              <a:buNone/>
+              <a:defRPr sz="3600" b="1" i="0" u="none" strike="noStrike" cap="none">
+                <a:solidFill>
+                  <a:schemeClr val="dk1"/>
+                </a:solidFill>
+                <a:latin typeface="Barlow"/>
+                <a:ea typeface="Barlow"/>
+                <a:cs typeface="Barlow"/>
+                <a:sym typeface="Barlow"/>
+              </a:defRPr>
+            </a:lvl5pPr>
+            <a:lvl6pPr marR="0" lvl="5" algn="ctr" rtl="0">
+              <a:lnSpc>
+                <a:spcPct val="100000"/>
+              </a:lnSpc>
+              <a:spcBef>
+                <a:spcPts val="0"/>
+              </a:spcBef>
+              <a:spcAft>
+                <a:spcPts val="0"/>
+              </a:spcAft>
+              <a:buClr>
+                <a:schemeClr val="dk1"/>
+              </a:buClr>
+              <a:buSzPts val="3600"/>
+              <a:buFont typeface="Barlow"/>
+              <a:buNone/>
+              <a:defRPr sz="3600" b="1" i="0" u="none" strike="noStrike" cap="none">
+                <a:solidFill>
+                  <a:schemeClr val="dk1"/>
+                </a:solidFill>
+                <a:latin typeface="Barlow"/>
+                <a:ea typeface="Barlow"/>
+                <a:cs typeface="Barlow"/>
+                <a:sym typeface="Barlow"/>
+              </a:defRPr>
+            </a:lvl6pPr>
+            <a:lvl7pPr marR="0" lvl="6" algn="ctr" rtl="0">
+              <a:lnSpc>
+                <a:spcPct val="100000"/>
+              </a:lnSpc>
+              <a:spcBef>
+                <a:spcPts val="0"/>
+              </a:spcBef>
+              <a:spcAft>
+                <a:spcPts val="0"/>
+              </a:spcAft>
+              <a:buClr>
+                <a:schemeClr val="dk1"/>
+              </a:buClr>
+              <a:buSzPts val="3600"/>
+              <a:buFont typeface="Barlow"/>
+              <a:buNone/>
+              <a:defRPr sz="3600" b="1" i="0" u="none" strike="noStrike" cap="none">
+                <a:solidFill>
+                  <a:schemeClr val="dk1"/>
+                </a:solidFill>
+                <a:latin typeface="Barlow"/>
+                <a:ea typeface="Barlow"/>
+                <a:cs typeface="Barlow"/>
+                <a:sym typeface="Barlow"/>
+              </a:defRPr>
+            </a:lvl7pPr>
+            <a:lvl8pPr marR="0" lvl="7" algn="ctr" rtl="0">
+              <a:lnSpc>
+                <a:spcPct val="100000"/>
+              </a:lnSpc>
+              <a:spcBef>
+                <a:spcPts val="0"/>
+              </a:spcBef>
+              <a:spcAft>
+                <a:spcPts val="0"/>
+              </a:spcAft>
+              <a:buClr>
+                <a:schemeClr val="dk1"/>
+              </a:buClr>
+              <a:buSzPts val="3600"/>
+              <a:buFont typeface="Barlow"/>
+              <a:buNone/>
+              <a:defRPr sz="3600" b="1" i="0" u="none" strike="noStrike" cap="none">
+                <a:solidFill>
+                  <a:schemeClr val="dk1"/>
+                </a:solidFill>
+                <a:latin typeface="Barlow"/>
+                <a:ea typeface="Barlow"/>
+                <a:cs typeface="Barlow"/>
+                <a:sym typeface="Barlow"/>
+              </a:defRPr>
+            </a:lvl8pPr>
+            <a:lvl9pPr marR="0" lvl="8" algn="ctr" rtl="0">
+              <a:lnSpc>
+                <a:spcPct val="100000"/>
+              </a:lnSpc>
+              <a:spcBef>
+                <a:spcPts val="0"/>
+              </a:spcBef>
+              <a:spcAft>
+                <a:spcPts val="0"/>
+              </a:spcAft>
+              <a:buClr>
+                <a:schemeClr val="dk1"/>
+              </a:buClr>
+              <a:buSzPts val="3600"/>
+              <a:buFont typeface="Barlow"/>
+              <a:buNone/>
+              <a:defRPr sz="3600" b="1" i="0" u="none" strike="noStrike" cap="none">
+                <a:solidFill>
+                  <a:schemeClr val="dk1"/>
+                </a:solidFill>
+                <a:latin typeface="Barlow"/>
+                <a:ea typeface="Barlow"/>
+                <a:cs typeface="Barlow"/>
+                <a:sym typeface="Barlow"/>
+              </a:defRPr>
+            </a:lvl9pPr>
+          </a:lstStyle>
+          <a:p>
+            <a:pPr algn="ctr"/>
+            <a:r>
+              <a:rPr lang="en-US" altLang="zh-CN" sz="8000" spc="300" dirty="0">
+                <a:solidFill>
+                  <a:schemeClr val="accent4">
+                    <a:lumMod val="60000"/>
+                    <a:lumOff val="40000"/>
+                    <a:alpha val="60000"/>
+                  </a:schemeClr>
+                </a:solidFill>
+                <a:latin typeface="Amatic SC" panose="020F0502020204030204" pitchFamily="2" charset="-79"/>
+                <a:cs typeface="Amatic SC" panose="020F0502020204030204" pitchFamily="2" charset="-79"/>
+              </a:rPr>
+              <a:t>Reshape island</a:t>
+            </a:r>
+          </a:p>
+        </p:txBody>
+      </p:sp>
+      <p:pic>
+        <p:nvPicPr>
+          <p:cNvPr id="5" name="Picture 4">
+            <a:extLst>
+              <a:ext uri="{FF2B5EF4-FFF2-40B4-BE49-F238E27FC236}">
+                <a16:creationId xmlns:a16="http://schemas.microsoft.com/office/drawing/2014/main" id="{56517E08-9592-E0DC-2A80-00998AB1724D}"/>
+              </a:ext>
+            </a:extLst>
+          </p:cNvPr>
+          <p:cNvPicPr>
+            <a:picLocks noChangeAspect="1"/>
+          </p:cNvPicPr>
+          <p:nvPr/>
+        </p:nvPicPr>
+        <p:blipFill>
+          <a:blip r:embed="rId2">
+            <a:extLst>
+              <a:ext uri="{28A0092B-C50C-407E-A947-70E740481C1C}">
+                <a14:useLocalDpi xmlns:a14="http://schemas.microsoft.com/office/drawing/2010/main" val="0"/>
+              </a:ext>
+            </a:extLst>
+          </a:blip>
+          <a:stretch>
+            <a:fillRect/>
+          </a:stretch>
+        </p:blipFill>
+        <p:spPr>
+          <a:xfrm>
+            <a:off x="632058" y="2133146"/>
+            <a:ext cx="1816308" cy="3681705"/>
+          </a:xfrm>
+          <a:prstGeom prst="rect">
+            <a:avLst/>
+          </a:prstGeom>
+        </p:spPr>
+      </p:pic>
+      <p:pic>
+        <p:nvPicPr>
+          <p:cNvPr id="9" name="Picture 8">
+            <a:extLst>
+              <a:ext uri="{FF2B5EF4-FFF2-40B4-BE49-F238E27FC236}">
+                <a16:creationId xmlns:a16="http://schemas.microsoft.com/office/drawing/2014/main" id="{513D3521-37B1-6509-47CA-66B243C52637}"/>
+              </a:ext>
+            </a:extLst>
+          </p:cNvPr>
+          <p:cNvPicPr>
+            <a:picLocks noChangeAspect="1"/>
+          </p:cNvPicPr>
+          <p:nvPr/>
+        </p:nvPicPr>
+        <p:blipFill>
+          <a:blip r:embed="rId3">
+            <a:extLst>
+              <a:ext uri="{28A0092B-C50C-407E-A947-70E740481C1C}">
+                <a14:useLocalDpi xmlns:a14="http://schemas.microsoft.com/office/drawing/2010/main" val="0"/>
+              </a:ext>
+            </a:extLst>
+          </a:blip>
+          <a:stretch>
+            <a:fillRect/>
+          </a:stretch>
+        </p:blipFill>
+        <p:spPr>
+          <a:xfrm>
+            <a:off x="7984795" y="2661181"/>
+            <a:ext cx="3122146" cy="2624290"/>
+          </a:xfrm>
+          <a:prstGeom prst="rect">
+            <a:avLst/>
+          </a:prstGeom>
+        </p:spPr>
+      </p:pic>
+      <p:pic>
+        <p:nvPicPr>
+          <p:cNvPr id="11" name="Picture 10">
+            <a:extLst>
+              <a:ext uri="{FF2B5EF4-FFF2-40B4-BE49-F238E27FC236}">
+                <a16:creationId xmlns:a16="http://schemas.microsoft.com/office/drawing/2014/main" id="{08C3CF67-4743-8DC2-32A0-339895B4683B}"/>
+              </a:ext>
+            </a:extLst>
+          </p:cNvPr>
+          <p:cNvPicPr>
+            <a:picLocks noChangeAspect="1"/>
+          </p:cNvPicPr>
+          <p:nvPr/>
+        </p:nvPicPr>
+        <p:blipFill>
+          <a:blip r:embed="rId4">
+            <a:extLst>
+              <a:ext uri="{28A0092B-C50C-407E-A947-70E740481C1C}">
+                <a14:useLocalDpi xmlns:a14="http://schemas.microsoft.com/office/drawing/2010/main" val="0"/>
+              </a:ext>
+            </a:extLst>
+          </a:blip>
+          <a:stretch>
+            <a:fillRect/>
+          </a:stretch>
+        </p:blipFill>
+        <p:spPr>
+          <a:xfrm>
+            <a:off x="2888122" y="2661181"/>
+            <a:ext cx="3374087" cy="2624290"/>
+          </a:xfrm>
+          <a:prstGeom prst="rect">
+            <a:avLst/>
+          </a:prstGeom>
+        </p:spPr>
+      </p:pic>
+      <p:cxnSp>
+        <p:nvCxnSpPr>
+          <p:cNvPr id="16" name="Straight Arrow Connector 15">
+            <a:extLst>
+              <a:ext uri="{FF2B5EF4-FFF2-40B4-BE49-F238E27FC236}">
+                <a16:creationId xmlns:a16="http://schemas.microsoft.com/office/drawing/2014/main" id="{5D24655D-894D-C1B3-EFCE-29198F906669}"/>
+              </a:ext>
+            </a:extLst>
+          </p:cNvPr>
+          <p:cNvCxnSpPr/>
+          <p:nvPr/>
+        </p:nvCxnSpPr>
+        <p:spPr>
+          <a:xfrm>
+            <a:off x="6550925" y="4053385"/>
+            <a:ext cx="1057702" cy="0"/>
+          </a:xfrm>
+          <a:prstGeom prst="straightConnector1">
+            <a:avLst/>
+          </a:prstGeom>
+          <a:ln w="101600">
+            <a:solidFill>
+              <a:schemeClr val="bg2">
+                <a:lumMod val="75000"/>
+              </a:schemeClr>
+            </a:solidFill>
+            <a:tailEnd type="triangle"/>
+          </a:ln>
+        </p:spPr>
+        <p:style>
+          <a:lnRef idx="1">
+            <a:schemeClr val="accent1"/>
+          </a:lnRef>
+          <a:fillRef idx="0">
+            <a:schemeClr val="accent1"/>
+          </a:fillRef>
+          <a:effectRef idx="0">
+            <a:schemeClr val="accent1"/>
+          </a:effectRef>
+          <a:fontRef idx="minor">
+            <a:schemeClr val="tx1"/>
+          </a:fontRef>
+        </p:style>
+      </p:cxnSp>
+    </p:spTree>
+    <p:extLst>
+      <p:ext uri="{BB962C8B-B14F-4D97-AF65-F5344CB8AC3E}">
+        <p14:creationId xmlns:p14="http://schemas.microsoft.com/office/powerpoint/2010/main" val="1053139510"/>
+      </p:ext>
+    </p:extLst>
+  </p:cSld>
+  <p:clrMapOvr>
+    <a:masterClrMapping/>
+  </p:clrMapOvr>
+</p:sld>
+</file>
+
+<file path=ppt/slides/slide12.xml><?xml version="1.0" encoding="utf-8"?>
+<p:sld xmlns:a="http://schemas.openxmlformats.org/drawingml/2006/main" xmlns:r="http://schemas.openxmlformats.org/officeDocument/2006/relationships" xmlns:p="http://schemas.openxmlformats.org/presentationml/2006/main">
+  <p:cSld>
+    <p:spTree>
+      <p:nvGrpSpPr>
+        <p:cNvPr id="1" name=""/>
+        <p:cNvGrpSpPr/>
+        <p:nvPr/>
+      </p:nvGrpSpPr>
+      <p:grpSpPr>
+        <a:xfrm>
+          <a:off x="0" y="0"/>
+          <a:ext cx="0" cy="0"/>
+          <a:chOff x="0" y="0"/>
+          <a:chExt cx="0" cy="0"/>
+        </a:xfrm>
+      </p:grpSpPr>
+      <p:sp>
+        <p:nvSpPr>
+          <p:cNvPr id="6" name="Rectangle 5">
+            <a:extLst>
+              <a:ext uri="{FF2B5EF4-FFF2-40B4-BE49-F238E27FC236}">
+                <a16:creationId xmlns:a16="http://schemas.microsoft.com/office/drawing/2014/main" id="{7BC4EB1B-EA6B-DFE4-AF3B-05D0EB253209}"/>
+              </a:ext>
+            </a:extLst>
+          </p:cNvPr>
+          <p:cNvSpPr/>
+          <p:nvPr/>
+        </p:nvSpPr>
+        <p:spPr>
+          <a:xfrm>
+            <a:off x="0" y="0"/>
+            <a:ext cx="12192000" cy="6858000"/>
+          </a:xfrm>
+          <a:prstGeom prst="rect">
+            <a:avLst/>
+          </a:prstGeom>
+          <a:solidFill>
+            <a:srgbClr val="23242A"/>
+          </a:solidFill>
+          <a:ln>
+            <a:noFill/>
+          </a:ln>
+        </p:spPr>
+        <p:style>
+          <a:lnRef idx="2">
+            <a:schemeClr val="accent1">
+              <a:shade val="15000"/>
+            </a:schemeClr>
+          </a:lnRef>
+          <a:fillRef idx="1">
+            <a:schemeClr val="accent1"/>
+          </a:fillRef>
+          <a:effectRef idx="0">
+            <a:schemeClr val="accent1"/>
+          </a:effectRef>
+          <a:fontRef idx="minor">
+            <a:schemeClr val="lt1"/>
+          </a:fontRef>
+        </p:style>
+        <p:txBody>
+          <a:bodyPr rtlCol="0" anchor="ctr"/>
+          <a:lstStyle/>
+          <a:p>
+            <a:pPr algn="ctr"/>
+            <a:endParaRPr lang="zh-CN" altLang="en-US" dirty="0"/>
+          </a:p>
+        </p:txBody>
+      </p:sp>
+      <p:sp>
+        <p:nvSpPr>
+          <p:cNvPr id="2" name="Slide Number Placeholder 1">
+            <a:extLst>
+              <a:ext uri="{FF2B5EF4-FFF2-40B4-BE49-F238E27FC236}">
+                <a16:creationId xmlns:a16="http://schemas.microsoft.com/office/drawing/2014/main" id="{C53E70DF-9B91-8A92-BF94-1399BB9FFE34}"/>
+              </a:ext>
+            </a:extLst>
+          </p:cNvPr>
+          <p:cNvSpPr>
+            <a:spLocks noGrp="1"/>
+          </p:cNvSpPr>
+          <p:nvPr>
+            <p:ph type="sldNum" sz="quarter" idx="12"/>
+          </p:nvPr>
+        </p:nvSpPr>
+        <p:spPr>
+          <a:xfrm>
+            <a:off x="9057739" y="6259509"/>
+            <a:ext cx="2743200" cy="365125"/>
+          </a:xfrm>
+        </p:spPr>
+        <p:txBody>
+          <a:bodyPr/>
+          <a:lstStyle/>
+          <a:p>
+            <a:fld id="{9B1EC109-1E15-4BCA-93B5-56442BB3443E}" type="slidenum">
+              <a:rPr lang="zh-CN" altLang="en-US" sz="2400" b="1" smtClean="0">
+                <a:solidFill>
+                  <a:schemeClr val="bg1">
+                    <a:lumMod val="65000"/>
+                  </a:schemeClr>
+                </a:solidFill>
+                <a:latin typeface="Bradley Hand ITC" panose="03070402050302030203" pitchFamily="66" charset="0"/>
+              </a:rPr>
+              <a:t>12</a:t>
+            </a:fld>
+            <a:endParaRPr lang="zh-CN" altLang="en-US" sz="2400" b="1" dirty="0">
+              <a:solidFill>
+                <a:schemeClr val="bg1">
+                  <a:lumMod val="65000"/>
+                </a:schemeClr>
+              </a:solidFill>
+              <a:latin typeface="Bradley Hand ITC" panose="03070402050302030203" pitchFamily="66" charset="0"/>
+            </a:endParaRPr>
+          </a:p>
+        </p:txBody>
+      </p:sp>
+      <p:sp>
+        <p:nvSpPr>
+          <p:cNvPr id="4" name="Google Shape;867;p33">
+            <a:extLst>
+              <a:ext uri="{FF2B5EF4-FFF2-40B4-BE49-F238E27FC236}">
+                <a16:creationId xmlns:a16="http://schemas.microsoft.com/office/drawing/2014/main" id="{24BC39E7-8798-676F-63C1-093D28359AFA}"/>
+              </a:ext>
+            </a:extLst>
+          </p:cNvPr>
+          <p:cNvSpPr txBox="1">
+            <a:spLocks/>
+          </p:cNvSpPr>
+          <p:nvPr/>
+        </p:nvSpPr>
+        <p:spPr>
+          <a:xfrm>
+            <a:off x="2222600" y="143850"/>
+            <a:ext cx="7746800" cy="1602400"/>
+          </a:xfrm>
+          <a:prstGeom prst="rect">
+            <a:avLst/>
+          </a:prstGeom>
+          <a:noFill/>
+          <a:ln>
+            <a:noFill/>
+          </a:ln>
+        </p:spPr>
+        <p:txBody>
+          <a:bodyPr spcFirstLastPara="1" wrap="square" lIns="91425" tIns="91425" rIns="91425" bIns="91425" anchor="b" anchorCtr="0">
+            <a:noAutofit/>
+          </a:bodyPr>
+          <a:lstStyle>
+            <a:defPPr marR="0" lvl="0" algn="l" rtl="0">
+              <a:lnSpc>
+                <a:spcPct val="100000"/>
+              </a:lnSpc>
+              <a:spcBef>
+                <a:spcPts val="0"/>
+              </a:spcBef>
+              <a:spcAft>
+                <a:spcPts val="0"/>
+              </a:spcAft>
+            </a:defPPr>
+            <a:lvl1pPr marR="0" lvl="0" algn="l" rtl="0">
+              <a:lnSpc>
+                <a:spcPct val="100000"/>
+              </a:lnSpc>
+              <a:spcBef>
+                <a:spcPts val="0"/>
+              </a:spcBef>
+              <a:spcAft>
+                <a:spcPts val="0"/>
+              </a:spcAft>
+              <a:buClr>
+                <a:schemeClr val="dk1"/>
+              </a:buClr>
+              <a:buSzPts val="3600"/>
+              <a:buFont typeface="Barlow"/>
+              <a:buNone/>
+              <a:defRPr sz="7200" b="1" i="0" u="none" strike="noStrike" cap="none">
+                <a:solidFill>
+                  <a:schemeClr val="dk1"/>
+                </a:solidFill>
+                <a:latin typeface="Barlow"/>
+                <a:ea typeface="Barlow"/>
+                <a:cs typeface="Barlow"/>
+                <a:sym typeface="Barlow"/>
+              </a:defRPr>
+            </a:lvl1pPr>
+            <a:lvl2pPr marR="0" lvl="1" algn="ctr" rtl="0">
+              <a:lnSpc>
+                <a:spcPct val="100000"/>
+              </a:lnSpc>
+              <a:spcBef>
+                <a:spcPts val="0"/>
+              </a:spcBef>
+              <a:spcAft>
+                <a:spcPts val="0"/>
+              </a:spcAft>
+              <a:buClr>
+                <a:schemeClr val="dk1"/>
+              </a:buClr>
+              <a:buSzPts val="3600"/>
+              <a:buFont typeface="Barlow"/>
+              <a:buNone/>
+              <a:defRPr sz="3600" b="1" i="0" u="none" strike="noStrike" cap="none">
+                <a:solidFill>
+                  <a:schemeClr val="dk1"/>
+                </a:solidFill>
+                <a:latin typeface="Barlow"/>
+                <a:ea typeface="Barlow"/>
+                <a:cs typeface="Barlow"/>
+                <a:sym typeface="Barlow"/>
+              </a:defRPr>
+            </a:lvl2pPr>
+            <a:lvl3pPr marR="0" lvl="2" algn="ctr" rtl="0">
+              <a:lnSpc>
+                <a:spcPct val="100000"/>
+              </a:lnSpc>
+              <a:spcBef>
+                <a:spcPts val="0"/>
+              </a:spcBef>
+              <a:spcAft>
+                <a:spcPts val="0"/>
+              </a:spcAft>
+              <a:buClr>
+                <a:schemeClr val="dk1"/>
+              </a:buClr>
+              <a:buSzPts val="3600"/>
+              <a:buFont typeface="Barlow"/>
+              <a:buNone/>
+              <a:defRPr sz="3600" b="1" i="0" u="none" strike="noStrike" cap="none">
+                <a:solidFill>
+                  <a:schemeClr val="dk1"/>
+                </a:solidFill>
+                <a:latin typeface="Barlow"/>
+                <a:ea typeface="Barlow"/>
+                <a:cs typeface="Barlow"/>
+                <a:sym typeface="Barlow"/>
+              </a:defRPr>
+            </a:lvl3pPr>
+            <a:lvl4pPr marR="0" lvl="3" algn="ctr" rtl="0">
+              <a:lnSpc>
+                <a:spcPct val="100000"/>
+              </a:lnSpc>
+              <a:spcBef>
+                <a:spcPts val="0"/>
+              </a:spcBef>
+              <a:spcAft>
+                <a:spcPts val="0"/>
+              </a:spcAft>
+              <a:buClr>
+                <a:schemeClr val="dk1"/>
+              </a:buClr>
+              <a:buSzPts val="3600"/>
+              <a:buFont typeface="Barlow"/>
+              <a:buNone/>
+              <a:defRPr sz="3600" b="1" i="0" u="none" strike="noStrike" cap="none">
+                <a:solidFill>
+                  <a:schemeClr val="dk1"/>
+                </a:solidFill>
+                <a:latin typeface="Barlow"/>
+                <a:ea typeface="Barlow"/>
+                <a:cs typeface="Barlow"/>
+                <a:sym typeface="Barlow"/>
+              </a:defRPr>
+            </a:lvl4pPr>
+            <a:lvl5pPr marR="0" lvl="4" algn="ctr" rtl="0">
+              <a:lnSpc>
+                <a:spcPct val="100000"/>
+              </a:lnSpc>
+              <a:spcBef>
+                <a:spcPts val="0"/>
+              </a:spcBef>
+              <a:spcAft>
+                <a:spcPts val="0"/>
+              </a:spcAft>
+              <a:buClr>
+                <a:schemeClr val="dk1"/>
+              </a:buClr>
+              <a:buSzPts val="3600"/>
+              <a:buFont typeface="Barlow"/>
+              <a:buNone/>
+              <a:defRPr sz="3600" b="1" i="0" u="none" strike="noStrike" cap="none">
+                <a:solidFill>
+                  <a:schemeClr val="dk1"/>
+                </a:solidFill>
+                <a:latin typeface="Barlow"/>
+                <a:ea typeface="Barlow"/>
+                <a:cs typeface="Barlow"/>
+                <a:sym typeface="Barlow"/>
+              </a:defRPr>
+            </a:lvl5pPr>
+            <a:lvl6pPr marR="0" lvl="5" algn="ctr" rtl="0">
+              <a:lnSpc>
+                <a:spcPct val="100000"/>
+              </a:lnSpc>
+              <a:spcBef>
+                <a:spcPts val="0"/>
+              </a:spcBef>
+              <a:spcAft>
+                <a:spcPts val="0"/>
+              </a:spcAft>
+              <a:buClr>
+                <a:schemeClr val="dk1"/>
+              </a:buClr>
+              <a:buSzPts val="3600"/>
+              <a:buFont typeface="Barlow"/>
+              <a:buNone/>
+              <a:defRPr sz="3600" b="1" i="0" u="none" strike="noStrike" cap="none">
+                <a:solidFill>
+                  <a:schemeClr val="dk1"/>
+                </a:solidFill>
+                <a:latin typeface="Barlow"/>
+                <a:ea typeface="Barlow"/>
+                <a:cs typeface="Barlow"/>
+                <a:sym typeface="Barlow"/>
+              </a:defRPr>
+            </a:lvl6pPr>
+            <a:lvl7pPr marR="0" lvl="6" algn="ctr" rtl="0">
+              <a:lnSpc>
+                <a:spcPct val="100000"/>
+              </a:lnSpc>
+              <a:spcBef>
+                <a:spcPts val="0"/>
+              </a:spcBef>
+              <a:spcAft>
+                <a:spcPts val="0"/>
+              </a:spcAft>
+              <a:buClr>
+                <a:schemeClr val="dk1"/>
+              </a:buClr>
+              <a:buSzPts val="3600"/>
+              <a:buFont typeface="Barlow"/>
+              <a:buNone/>
+              <a:defRPr sz="3600" b="1" i="0" u="none" strike="noStrike" cap="none">
+                <a:solidFill>
+                  <a:schemeClr val="dk1"/>
+                </a:solidFill>
+                <a:latin typeface="Barlow"/>
+                <a:ea typeface="Barlow"/>
+                <a:cs typeface="Barlow"/>
+                <a:sym typeface="Barlow"/>
+              </a:defRPr>
+            </a:lvl7pPr>
+            <a:lvl8pPr marR="0" lvl="7" algn="ctr" rtl="0">
+              <a:lnSpc>
+                <a:spcPct val="100000"/>
+              </a:lnSpc>
+              <a:spcBef>
+                <a:spcPts val="0"/>
+              </a:spcBef>
+              <a:spcAft>
+                <a:spcPts val="0"/>
+              </a:spcAft>
+              <a:buClr>
+                <a:schemeClr val="dk1"/>
+              </a:buClr>
+              <a:buSzPts val="3600"/>
+              <a:buFont typeface="Barlow"/>
+              <a:buNone/>
+              <a:defRPr sz="3600" b="1" i="0" u="none" strike="noStrike" cap="none">
+                <a:solidFill>
+                  <a:schemeClr val="dk1"/>
+                </a:solidFill>
+                <a:latin typeface="Barlow"/>
+                <a:ea typeface="Barlow"/>
+                <a:cs typeface="Barlow"/>
+                <a:sym typeface="Barlow"/>
+              </a:defRPr>
+            </a:lvl8pPr>
+            <a:lvl9pPr marR="0" lvl="8" algn="ctr" rtl="0">
+              <a:lnSpc>
+                <a:spcPct val="100000"/>
+              </a:lnSpc>
+              <a:spcBef>
+                <a:spcPts val="0"/>
+              </a:spcBef>
+              <a:spcAft>
+                <a:spcPts val="0"/>
+              </a:spcAft>
+              <a:buClr>
+                <a:schemeClr val="dk1"/>
+              </a:buClr>
+              <a:buSzPts val="3600"/>
+              <a:buFont typeface="Barlow"/>
+              <a:buNone/>
+              <a:defRPr sz="3600" b="1" i="0" u="none" strike="noStrike" cap="none">
+                <a:solidFill>
+                  <a:schemeClr val="dk1"/>
+                </a:solidFill>
+                <a:latin typeface="Barlow"/>
+                <a:ea typeface="Barlow"/>
+                <a:cs typeface="Barlow"/>
+                <a:sym typeface="Barlow"/>
+              </a:defRPr>
+            </a:lvl9pPr>
+          </a:lstStyle>
+          <a:p>
+            <a:pPr algn="ctr"/>
+            <a:r>
+              <a:rPr lang="en-US" altLang="zh-CN" sz="8000" spc="300" dirty="0">
+                <a:solidFill>
+                  <a:schemeClr val="accent4">
+                    <a:lumMod val="60000"/>
+                    <a:lumOff val="40000"/>
+                    <a:alpha val="60000"/>
+                  </a:schemeClr>
+                </a:solidFill>
+                <a:latin typeface="Amatic SC" panose="020F0502020204030204" pitchFamily="2" charset="-79"/>
+                <a:cs typeface="Amatic SC" panose="020F0502020204030204" pitchFamily="2" charset="-79"/>
+              </a:rPr>
+              <a:t>Draw Waves</a:t>
+            </a:r>
+          </a:p>
+        </p:txBody>
+      </p:sp>
+      <p:pic>
+        <p:nvPicPr>
+          <p:cNvPr id="7" name="Picture 6">
+            <a:extLst>
+              <a:ext uri="{FF2B5EF4-FFF2-40B4-BE49-F238E27FC236}">
+                <a16:creationId xmlns:a16="http://schemas.microsoft.com/office/drawing/2014/main" id="{DEFF10DA-9827-A31C-FF22-8757998DB15A}"/>
+              </a:ext>
+            </a:extLst>
+          </p:cNvPr>
+          <p:cNvPicPr>
+            <a:picLocks noChangeAspect="1"/>
+          </p:cNvPicPr>
+          <p:nvPr/>
+        </p:nvPicPr>
+        <p:blipFill>
+          <a:blip r:embed="rId2">
+            <a:extLst>
+              <a:ext uri="{28A0092B-C50C-407E-A947-70E740481C1C}">
+                <a14:useLocalDpi xmlns:a14="http://schemas.microsoft.com/office/drawing/2010/main" val="0"/>
+              </a:ext>
+            </a:extLst>
+          </a:blip>
+          <a:stretch>
+            <a:fillRect/>
+          </a:stretch>
+        </p:blipFill>
+        <p:spPr>
+          <a:xfrm>
+            <a:off x="999881" y="2371218"/>
+            <a:ext cx="1681285" cy="3265306"/>
+          </a:xfrm>
+          <a:prstGeom prst="rect">
+            <a:avLst/>
+          </a:prstGeom>
+        </p:spPr>
+      </p:pic>
+      <p:pic>
+        <p:nvPicPr>
+          <p:cNvPr id="13" name="Picture 12">
+            <a:extLst>
+              <a:ext uri="{FF2B5EF4-FFF2-40B4-BE49-F238E27FC236}">
+                <a16:creationId xmlns:a16="http://schemas.microsoft.com/office/drawing/2014/main" id="{7AD2AF8C-AABD-3123-F416-4B91BD730FF5}"/>
+              </a:ext>
+            </a:extLst>
+          </p:cNvPr>
+          <p:cNvPicPr>
+            <a:picLocks noChangeAspect="1"/>
+          </p:cNvPicPr>
+          <p:nvPr/>
+        </p:nvPicPr>
+        <p:blipFill>
+          <a:blip r:embed="rId3">
+            <a:extLst>
+              <a:ext uri="{28A0092B-C50C-407E-A947-70E740481C1C}">
+                <a14:useLocalDpi xmlns:a14="http://schemas.microsoft.com/office/drawing/2010/main" val="0"/>
+              </a:ext>
+            </a:extLst>
+          </a:blip>
+          <a:stretch>
+            <a:fillRect/>
+          </a:stretch>
+        </p:blipFill>
+        <p:spPr>
+          <a:xfrm>
+            <a:off x="3420698" y="1906563"/>
+            <a:ext cx="1803265" cy="3797939"/>
+          </a:xfrm>
+          <a:prstGeom prst="rect">
+            <a:avLst/>
+          </a:prstGeom>
+        </p:spPr>
+      </p:pic>
+      <p:sp>
+        <p:nvSpPr>
+          <p:cNvPr id="14" name="TextBox 13">
+            <a:extLst>
+              <a:ext uri="{FF2B5EF4-FFF2-40B4-BE49-F238E27FC236}">
+                <a16:creationId xmlns:a16="http://schemas.microsoft.com/office/drawing/2014/main" id="{9671F2DC-C598-0956-9B37-A718CA926A52}"/>
+              </a:ext>
+            </a:extLst>
+          </p:cNvPr>
+          <p:cNvSpPr txBox="1"/>
+          <p:nvPr/>
+        </p:nvSpPr>
+        <p:spPr>
+          <a:xfrm>
+            <a:off x="5223963" y="2590803"/>
+            <a:ext cx="1803265" cy="461665"/>
+          </a:xfrm>
+          <a:prstGeom prst="rect">
+            <a:avLst/>
+          </a:prstGeom>
+          <a:noFill/>
+        </p:spPr>
+        <p:txBody>
+          <a:bodyPr wrap="square" rtlCol="0">
+            <a:spAutoFit/>
+          </a:bodyPr>
+          <a:lstStyle/>
+          <a:p>
+            <a:r>
+              <a:rPr lang="en-US" altLang="zh-CN" sz="2400" dirty="0">
+                <a:solidFill>
+                  <a:schemeClr val="bg1">
+                    <a:lumMod val="65000"/>
+                  </a:schemeClr>
+                </a:solidFill>
+                <a:latin typeface="High Tower Text" panose="02040502050506030303" pitchFamily="18" charset="0"/>
+              </a:rPr>
+              <a:t>Color: 55</a:t>
+            </a:r>
+            <a:endParaRPr lang="zh-CN" altLang="en-US" sz="2400" dirty="0">
+              <a:solidFill>
+                <a:schemeClr val="bg1">
+                  <a:lumMod val="65000"/>
+                </a:schemeClr>
+              </a:solidFill>
+              <a:latin typeface="High Tower Text" panose="02040502050506030303" pitchFamily="18" charset="0"/>
+            </a:endParaRPr>
+          </a:p>
+        </p:txBody>
+      </p:sp>
+      <p:sp>
+        <p:nvSpPr>
+          <p:cNvPr id="15" name="TextBox 14">
+            <a:extLst>
+              <a:ext uri="{FF2B5EF4-FFF2-40B4-BE49-F238E27FC236}">
+                <a16:creationId xmlns:a16="http://schemas.microsoft.com/office/drawing/2014/main" id="{58F0674C-B7E9-290D-2F27-C7DEDEC47186}"/>
+              </a:ext>
+            </a:extLst>
+          </p:cNvPr>
+          <p:cNvSpPr txBox="1"/>
+          <p:nvPr/>
+        </p:nvSpPr>
+        <p:spPr>
+          <a:xfrm>
+            <a:off x="5215346" y="3162872"/>
+            <a:ext cx="2147730" cy="461665"/>
+          </a:xfrm>
+          <a:prstGeom prst="rect">
+            <a:avLst/>
+          </a:prstGeom>
+          <a:noFill/>
+        </p:spPr>
+        <p:txBody>
+          <a:bodyPr wrap="square" rtlCol="0">
+            <a:spAutoFit/>
+          </a:bodyPr>
+          <a:lstStyle/>
+          <a:p>
+            <a:r>
+              <a:rPr lang="en-US" altLang="zh-CN" sz="2400" dirty="0">
+                <a:solidFill>
+                  <a:schemeClr val="bg1">
+                    <a:lumMod val="65000"/>
+                  </a:schemeClr>
+                </a:solidFill>
+                <a:latin typeface="High Tower Text" panose="02040502050506030303" pitchFamily="18" charset="0"/>
+              </a:rPr>
+              <a:t>Saturation: 100</a:t>
+            </a:r>
+            <a:endParaRPr lang="zh-CN" altLang="en-US" sz="2400" dirty="0">
+              <a:solidFill>
+                <a:schemeClr val="bg1">
+                  <a:lumMod val="65000"/>
+                </a:schemeClr>
+              </a:solidFill>
+              <a:latin typeface="High Tower Text" panose="02040502050506030303" pitchFamily="18" charset="0"/>
+            </a:endParaRPr>
+          </a:p>
+        </p:txBody>
+      </p:sp>
+      <p:sp>
+        <p:nvSpPr>
+          <p:cNvPr id="17" name="TextBox 16">
+            <a:extLst>
+              <a:ext uri="{FF2B5EF4-FFF2-40B4-BE49-F238E27FC236}">
+                <a16:creationId xmlns:a16="http://schemas.microsoft.com/office/drawing/2014/main" id="{FA2B98F6-A834-C00F-3B7B-9B76B5FF609F}"/>
+              </a:ext>
+            </a:extLst>
+          </p:cNvPr>
+          <p:cNvSpPr txBox="1"/>
+          <p:nvPr/>
+        </p:nvSpPr>
+        <p:spPr>
+          <a:xfrm>
+            <a:off x="5223963" y="3734941"/>
+            <a:ext cx="2344279" cy="461665"/>
+          </a:xfrm>
+          <a:prstGeom prst="rect">
+            <a:avLst/>
+          </a:prstGeom>
+          <a:noFill/>
+        </p:spPr>
+        <p:txBody>
+          <a:bodyPr wrap="square" rtlCol="0">
+            <a:spAutoFit/>
+          </a:bodyPr>
+          <a:lstStyle/>
+          <a:p>
+            <a:r>
+              <a:rPr lang="en-US" altLang="zh-CN" sz="2400" dirty="0">
+                <a:solidFill>
+                  <a:schemeClr val="bg1">
+                    <a:lumMod val="65000"/>
+                  </a:schemeClr>
+                </a:solidFill>
+                <a:latin typeface="High Tower Text" panose="02040502050506030303" pitchFamily="18" charset="0"/>
+              </a:rPr>
+              <a:t>Brightness: 80</a:t>
+            </a:r>
+            <a:endParaRPr lang="zh-CN" altLang="en-US" sz="2400" dirty="0">
+              <a:solidFill>
+                <a:schemeClr val="bg1">
+                  <a:lumMod val="65000"/>
+                </a:schemeClr>
+              </a:solidFill>
+              <a:latin typeface="High Tower Text" panose="02040502050506030303" pitchFamily="18" charset="0"/>
+            </a:endParaRPr>
+          </a:p>
+        </p:txBody>
+      </p:sp>
+      <p:sp>
+        <p:nvSpPr>
+          <p:cNvPr id="18" name="TextBox 17">
+            <a:extLst>
+              <a:ext uri="{FF2B5EF4-FFF2-40B4-BE49-F238E27FC236}">
+                <a16:creationId xmlns:a16="http://schemas.microsoft.com/office/drawing/2014/main" id="{0A1791A7-6B2D-76FD-094A-6FC6F3D1414D}"/>
+              </a:ext>
+            </a:extLst>
+          </p:cNvPr>
+          <p:cNvSpPr txBox="1"/>
+          <p:nvPr/>
+        </p:nvSpPr>
+        <p:spPr>
+          <a:xfrm>
+            <a:off x="5215346" y="4345650"/>
+            <a:ext cx="2099963" cy="461665"/>
+          </a:xfrm>
+          <a:prstGeom prst="rect">
+            <a:avLst/>
+          </a:prstGeom>
+          <a:noFill/>
+        </p:spPr>
+        <p:txBody>
+          <a:bodyPr wrap="square" rtlCol="0">
+            <a:spAutoFit/>
+          </a:bodyPr>
+          <a:lstStyle/>
+          <a:p>
+            <a:r>
+              <a:rPr lang="en-US" altLang="zh-CN" sz="2400" dirty="0">
+                <a:solidFill>
+                  <a:schemeClr val="bg1">
+                    <a:lumMod val="65000"/>
+                  </a:schemeClr>
+                </a:solidFill>
+                <a:latin typeface="High Tower Text" panose="02040502050506030303" pitchFamily="18" charset="0"/>
+              </a:rPr>
+              <a:t>Opacity: 100</a:t>
+            </a:r>
+            <a:endParaRPr lang="zh-CN" altLang="en-US" sz="2400" dirty="0">
+              <a:solidFill>
+                <a:schemeClr val="bg1">
+                  <a:lumMod val="65000"/>
+                </a:schemeClr>
+              </a:solidFill>
+              <a:latin typeface="High Tower Text" panose="02040502050506030303" pitchFamily="18" charset="0"/>
+            </a:endParaRPr>
+          </a:p>
+        </p:txBody>
+      </p:sp>
+      <p:pic>
+        <p:nvPicPr>
+          <p:cNvPr id="20" name="Picture 19">
+            <a:extLst>
+              <a:ext uri="{FF2B5EF4-FFF2-40B4-BE49-F238E27FC236}">
+                <a16:creationId xmlns:a16="http://schemas.microsoft.com/office/drawing/2014/main" id="{AB83CD31-468C-DD24-64C5-20B16C4BDDE0}"/>
+              </a:ext>
+            </a:extLst>
+          </p:cNvPr>
+          <p:cNvPicPr>
+            <a:picLocks noChangeAspect="1"/>
+          </p:cNvPicPr>
+          <p:nvPr/>
+        </p:nvPicPr>
+        <p:blipFill>
+          <a:blip r:embed="rId4">
+            <a:extLst>
+              <a:ext uri="{28A0092B-C50C-407E-A947-70E740481C1C}">
+                <a14:useLocalDpi xmlns:a14="http://schemas.microsoft.com/office/drawing/2010/main" val="0"/>
+              </a:ext>
+            </a:extLst>
+          </a:blip>
+          <a:stretch>
+            <a:fillRect/>
+          </a:stretch>
+        </p:blipFill>
+        <p:spPr>
+          <a:xfrm>
+            <a:off x="7536592" y="2308934"/>
+            <a:ext cx="4183551" cy="3394406"/>
+          </a:xfrm>
+          <a:prstGeom prst="rect">
+            <a:avLst/>
+          </a:prstGeom>
+        </p:spPr>
+      </p:pic>
+    </p:spTree>
+    <p:extLst>
+      <p:ext uri="{BB962C8B-B14F-4D97-AF65-F5344CB8AC3E}">
+        <p14:creationId xmlns:p14="http://schemas.microsoft.com/office/powerpoint/2010/main" val="3071221807"/>
+      </p:ext>
+    </p:extLst>
+  </p:cSld>
+  <p:clrMapOvr>
+    <a:masterClrMapping/>
+  </p:clrMapOvr>
+</p:sld>
+</file>
+
+<file path=ppt/slides/slide13.xml><?xml version="1.0" encoding="utf-8"?>
+<p:sld xmlns:a="http://schemas.openxmlformats.org/drawingml/2006/main" xmlns:r="http://schemas.openxmlformats.org/officeDocument/2006/relationships" xmlns:p="http://schemas.openxmlformats.org/presentationml/2006/main">
+  <p:cSld>
+    <p:spTree>
+      <p:nvGrpSpPr>
+        <p:cNvPr id="1" name=""/>
+        <p:cNvGrpSpPr/>
+        <p:nvPr/>
+      </p:nvGrpSpPr>
+      <p:grpSpPr>
+        <a:xfrm>
+          <a:off x="0" y="0"/>
+          <a:ext cx="0" cy="0"/>
+          <a:chOff x="0" y="0"/>
+          <a:chExt cx="0" cy="0"/>
+        </a:xfrm>
+      </p:grpSpPr>
+      <p:sp>
+        <p:nvSpPr>
+          <p:cNvPr id="6" name="Rectangle 5">
+            <a:extLst>
+              <a:ext uri="{FF2B5EF4-FFF2-40B4-BE49-F238E27FC236}">
+                <a16:creationId xmlns:a16="http://schemas.microsoft.com/office/drawing/2014/main" id="{7BC4EB1B-EA6B-DFE4-AF3B-05D0EB253209}"/>
+              </a:ext>
+            </a:extLst>
+          </p:cNvPr>
+          <p:cNvSpPr/>
+          <p:nvPr/>
+        </p:nvSpPr>
+        <p:spPr>
+          <a:xfrm>
+            <a:off x="0" y="0"/>
+            <a:ext cx="12192000" cy="6858000"/>
+          </a:xfrm>
+          <a:prstGeom prst="rect">
+            <a:avLst/>
+          </a:prstGeom>
+          <a:solidFill>
+            <a:srgbClr val="23242A"/>
+          </a:solidFill>
+          <a:ln>
+            <a:noFill/>
+          </a:ln>
+        </p:spPr>
+        <p:style>
+          <a:lnRef idx="2">
+            <a:schemeClr val="accent1">
+              <a:shade val="15000"/>
+            </a:schemeClr>
+          </a:lnRef>
+          <a:fillRef idx="1">
+            <a:schemeClr val="accent1"/>
+          </a:fillRef>
+          <a:effectRef idx="0">
+            <a:schemeClr val="accent1"/>
+          </a:effectRef>
+          <a:fontRef idx="minor">
+            <a:schemeClr val="lt1"/>
+          </a:fontRef>
+        </p:style>
+        <p:txBody>
+          <a:bodyPr rtlCol="0" anchor="ctr"/>
+          <a:lstStyle/>
+          <a:p>
+            <a:pPr algn="ctr"/>
+            <a:endParaRPr lang="zh-CN" altLang="en-US" dirty="0"/>
+          </a:p>
+        </p:txBody>
+      </p:sp>
+      <p:sp>
+        <p:nvSpPr>
+          <p:cNvPr id="2" name="Slide Number Placeholder 1">
+            <a:extLst>
+              <a:ext uri="{FF2B5EF4-FFF2-40B4-BE49-F238E27FC236}">
+                <a16:creationId xmlns:a16="http://schemas.microsoft.com/office/drawing/2014/main" id="{C53E70DF-9B91-8A92-BF94-1399BB9FFE34}"/>
+              </a:ext>
+            </a:extLst>
+          </p:cNvPr>
+          <p:cNvSpPr>
+            <a:spLocks noGrp="1"/>
+          </p:cNvSpPr>
+          <p:nvPr>
+            <p:ph type="sldNum" sz="quarter" idx="12"/>
+          </p:nvPr>
+        </p:nvSpPr>
+        <p:spPr>
+          <a:xfrm>
+            <a:off x="9057739" y="6259509"/>
+            <a:ext cx="2743200" cy="365125"/>
+          </a:xfrm>
+        </p:spPr>
+        <p:txBody>
+          <a:bodyPr/>
+          <a:lstStyle/>
+          <a:p>
+            <a:fld id="{9B1EC109-1E15-4BCA-93B5-56442BB3443E}" type="slidenum">
+              <a:rPr lang="zh-CN" altLang="en-US" sz="2400" b="1" smtClean="0">
+                <a:solidFill>
+                  <a:schemeClr val="bg1">
+                    <a:lumMod val="65000"/>
+                  </a:schemeClr>
+                </a:solidFill>
+                <a:latin typeface="Bradley Hand ITC" panose="03070402050302030203" pitchFamily="66" charset="0"/>
+              </a:rPr>
+              <a:t>13</a:t>
+            </a:fld>
+            <a:endParaRPr lang="zh-CN" altLang="en-US" sz="2400" b="1" dirty="0">
+              <a:solidFill>
+                <a:schemeClr val="bg1">
+                  <a:lumMod val="65000"/>
+                </a:schemeClr>
+              </a:solidFill>
+              <a:latin typeface="Bradley Hand ITC" panose="03070402050302030203" pitchFamily="66" charset="0"/>
+            </a:endParaRPr>
+          </a:p>
+        </p:txBody>
+      </p:sp>
+      <p:sp>
+        <p:nvSpPr>
+          <p:cNvPr id="4" name="Google Shape;867;p33">
+            <a:extLst>
+              <a:ext uri="{FF2B5EF4-FFF2-40B4-BE49-F238E27FC236}">
+                <a16:creationId xmlns:a16="http://schemas.microsoft.com/office/drawing/2014/main" id="{24BC39E7-8798-676F-63C1-093D28359AFA}"/>
+              </a:ext>
+            </a:extLst>
+          </p:cNvPr>
+          <p:cNvSpPr txBox="1">
+            <a:spLocks/>
+          </p:cNvSpPr>
+          <p:nvPr/>
+        </p:nvSpPr>
+        <p:spPr>
+          <a:xfrm>
+            <a:off x="2222600" y="143850"/>
+            <a:ext cx="7746800" cy="1602400"/>
+          </a:xfrm>
+          <a:prstGeom prst="rect">
+            <a:avLst/>
+          </a:prstGeom>
+          <a:noFill/>
+          <a:ln>
+            <a:noFill/>
+          </a:ln>
+        </p:spPr>
+        <p:txBody>
+          <a:bodyPr spcFirstLastPara="1" wrap="square" lIns="91425" tIns="91425" rIns="91425" bIns="91425" anchor="b" anchorCtr="0">
+            <a:noAutofit/>
+          </a:bodyPr>
+          <a:lstStyle>
+            <a:defPPr marR="0" lvl="0" algn="l" rtl="0">
+              <a:lnSpc>
+                <a:spcPct val="100000"/>
+              </a:lnSpc>
+              <a:spcBef>
+                <a:spcPts val="0"/>
+              </a:spcBef>
+              <a:spcAft>
+                <a:spcPts val="0"/>
+              </a:spcAft>
+            </a:defPPr>
+            <a:lvl1pPr marR="0" lvl="0" algn="l" rtl="0">
+              <a:lnSpc>
+                <a:spcPct val="100000"/>
+              </a:lnSpc>
+              <a:spcBef>
+                <a:spcPts val="0"/>
+              </a:spcBef>
+              <a:spcAft>
+                <a:spcPts val="0"/>
+              </a:spcAft>
+              <a:buClr>
+                <a:schemeClr val="dk1"/>
+              </a:buClr>
+              <a:buSzPts val="3600"/>
+              <a:buFont typeface="Barlow"/>
+              <a:buNone/>
+              <a:defRPr sz="7200" b="1" i="0" u="none" strike="noStrike" cap="none">
+                <a:solidFill>
+                  <a:schemeClr val="dk1"/>
+                </a:solidFill>
+                <a:latin typeface="Barlow"/>
+                <a:ea typeface="Barlow"/>
+                <a:cs typeface="Barlow"/>
+                <a:sym typeface="Barlow"/>
+              </a:defRPr>
+            </a:lvl1pPr>
+            <a:lvl2pPr marR="0" lvl="1" algn="ctr" rtl="0">
+              <a:lnSpc>
+                <a:spcPct val="100000"/>
+              </a:lnSpc>
+              <a:spcBef>
+                <a:spcPts val="0"/>
+              </a:spcBef>
+              <a:spcAft>
+                <a:spcPts val="0"/>
+              </a:spcAft>
+              <a:buClr>
+                <a:schemeClr val="dk1"/>
+              </a:buClr>
+              <a:buSzPts val="3600"/>
+              <a:buFont typeface="Barlow"/>
+              <a:buNone/>
+              <a:defRPr sz="3600" b="1" i="0" u="none" strike="noStrike" cap="none">
+                <a:solidFill>
+                  <a:schemeClr val="dk1"/>
+                </a:solidFill>
+                <a:latin typeface="Barlow"/>
+                <a:ea typeface="Barlow"/>
+                <a:cs typeface="Barlow"/>
+                <a:sym typeface="Barlow"/>
+              </a:defRPr>
+            </a:lvl2pPr>
+            <a:lvl3pPr marR="0" lvl="2" algn="ctr" rtl="0">
+              <a:lnSpc>
+                <a:spcPct val="100000"/>
+              </a:lnSpc>
+              <a:spcBef>
+                <a:spcPts val="0"/>
+              </a:spcBef>
+              <a:spcAft>
+                <a:spcPts val="0"/>
+              </a:spcAft>
+              <a:buClr>
+                <a:schemeClr val="dk1"/>
+              </a:buClr>
+              <a:buSzPts val="3600"/>
+              <a:buFont typeface="Barlow"/>
+              <a:buNone/>
+              <a:defRPr sz="3600" b="1" i="0" u="none" strike="noStrike" cap="none">
+                <a:solidFill>
+                  <a:schemeClr val="dk1"/>
+                </a:solidFill>
+                <a:latin typeface="Barlow"/>
+                <a:ea typeface="Barlow"/>
+                <a:cs typeface="Barlow"/>
+                <a:sym typeface="Barlow"/>
+              </a:defRPr>
+            </a:lvl3pPr>
+            <a:lvl4pPr marR="0" lvl="3" algn="ctr" rtl="0">
+              <a:lnSpc>
+                <a:spcPct val="100000"/>
+              </a:lnSpc>
+              <a:spcBef>
+                <a:spcPts val="0"/>
+              </a:spcBef>
+              <a:spcAft>
+                <a:spcPts val="0"/>
+              </a:spcAft>
+              <a:buClr>
+                <a:schemeClr val="dk1"/>
+              </a:buClr>
+              <a:buSzPts val="3600"/>
+              <a:buFont typeface="Barlow"/>
+              <a:buNone/>
+              <a:defRPr sz="3600" b="1" i="0" u="none" strike="noStrike" cap="none">
+                <a:solidFill>
+                  <a:schemeClr val="dk1"/>
+                </a:solidFill>
+                <a:latin typeface="Barlow"/>
+                <a:ea typeface="Barlow"/>
+                <a:cs typeface="Barlow"/>
+                <a:sym typeface="Barlow"/>
+              </a:defRPr>
+            </a:lvl4pPr>
+            <a:lvl5pPr marR="0" lvl="4" algn="ctr" rtl="0">
+              <a:lnSpc>
+                <a:spcPct val="100000"/>
+              </a:lnSpc>
+              <a:spcBef>
+                <a:spcPts val="0"/>
+              </a:spcBef>
+              <a:spcAft>
+                <a:spcPts val="0"/>
+              </a:spcAft>
+              <a:buClr>
+                <a:schemeClr val="dk1"/>
+              </a:buClr>
+              <a:buSzPts val="3600"/>
+              <a:buFont typeface="Barlow"/>
+              <a:buNone/>
+              <a:defRPr sz="3600" b="1" i="0" u="none" strike="noStrike" cap="none">
+                <a:solidFill>
+                  <a:schemeClr val="dk1"/>
+                </a:solidFill>
+                <a:latin typeface="Barlow"/>
+                <a:ea typeface="Barlow"/>
+                <a:cs typeface="Barlow"/>
+                <a:sym typeface="Barlow"/>
+              </a:defRPr>
+            </a:lvl5pPr>
+            <a:lvl6pPr marR="0" lvl="5" algn="ctr" rtl="0">
+              <a:lnSpc>
+                <a:spcPct val="100000"/>
+              </a:lnSpc>
+              <a:spcBef>
+                <a:spcPts val="0"/>
+              </a:spcBef>
+              <a:spcAft>
+                <a:spcPts val="0"/>
+              </a:spcAft>
+              <a:buClr>
+                <a:schemeClr val="dk1"/>
+              </a:buClr>
+              <a:buSzPts val="3600"/>
+              <a:buFont typeface="Barlow"/>
+              <a:buNone/>
+              <a:defRPr sz="3600" b="1" i="0" u="none" strike="noStrike" cap="none">
+                <a:solidFill>
+                  <a:schemeClr val="dk1"/>
+                </a:solidFill>
+                <a:latin typeface="Barlow"/>
+                <a:ea typeface="Barlow"/>
+                <a:cs typeface="Barlow"/>
+                <a:sym typeface="Barlow"/>
+              </a:defRPr>
+            </a:lvl6pPr>
+            <a:lvl7pPr marR="0" lvl="6" algn="ctr" rtl="0">
+              <a:lnSpc>
+                <a:spcPct val="100000"/>
+              </a:lnSpc>
+              <a:spcBef>
+                <a:spcPts val="0"/>
+              </a:spcBef>
+              <a:spcAft>
+                <a:spcPts val="0"/>
+              </a:spcAft>
+              <a:buClr>
+                <a:schemeClr val="dk1"/>
+              </a:buClr>
+              <a:buSzPts val="3600"/>
+              <a:buFont typeface="Barlow"/>
+              <a:buNone/>
+              <a:defRPr sz="3600" b="1" i="0" u="none" strike="noStrike" cap="none">
+                <a:solidFill>
+                  <a:schemeClr val="dk1"/>
+                </a:solidFill>
+                <a:latin typeface="Barlow"/>
+                <a:ea typeface="Barlow"/>
+                <a:cs typeface="Barlow"/>
+                <a:sym typeface="Barlow"/>
+              </a:defRPr>
+            </a:lvl7pPr>
+            <a:lvl8pPr marR="0" lvl="7" algn="ctr" rtl="0">
+              <a:lnSpc>
+                <a:spcPct val="100000"/>
+              </a:lnSpc>
+              <a:spcBef>
+                <a:spcPts val="0"/>
+              </a:spcBef>
+              <a:spcAft>
+                <a:spcPts val="0"/>
+              </a:spcAft>
+              <a:buClr>
+                <a:schemeClr val="dk1"/>
+              </a:buClr>
+              <a:buSzPts val="3600"/>
+              <a:buFont typeface="Barlow"/>
+              <a:buNone/>
+              <a:defRPr sz="3600" b="1" i="0" u="none" strike="noStrike" cap="none">
+                <a:solidFill>
+                  <a:schemeClr val="dk1"/>
+                </a:solidFill>
+                <a:latin typeface="Barlow"/>
+                <a:ea typeface="Barlow"/>
+                <a:cs typeface="Barlow"/>
+                <a:sym typeface="Barlow"/>
+              </a:defRPr>
+            </a:lvl8pPr>
+            <a:lvl9pPr marR="0" lvl="8" algn="ctr" rtl="0">
+              <a:lnSpc>
+                <a:spcPct val="100000"/>
+              </a:lnSpc>
+              <a:spcBef>
+                <a:spcPts val="0"/>
+              </a:spcBef>
+              <a:spcAft>
+                <a:spcPts val="0"/>
+              </a:spcAft>
+              <a:buClr>
+                <a:schemeClr val="dk1"/>
+              </a:buClr>
+              <a:buSzPts val="3600"/>
+              <a:buFont typeface="Barlow"/>
+              <a:buNone/>
+              <a:defRPr sz="3600" b="1" i="0" u="none" strike="noStrike" cap="none">
+                <a:solidFill>
+                  <a:schemeClr val="dk1"/>
+                </a:solidFill>
+                <a:latin typeface="Barlow"/>
+                <a:ea typeface="Barlow"/>
+                <a:cs typeface="Barlow"/>
+                <a:sym typeface="Barlow"/>
+              </a:defRPr>
+            </a:lvl9pPr>
+          </a:lstStyle>
+          <a:p>
+            <a:pPr algn="ctr"/>
+            <a:r>
+              <a:rPr lang="en-US" altLang="zh-CN" sz="8000" spc="300" dirty="0">
+                <a:solidFill>
+                  <a:schemeClr val="accent4">
+                    <a:lumMod val="60000"/>
+                    <a:lumOff val="40000"/>
+                    <a:alpha val="60000"/>
+                  </a:schemeClr>
+                </a:solidFill>
+                <a:latin typeface="Amatic SC" panose="020F0502020204030204" pitchFamily="2" charset="-79"/>
+                <a:cs typeface="Amatic SC" panose="020F0502020204030204" pitchFamily="2" charset="-79"/>
+              </a:rPr>
+              <a:t>Finished backdrop</a:t>
+            </a:r>
+          </a:p>
+        </p:txBody>
+      </p:sp>
+      <p:pic>
+        <p:nvPicPr>
+          <p:cNvPr id="5" name="Picture 4">
+            <a:extLst>
+              <a:ext uri="{FF2B5EF4-FFF2-40B4-BE49-F238E27FC236}">
+                <a16:creationId xmlns:a16="http://schemas.microsoft.com/office/drawing/2014/main" id="{90B4E953-E94E-E554-69F2-6C4B33748B0F}"/>
+              </a:ext>
+            </a:extLst>
+          </p:cNvPr>
+          <p:cNvPicPr>
+            <a:picLocks noChangeAspect="1"/>
+          </p:cNvPicPr>
+          <p:nvPr/>
+        </p:nvPicPr>
+        <p:blipFill>
+          <a:blip r:embed="rId2">
+            <a:extLst>
+              <a:ext uri="{28A0092B-C50C-407E-A947-70E740481C1C}">
+                <a14:useLocalDpi xmlns:a14="http://schemas.microsoft.com/office/drawing/2010/main" val="0"/>
+              </a:ext>
+            </a:extLst>
+          </a:blip>
+          <a:stretch>
+            <a:fillRect/>
+          </a:stretch>
+        </p:blipFill>
+        <p:spPr>
+          <a:xfrm>
+            <a:off x="3206861" y="1959396"/>
+            <a:ext cx="5778277" cy="4300113"/>
+          </a:xfrm>
+          <a:prstGeom prst="rect">
+            <a:avLst/>
+          </a:prstGeom>
+        </p:spPr>
+      </p:pic>
+    </p:spTree>
+    <p:extLst>
+      <p:ext uri="{BB962C8B-B14F-4D97-AF65-F5344CB8AC3E}">
+        <p14:creationId xmlns:p14="http://schemas.microsoft.com/office/powerpoint/2010/main" val="161685287"/>
+      </p:ext>
+    </p:extLst>
+  </p:cSld>
+  <p:clrMapOvr>
+    <a:masterClrMapping/>
+  </p:clrMapOvr>
+</p:sld>
+</file>
+
+<file path=ppt/slides/slide14.xml><?xml version="1.0" encoding="utf-8"?>
+<p:sld xmlns:a="http://schemas.openxmlformats.org/drawingml/2006/main" xmlns:r="http://schemas.openxmlformats.org/officeDocument/2006/relationships" xmlns:p="http://schemas.openxmlformats.org/presentationml/2006/main">
+  <p:cSld>
+    <p:spTree>
+      <p:nvGrpSpPr>
+        <p:cNvPr id="1" name=""/>
+        <p:cNvGrpSpPr/>
+        <p:nvPr/>
+      </p:nvGrpSpPr>
+      <p:grpSpPr>
+        <a:xfrm>
+          <a:off x="0" y="0"/>
+          <a:ext cx="0" cy="0"/>
+          <a:chOff x="0" y="0"/>
+          <a:chExt cx="0" cy="0"/>
+        </a:xfrm>
+      </p:grpSpPr>
+      <p:sp>
+        <p:nvSpPr>
+          <p:cNvPr id="6" name="Rectangle 5">
+            <a:extLst>
+              <a:ext uri="{FF2B5EF4-FFF2-40B4-BE49-F238E27FC236}">
+                <a16:creationId xmlns:a16="http://schemas.microsoft.com/office/drawing/2014/main" id="{7BC4EB1B-EA6B-DFE4-AF3B-05D0EB253209}"/>
+              </a:ext>
+            </a:extLst>
+          </p:cNvPr>
+          <p:cNvSpPr/>
+          <p:nvPr/>
+        </p:nvSpPr>
+        <p:spPr>
+          <a:xfrm>
+            <a:off x="0" y="0"/>
+            <a:ext cx="12192000" cy="6858000"/>
+          </a:xfrm>
+          <a:prstGeom prst="rect">
+            <a:avLst/>
+          </a:prstGeom>
+          <a:solidFill>
+            <a:srgbClr val="23242A"/>
+          </a:solidFill>
+          <a:ln>
+            <a:noFill/>
+          </a:ln>
+        </p:spPr>
+        <p:style>
+          <a:lnRef idx="2">
+            <a:schemeClr val="accent1">
+              <a:shade val="15000"/>
+            </a:schemeClr>
+          </a:lnRef>
+          <a:fillRef idx="1">
+            <a:schemeClr val="accent1"/>
+          </a:fillRef>
+          <a:effectRef idx="0">
+            <a:schemeClr val="accent1"/>
+          </a:effectRef>
+          <a:fontRef idx="minor">
+            <a:schemeClr val="lt1"/>
+          </a:fontRef>
+        </p:style>
+        <p:txBody>
+          <a:bodyPr rtlCol="0" anchor="ctr"/>
+          <a:lstStyle/>
+          <a:p>
+            <a:pPr algn="ctr"/>
+            <a:endParaRPr lang="zh-CN" altLang="en-US" dirty="0"/>
+          </a:p>
+        </p:txBody>
+      </p:sp>
+      <p:sp>
+        <p:nvSpPr>
+          <p:cNvPr id="2" name="Slide Number Placeholder 1">
+            <a:extLst>
+              <a:ext uri="{FF2B5EF4-FFF2-40B4-BE49-F238E27FC236}">
+                <a16:creationId xmlns:a16="http://schemas.microsoft.com/office/drawing/2014/main" id="{C53E70DF-9B91-8A92-BF94-1399BB9FFE34}"/>
+              </a:ext>
+            </a:extLst>
+          </p:cNvPr>
+          <p:cNvSpPr>
+            <a:spLocks noGrp="1"/>
+          </p:cNvSpPr>
+          <p:nvPr>
+            <p:ph type="sldNum" sz="quarter" idx="12"/>
+          </p:nvPr>
+        </p:nvSpPr>
+        <p:spPr>
+          <a:xfrm>
+            <a:off x="9057739" y="6259509"/>
+            <a:ext cx="2743200" cy="365125"/>
+          </a:xfrm>
+        </p:spPr>
+        <p:txBody>
+          <a:bodyPr/>
+          <a:lstStyle/>
+          <a:p>
+            <a:fld id="{9B1EC109-1E15-4BCA-93B5-56442BB3443E}" type="slidenum">
+              <a:rPr lang="zh-CN" altLang="en-US" sz="2400" b="1" smtClean="0">
+                <a:solidFill>
+                  <a:schemeClr val="bg1">
+                    <a:lumMod val="65000"/>
+                  </a:schemeClr>
+                </a:solidFill>
+                <a:latin typeface="Bradley Hand ITC" panose="03070402050302030203" pitchFamily="66" charset="0"/>
+              </a:rPr>
+              <a:t>14</a:t>
+            </a:fld>
+            <a:endParaRPr lang="zh-CN" altLang="en-US" sz="2400" b="1" dirty="0">
+              <a:solidFill>
+                <a:schemeClr val="bg1">
+                  <a:lumMod val="65000"/>
+                </a:schemeClr>
+              </a:solidFill>
+              <a:latin typeface="Bradley Hand ITC" panose="03070402050302030203" pitchFamily="66" charset="0"/>
+            </a:endParaRPr>
+          </a:p>
+        </p:txBody>
+      </p:sp>
+      <p:sp>
+        <p:nvSpPr>
+          <p:cNvPr id="4" name="Google Shape;867;p33">
+            <a:extLst>
+              <a:ext uri="{FF2B5EF4-FFF2-40B4-BE49-F238E27FC236}">
+                <a16:creationId xmlns:a16="http://schemas.microsoft.com/office/drawing/2014/main" id="{24BC39E7-8798-676F-63C1-093D28359AFA}"/>
+              </a:ext>
+            </a:extLst>
+          </p:cNvPr>
+          <p:cNvSpPr txBox="1">
+            <a:spLocks/>
+          </p:cNvSpPr>
+          <p:nvPr/>
+        </p:nvSpPr>
+        <p:spPr>
+          <a:xfrm>
+            <a:off x="2222600" y="143850"/>
+            <a:ext cx="7746800" cy="1602400"/>
+          </a:xfrm>
+          <a:prstGeom prst="rect">
+            <a:avLst/>
+          </a:prstGeom>
+          <a:noFill/>
+          <a:ln>
+            <a:noFill/>
+          </a:ln>
+        </p:spPr>
+        <p:txBody>
+          <a:bodyPr spcFirstLastPara="1" wrap="square" lIns="91425" tIns="91425" rIns="91425" bIns="91425" anchor="b" anchorCtr="0">
+            <a:noAutofit/>
+          </a:bodyPr>
+          <a:lstStyle>
+            <a:defPPr marR="0" lvl="0" algn="l" rtl="0">
+              <a:lnSpc>
+                <a:spcPct val="100000"/>
+              </a:lnSpc>
+              <a:spcBef>
+                <a:spcPts val="0"/>
+              </a:spcBef>
+              <a:spcAft>
+                <a:spcPts val="0"/>
+              </a:spcAft>
+            </a:defPPr>
+            <a:lvl1pPr marR="0" lvl="0" algn="l" rtl="0">
+              <a:lnSpc>
+                <a:spcPct val="100000"/>
+              </a:lnSpc>
+              <a:spcBef>
+                <a:spcPts val="0"/>
+              </a:spcBef>
+              <a:spcAft>
+                <a:spcPts val="0"/>
+              </a:spcAft>
+              <a:buClr>
+                <a:schemeClr val="dk1"/>
+              </a:buClr>
+              <a:buSzPts val="3600"/>
+              <a:buFont typeface="Barlow"/>
+              <a:buNone/>
+              <a:defRPr sz="7200" b="1" i="0" u="none" strike="noStrike" cap="none">
+                <a:solidFill>
+                  <a:schemeClr val="dk1"/>
+                </a:solidFill>
+                <a:latin typeface="Barlow"/>
+                <a:ea typeface="Barlow"/>
+                <a:cs typeface="Barlow"/>
+                <a:sym typeface="Barlow"/>
+              </a:defRPr>
+            </a:lvl1pPr>
+            <a:lvl2pPr marR="0" lvl="1" algn="ctr" rtl="0">
+              <a:lnSpc>
+                <a:spcPct val="100000"/>
+              </a:lnSpc>
+              <a:spcBef>
+                <a:spcPts val="0"/>
+              </a:spcBef>
+              <a:spcAft>
+                <a:spcPts val="0"/>
+              </a:spcAft>
+              <a:buClr>
+                <a:schemeClr val="dk1"/>
+              </a:buClr>
+              <a:buSzPts val="3600"/>
+              <a:buFont typeface="Barlow"/>
+              <a:buNone/>
+              <a:defRPr sz="3600" b="1" i="0" u="none" strike="noStrike" cap="none">
+                <a:solidFill>
+                  <a:schemeClr val="dk1"/>
+                </a:solidFill>
+                <a:latin typeface="Barlow"/>
+                <a:ea typeface="Barlow"/>
+                <a:cs typeface="Barlow"/>
+                <a:sym typeface="Barlow"/>
+              </a:defRPr>
+            </a:lvl2pPr>
+            <a:lvl3pPr marR="0" lvl="2" algn="ctr" rtl="0">
+              <a:lnSpc>
+                <a:spcPct val="100000"/>
+              </a:lnSpc>
+              <a:spcBef>
+                <a:spcPts val="0"/>
+              </a:spcBef>
+              <a:spcAft>
+                <a:spcPts val="0"/>
+              </a:spcAft>
+              <a:buClr>
+                <a:schemeClr val="dk1"/>
+              </a:buClr>
+              <a:buSzPts val="3600"/>
+              <a:buFont typeface="Barlow"/>
+              <a:buNone/>
+              <a:defRPr sz="3600" b="1" i="0" u="none" strike="noStrike" cap="none">
+                <a:solidFill>
+                  <a:schemeClr val="dk1"/>
+                </a:solidFill>
+                <a:latin typeface="Barlow"/>
+                <a:ea typeface="Barlow"/>
+                <a:cs typeface="Barlow"/>
+                <a:sym typeface="Barlow"/>
+              </a:defRPr>
+            </a:lvl3pPr>
+            <a:lvl4pPr marR="0" lvl="3" algn="ctr" rtl="0">
+              <a:lnSpc>
+                <a:spcPct val="100000"/>
+              </a:lnSpc>
+              <a:spcBef>
+                <a:spcPts val="0"/>
+              </a:spcBef>
+              <a:spcAft>
+                <a:spcPts val="0"/>
+              </a:spcAft>
+              <a:buClr>
+                <a:schemeClr val="dk1"/>
+              </a:buClr>
+              <a:buSzPts val="3600"/>
+              <a:buFont typeface="Barlow"/>
+              <a:buNone/>
+              <a:defRPr sz="3600" b="1" i="0" u="none" strike="noStrike" cap="none">
+                <a:solidFill>
+                  <a:schemeClr val="dk1"/>
+                </a:solidFill>
+                <a:latin typeface="Barlow"/>
+                <a:ea typeface="Barlow"/>
+                <a:cs typeface="Barlow"/>
+                <a:sym typeface="Barlow"/>
+              </a:defRPr>
+            </a:lvl4pPr>
+            <a:lvl5pPr marR="0" lvl="4" algn="ctr" rtl="0">
+              <a:lnSpc>
+                <a:spcPct val="100000"/>
+              </a:lnSpc>
+              <a:spcBef>
+                <a:spcPts val="0"/>
+              </a:spcBef>
+              <a:spcAft>
+                <a:spcPts val="0"/>
+              </a:spcAft>
+              <a:buClr>
+                <a:schemeClr val="dk1"/>
+              </a:buClr>
+              <a:buSzPts val="3600"/>
+              <a:buFont typeface="Barlow"/>
+              <a:buNone/>
+              <a:defRPr sz="3600" b="1" i="0" u="none" strike="noStrike" cap="none">
+                <a:solidFill>
+                  <a:schemeClr val="dk1"/>
+                </a:solidFill>
+                <a:latin typeface="Barlow"/>
+                <a:ea typeface="Barlow"/>
+                <a:cs typeface="Barlow"/>
+                <a:sym typeface="Barlow"/>
+              </a:defRPr>
+            </a:lvl5pPr>
+            <a:lvl6pPr marR="0" lvl="5" algn="ctr" rtl="0">
+              <a:lnSpc>
+                <a:spcPct val="100000"/>
+              </a:lnSpc>
+              <a:spcBef>
+                <a:spcPts val="0"/>
+              </a:spcBef>
+              <a:spcAft>
+                <a:spcPts val="0"/>
+              </a:spcAft>
+              <a:buClr>
+                <a:schemeClr val="dk1"/>
+              </a:buClr>
+              <a:buSzPts val="3600"/>
+              <a:buFont typeface="Barlow"/>
+              <a:buNone/>
+              <a:defRPr sz="3600" b="1" i="0" u="none" strike="noStrike" cap="none">
+                <a:solidFill>
+                  <a:schemeClr val="dk1"/>
+                </a:solidFill>
+                <a:latin typeface="Barlow"/>
+                <a:ea typeface="Barlow"/>
+                <a:cs typeface="Barlow"/>
+                <a:sym typeface="Barlow"/>
+              </a:defRPr>
+            </a:lvl6pPr>
+            <a:lvl7pPr marR="0" lvl="6" algn="ctr" rtl="0">
+              <a:lnSpc>
+                <a:spcPct val="100000"/>
+              </a:lnSpc>
+              <a:spcBef>
+                <a:spcPts val="0"/>
+              </a:spcBef>
+              <a:spcAft>
+                <a:spcPts val="0"/>
+              </a:spcAft>
+              <a:buClr>
+                <a:schemeClr val="dk1"/>
+              </a:buClr>
+              <a:buSzPts val="3600"/>
+              <a:buFont typeface="Barlow"/>
+              <a:buNone/>
+              <a:defRPr sz="3600" b="1" i="0" u="none" strike="noStrike" cap="none">
+                <a:solidFill>
+                  <a:schemeClr val="dk1"/>
+                </a:solidFill>
+                <a:latin typeface="Barlow"/>
+                <a:ea typeface="Barlow"/>
+                <a:cs typeface="Barlow"/>
+                <a:sym typeface="Barlow"/>
+              </a:defRPr>
+            </a:lvl7pPr>
+            <a:lvl8pPr marR="0" lvl="7" algn="ctr" rtl="0">
+              <a:lnSpc>
+                <a:spcPct val="100000"/>
+              </a:lnSpc>
+              <a:spcBef>
+                <a:spcPts val="0"/>
+              </a:spcBef>
+              <a:spcAft>
+                <a:spcPts val="0"/>
+              </a:spcAft>
+              <a:buClr>
+                <a:schemeClr val="dk1"/>
+              </a:buClr>
+              <a:buSzPts val="3600"/>
+              <a:buFont typeface="Barlow"/>
+              <a:buNone/>
+              <a:defRPr sz="3600" b="1" i="0" u="none" strike="noStrike" cap="none">
+                <a:solidFill>
+                  <a:schemeClr val="dk1"/>
+                </a:solidFill>
+                <a:latin typeface="Barlow"/>
+                <a:ea typeface="Barlow"/>
+                <a:cs typeface="Barlow"/>
+                <a:sym typeface="Barlow"/>
+              </a:defRPr>
+            </a:lvl8pPr>
+            <a:lvl9pPr marR="0" lvl="8" algn="ctr" rtl="0">
+              <a:lnSpc>
+                <a:spcPct val="100000"/>
+              </a:lnSpc>
+              <a:spcBef>
+                <a:spcPts val="0"/>
+              </a:spcBef>
+              <a:spcAft>
+                <a:spcPts val="0"/>
+              </a:spcAft>
+              <a:buClr>
+                <a:schemeClr val="dk1"/>
+              </a:buClr>
+              <a:buSzPts val="3600"/>
+              <a:buFont typeface="Barlow"/>
+              <a:buNone/>
+              <a:defRPr sz="3600" b="1" i="0" u="none" strike="noStrike" cap="none">
+                <a:solidFill>
+                  <a:schemeClr val="dk1"/>
+                </a:solidFill>
+                <a:latin typeface="Barlow"/>
+                <a:ea typeface="Barlow"/>
+                <a:cs typeface="Barlow"/>
+                <a:sym typeface="Barlow"/>
+              </a:defRPr>
+            </a:lvl9pPr>
+          </a:lstStyle>
+          <a:p>
+            <a:pPr algn="ctr"/>
+            <a:r>
+              <a:rPr lang="en-US" altLang="zh-CN" sz="8000" spc="300" dirty="0">
+                <a:solidFill>
+                  <a:schemeClr val="accent4">
+                    <a:lumMod val="60000"/>
+                    <a:lumOff val="40000"/>
+                    <a:alpha val="60000"/>
+                  </a:schemeClr>
+                </a:solidFill>
+                <a:latin typeface="Amatic SC" panose="020F0502020204030204" pitchFamily="2" charset="-79"/>
+                <a:cs typeface="Amatic SC" panose="020F0502020204030204" pitchFamily="2" charset="-79"/>
+              </a:rPr>
+              <a:t>What we learnt…</a:t>
+            </a:r>
+          </a:p>
+        </p:txBody>
+      </p:sp>
+      <p:sp>
+        <p:nvSpPr>
+          <p:cNvPr id="7" name="TextBox 6">
+            <a:extLst>
+              <a:ext uri="{FF2B5EF4-FFF2-40B4-BE49-F238E27FC236}">
+                <a16:creationId xmlns:a16="http://schemas.microsoft.com/office/drawing/2014/main" id="{05C7B8C4-EFC3-E867-315B-66AC0B5EBC5C}"/>
+              </a:ext>
+            </a:extLst>
+          </p:cNvPr>
+          <p:cNvSpPr txBox="1"/>
+          <p:nvPr/>
+        </p:nvSpPr>
+        <p:spPr>
+          <a:xfrm>
+            <a:off x="1265150" y="2117181"/>
+            <a:ext cx="4048530" cy="1446550"/>
+          </a:xfrm>
+          <a:prstGeom prst="rect">
+            <a:avLst/>
+          </a:prstGeom>
+          <a:noFill/>
+        </p:spPr>
+        <p:txBody>
+          <a:bodyPr wrap="square" rtlCol="0">
+            <a:spAutoFit/>
+          </a:bodyPr>
+          <a:lstStyle/>
+          <a:p>
+            <a:r>
+              <a:rPr lang="en-US" altLang="zh-CN" sz="4400" dirty="0">
+                <a:solidFill>
+                  <a:schemeClr val="bg1">
+                    <a:lumMod val="75000"/>
+                  </a:schemeClr>
+                </a:solidFill>
+                <a:latin typeface="High Tower Text" panose="02040502050506030303" pitchFamily="18" charset="0"/>
+              </a:rPr>
+              <a:t>Sprites can say or think…</a:t>
+            </a:r>
+            <a:endParaRPr lang="zh-CN" altLang="en-US" sz="4400" dirty="0">
+              <a:solidFill>
+                <a:schemeClr val="bg1">
+                  <a:lumMod val="75000"/>
+                </a:schemeClr>
+              </a:solidFill>
+              <a:latin typeface="High Tower Text" panose="02040502050506030303" pitchFamily="18" charset="0"/>
+            </a:endParaRPr>
+          </a:p>
+        </p:txBody>
+      </p:sp>
+    </p:spTree>
+    <p:extLst>
+      <p:ext uri="{BB962C8B-B14F-4D97-AF65-F5344CB8AC3E}">
+        <p14:creationId xmlns:p14="http://schemas.microsoft.com/office/powerpoint/2010/main" val="2299465684"/>
+      </p:ext>
+    </p:extLst>
+  </p:cSld>
+  <p:clrMapOvr>
+    <a:masterClrMapping/>
+  </p:clrMapOvr>
+</p:sld>
+</file>
+
+<file path=ppt/slides/slide15.xml><?xml version="1.0" encoding="utf-8"?>
+<p:sld xmlns:a="http://schemas.openxmlformats.org/drawingml/2006/main" xmlns:r="http://schemas.openxmlformats.org/officeDocument/2006/relationships" xmlns:p="http://schemas.openxmlformats.org/presentationml/2006/main">
+  <p:cSld>
+    <p:spTree>
+      <p:nvGrpSpPr>
+        <p:cNvPr id="1" name=""/>
+        <p:cNvGrpSpPr/>
+        <p:nvPr/>
+      </p:nvGrpSpPr>
+      <p:grpSpPr>
+        <a:xfrm>
+          <a:off x="0" y="0"/>
+          <a:ext cx="0" cy="0"/>
+          <a:chOff x="0" y="0"/>
+          <a:chExt cx="0" cy="0"/>
+        </a:xfrm>
+      </p:grpSpPr>
+      <p:sp>
+        <p:nvSpPr>
+          <p:cNvPr id="6" name="Rectangle 5">
+            <a:extLst>
+              <a:ext uri="{FF2B5EF4-FFF2-40B4-BE49-F238E27FC236}">
+                <a16:creationId xmlns:a16="http://schemas.microsoft.com/office/drawing/2014/main" id="{7BC4EB1B-EA6B-DFE4-AF3B-05D0EB253209}"/>
+              </a:ext>
+            </a:extLst>
+          </p:cNvPr>
+          <p:cNvSpPr/>
+          <p:nvPr/>
+        </p:nvSpPr>
+        <p:spPr>
+          <a:xfrm>
+            <a:off x="0" y="0"/>
+            <a:ext cx="12192000" cy="6858000"/>
+          </a:xfrm>
+          <a:prstGeom prst="rect">
+            <a:avLst/>
+          </a:prstGeom>
+          <a:solidFill>
+            <a:srgbClr val="23242A"/>
+          </a:solidFill>
+          <a:ln>
+            <a:noFill/>
+          </a:ln>
+        </p:spPr>
+        <p:style>
+          <a:lnRef idx="2">
+            <a:schemeClr val="accent1">
+              <a:shade val="15000"/>
+            </a:schemeClr>
+          </a:lnRef>
+          <a:fillRef idx="1">
+            <a:schemeClr val="accent1"/>
+          </a:fillRef>
+          <a:effectRef idx="0">
+            <a:schemeClr val="accent1"/>
+          </a:effectRef>
+          <a:fontRef idx="minor">
+            <a:schemeClr val="lt1"/>
+          </a:fontRef>
+        </p:style>
+        <p:txBody>
+          <a:bodyPr rtlCol="0" anchor="ctr"/>
+          <a:lstStyle/>
+          <a:p>
+            <a:pPr algn="ctr"/>
+            <a:endParaRPr lang="zh-CN" altLang="en-US" dirty="0"/>
+          </a:p>
+        </p:txBody>
+      </p:sp>
+      <p:sp>
+        <p:nvSpPr>
+          <p:cNvPr id="4" name="Google Shape;867;p33">
+            <a:extLst>
+              <a:ext uri="{FF2B5EF4-FFF2-40B4-BE49-F238E27FC236}">
+                <a16:creationId xmlns:a16="http://schemas.microsoft.com/office/drawing/2014/main" id="{24BC39E7-8798-676F-63C1-093D28359AFA}"/>
+              </a:ext>
+            </a:extLst>
+          </p:cNvPr>
+          <p:cNvSpPr txBox="1">
+            <a:spLocks/>
+          </p:cNvSpPr>
+          <p:nvPr/>
+        </p:nvSpPr>
+        <p:spPr>
+          <a:xfrm>
+            <a:off x="1557070" y="382508"/>
+            <a:ext cx="9077860" cy="1602400"/>
+          </a:xfrm>
+          <a:prstGeom prst="rect">
+            <a:avLst/>
+          </a:prstGeom>
+          <a:noFill/>
+          <a:ln>
+            <a:noFill/>
+          </a:ln>
+        </p:spPr>
+        <p:txBody>
+          <a:bodyPr spcFirstLastPara="1" wrap="square" lIns="91425" tIns="91425" rIns="91425" bIns="91425" anchor="b" anchorCtr="0">
+            <a:noAutofit/>
+          </a:bodyPr>
+          <a:lstStyle>
+            <a:defPPr marR="0" lvl="0" algn="l" rtl="0">
+              <a:lnSpc>
+                <a:spcPct val="100000"/>
+              </a:lnSpc>
+              <a:spcBef>
+                <a:spcPts val="0"/>
+              </a:spcBef>
+              <a:spcAft>
+                <a:spcPts val="0"/>
+              </a:spcAft>
+            </a:defPPr>
+            <a:lvl1pPr marR="0" lvl="0" algn="l" rtl="0">
+              <a:lnSpc>
+                <a:spcPct val="100000"/>
+              </a:lnSpc>
+              <a:spcBef>
+                <a:spcPts val="0"/>
+              </a:spcBef>
+              <a:spcAft>
+                <a:spcPts val="0"/>
+              </a:spcAft>
+              <a:buClr>
+                <a:schemeClr val="dk1"/>
+              </a:buClr>
+              <a:buSzPts val="3600"/>
+              <a:buFont typeface="Barlow"/>
+              <a:buNone/>
+              <a:defRPr sz="7200" b="1" i="0" u="none" strike="noStrike" cap="none">
+                <a:solidFill>
+                  <a:schemeClr val="dk1"/>
+                </a:solidFill>
+                <a:latin typeface="Barlow"/>
+                <a:ea typeface="Barlow"/>
+                <a:cs typeface="Barlow"/>
+                <a:sym typeface="Barlow"/>
+              </a:defRPr>
+            </a:lvl1pPr>
+            <a:lvl2pPr marR="0" lvl="1" algn="ctr" rtl="0">
+              <a:lnSpc>
+                <a:spcPct val="100000"/>
+              </a:lnSpc>
+              <a:spcBef>
+                <a:spcPts val="0"/>
+              </a:spcBef>
+              <a:spcAft>
+                <a:spcPts val="0"/>
+              </a:spcAft>
+              <a:buClr>
+                <a:schemeClr val="dk1"/>
+              </a:buClr>
+              <a:buSzPts val="3600"/>
+              <a:buFont typeface="Barlow"/>
+              <a:buNone/>
+              <a:defRPr sz="3600" b="1" i="0" u="none" strike="noStrike" cap="none">
+                <a:solidFill>
+                  <a:schemeClr val="dk1"/>
+                </a:solidFill>
+                <a:latin typeface="Barlow"/>
+                <a:ea typeface="Barlow"/>
+                <a:cs typeface="Barlow"/>
+                <a:sym typeface="Barlow"/>
+              </a:defRPr>
+            </a:lvl2pPr>
+            <a:lvl3pPr marR="0" lvl="2" algn="ctr" rtl="0">
+              <a:lnSpc>
+                <a:spcPct val="100000"/>
+              </a:lnSpc>
+              <a:spcBef>
+                <a:spcPts val="0"/>
+              </a:spcBef>
+              <a:spcAft>
+                <a:spcPts val="0"/>
+              </a:spcAft>
+              <a:buClr>
+                <a:schemeClr val="dk1"/>
+              </a:buClr>
+              <a:buSzPts val="3600"/>
+              <a:buFont typeface="Barlow"/>
+              <a:buNone/>
+              <a:defRPr sz="3600" b="1" i="0" u="none" strike="noStrike" cap="none">
+                <a:solidFill>
+                  <a:schemeClr val="dk1"/>
+                </a:solidFill>
+                <a:latin typeface="Barlow"/>
+                <a:ea typeface="Barlow"/>
+                <a:cs typeface="Barlow"/>
+                <a:sym typeface="Barlow"/>
+              </a:defRPr>
+            </a:lvl3pPr>
+            <a:lvl4pPr marR="0" lvl="3" algn="ctr" rtl="0">
+              <a:lnSpc>
+                <a:spcPct val="100000"/>
+              </a:lnSpc>
+              <a:spcBef>
+                <a:spcPts val="0"/>
+              </a:spcBef>
+              <a:spcAft>
+                <a:spcPts val="0"/>
+              </a:spcAft>
+              <a:buClr>
+                <a:schemeClr val="dk1"/>
+              </a:buClr>
+              <a:buSzPts val="3600"/>
+              <a:buFont typeface="Barlow"/>
+              <a:buNone/>
+              <a:defRPr sz="3600" b="1" i="0" u="none" strike="noStrike" cap="none">
+                <a:solidFill>
+                  <a:schemeClr val="dk1"/>
+                </a:solidFill>
+                <a:latin typeface="Barlow"/>
+                <a:ea typeface="Barlow"/>
+                <a:cs typeface="Barlow"/>
+                <a:sym typeface="Barlow"/>
+              </a:defRPr>
+            </a:lvl4pPr>
+            <a:lvl5pPr marR="0" lvl="4" algn="ctr" rtl="0">
+              <a:lnSpc>
+                <a:spcPct val="100000"/>
+              </a:lnSpc>
+              <a:spcBef>
+                <a:spcPts val="0"/>
+              </a:spcBef>
+              <a:spcAft>
+                <a:spcPts val="0"/>
+              </a:spcAft>
+              <a:buClr>
+                <a:schemeClr val="dk1"/>
+              </a:buClr>
+              <a:buSzPts val="3600"/>
+              <a:buFont typeface="Barlow"/>
+              <a:buNone/>
+              <a:defRPr sz="3600" b="1" i="0" u="none" strike="noStrike" cap="none">
+                <a:solidFill>
+                  <a:schemeClr val="dk1"/>
+                </a:solidFill>
+                <a:latin typeface="Barlow"/>
+                <a:ea typeface="Barlow"/>
+                <a:cs typeface="Barlow"/>
+                <a:sym typeface="Barlow"/>
+              </a:defRPr>
+            </a:lvl5pPr>
+            <a:lvl6pPr marR="0" lvl="5" algn="ctr" rtl="0">
+              <a:lnSpc>
+                <a:spcPct val="100000"/>
+              </a:lnSpc>
+              <a:spcBef>
+                <a:spcPts val="0"/>
+              </a:spcBef>
+              <a:spcAft>
+                <a:spcPts val="0"/>
+              </a:spcAft>
+              <a:buClr>
+                <a:schemeClr val="dk1"/>
+              </a:buClr>
+              <a:buSzPts val="3600"/>
+              <a:buFont typeface="Barlow"/>
+              <a:buNone/>
+              <a:defRPr sz="3600" b="1" i="0" u="none" strike="noStrike" cap="none">
+                <a:solidFill>
+                  <a:schemeClr val="dk1"/>
+                </a:solidFill>
+                <a:latin typeface="Barlow"/>
+                <a:ea typeface="Barlow"/>
+                <a:cs typeface="Barlow"/>
+                <a:sym typeface="Barlow"/>
+              </a:defRPr>
+            </a:lvl6pPr>
+            <a:lvl7pPr marR="0" lvl="6" algn="ctr" rtl="0">
+              <a:lnSpc>
+                <a:spcPct val="100000"/>
+              </a:lnSpc>
+              <a:spcBef>
+                <a:spcPts val="0"/>
+              </a:spcBef>
+              <a:spcAft>
+                <a:spcPts val="0"/>
+              </a:spcAft>
+              <a:buClr>
+                <a:schemeClr val="dk1"/>
+              </a:buClr>
+              <a:buSzPts val="3600"/>
+              <a:buFont typeface="Barlow"/>
+              <a:buNone/>
+              <a:defRPr sz="3600" b="1" i="0" u="none" strike="noStrike" cap="none">
+                <a:solidFill>
+                  <a:schemeClr val="dk1"/>
+                </a:solidFill>
+                <a:latin typeface="Barlow"/>
+                <a:ea typeface="Barlow"/>
+                <a:cs typeface="Barlow"/>
+                <a:sym typeface="Barlow"/>
+              </a:defRPr>
+            </a:lvl7pPr>
+            <a:lvl8pPr marR="0" lvl="7" algn="ctr" rtl="0">
+              <a:lnSpc>
+                <a:spcPct val="100000"/>
+              </a:lnSpc>
+              <a:spcBef>
+                <a:spcPts val="0"/>
+              </a:spcBef>
+              <a:spcAft>
+                <a:spcPts val="0"/>
+              </a:spcAft>
+              <a:buClr>
+                <a:schemeClr val="dk1"/>
+              </a:buClr>
+              <a:buSzPts val="3600"/>
+              <a:buFont typeface="Barlow"/>
+              <a:buNone/>
+              <a:defRPr sz="3600" b="1" i="0" u="none" strike="noStrike" cap="none">
+                <a:solidFill>
+                  <a:schemeClr val="dk1"/>
+                </a:solidFill>
+                <a:latin typeface="Barlow"/>
+                <a:ea typeface="Barlow"/>
+                <a:cs typeface="Barlow"/>
+                <a:sym typeface="Barlow"/>
+              </a:defRPr>
+            </a:lvl8pPr>
+            <a:lvl9pPr marR="0" lvl="8" algn="ctr" rtl="0">
+              <a:lnSpc>
+                <a:spcPct val="100000"/>
+              </a:lnSpc>
+              <a:spcBef>
+                <a:spcPts val="0"/>
+              </a:spcBef>
+              <a:spcAft>
+                <a:spcPts val="0"/>
+              </a:spcAft>
+              <a:buClr>
+                <a:schemeClr val="dk1"/>
+              </a:buClr>
+              <a:buSzPts val="3600"/>
+              <a:buFont typeface="Barlow"/>
+              <a:buNone/>
+              <a:defRPr sz="3600" b="1" i="0" u="none" strike="noStrike" cap="none">
+                <a:solidFill>
+                  <a:schemeClr val="dk1"/>
+                </a:solidFill>
+                <a:latin typeface="Barlow"/>
+                <a:ea typeface="Barlow"/>
+                <a:cs typeface="Barlow"/>
+                <a:sym typeface="Barlow"/>
+              </a:defRPr>
+            </a:lvl9pPr>
+          </a:lstStyle>
+          <a:p>
+            <a:pPr algn="ctr"/>
+            <a:r>
+              <a:rPr lang="en-US" altLang="zh-CN" sz="8000" spc="300" dirty="0">
+                <a:solidFill>
+                  <a:schemeClr val="accent4">
+                    <a:lumMod val="60000"/>
+                    <a:lumOff val="40000"/>
+                    <a:alpha val="60000"/>
+                  </a:schemeClr>
+                </a:solidFill>
+                <a:latin typeface="Amatic SC" panose="020F0502020204030204" pitchFamily="2" charset="-79"/>
+                <a:cs typeface="Amatic SC" panose="020F0502020204030204" pitchFamily="2" charset="-79"/>
+              </a:rPr>
+              <a:t>Exercises</a:t>
+            </a:r>
+          </a:p>
+        </p:txBody>
+      </p:sp>
+      <p:sp>
+        <p:nvSpPr>
+          <p:cNvPr id="2" name="TextBox 1">
+            <a:extLst>
+              <a:ext uri="{FF2B5EF4-FFF2-40B4-BE49-F238E27FC236}">
+                <a16:creationId xmlns:a16="http://schemas.microsoft.com/office/drawing/2014/main" id="{2E29E62E-3E0A-1FD3-C734-48831C47E32F}"/>
+              </a:ext>
+            </a:extLst>
+          </p:cNvPr>
+          <p:cNvSpPr txBox="1"/>
+          <p:nvPr/>
+        </p:nvSpPr>
+        <p:spPr>
+          <a:xfrm>
+            <a:off x="1265150" y="2117180"/>
+            <a:ext cx="9727970" cy="5348002"/>
+          </a:xfrm>
+          <a:prstGeom prst="rect">
+            <a:avLst/>
+          </a:prstGeom>
+          <a:noFill/>
+        </p:spPr>
+        <p:txBody>
+          <a:bodyPr wrap="square" rtlCol="0">
+            <a:spAutoFit/>
+          </a:bodyPr>
+          <a:lstStyle/>
+          <a:p>
+            <a:pPr marL="571500" indent="-571500">
+              <a:lnSpc>
+                <a:spcPct val="150000"/>
+              </a:lnSpc>
+              <a:buFont typeface="Wingdings" panose="05000000000000000000" pitchFamily="2" charset="2"/>
+              <a:buChar char="p"/>
+            </a:pPr>
+            <a:r>
+              <a:rPr lang="en-US" altLang="zh-CN" sz="3600" dirty="0">
+                <a:solidFill>
+                  <a:schemeClr val="bg1">
+                    <a:lumMod val="75000"/>
+                  </a:schemeClr>
+                </a:solidFill>
+                <a:latin typeface="High Tower Text" panose="02040502050506030303" pitchFamily="18" charset="0"/>
+              </a:rPr>
+              <a:t>Have fun with some of the other effects</a:t>
+            </a:r>
+          </a:p>
+          <a:p>
+            <a:pPr marL="571500" indent="-571500">
+              <a:lnSpc>
+                <a:spcPct val="150000"/>
+              </a:lnSpc>
+              <a:buFont typeface="Wingdings" panose="05000000000000000000" pitchFamily="2" charset="2"/>
+              <a:buChar char="p"/>
+            </a:pPr>
+            <a:r>
+              <a:rPr lang="en-US" altLang="zh-CN" sz="3600" dirty="0">
+                <a:solidFill>
+                  <a:schemeClr val="bg1">
+                    <a:lumMod val="75000"/>
+                  </a:schemeClr>
+                </a:solidFill>
+                <a:latin typeface="High Tower Text" panose="02040502050506030303" pitchFamily="18" charset="0"/>
+              </a:rPr>
+              <a:t>Try different sprites and backdrops</a:t>
+            </a:r>
+          </a:p>
+          <a:p>
+            <a:pPr marL="571500" indent="-571500">
+              <a:lnSpc>
+                <a:spcPct val="150000"/>
+              </a:lnSpc>
+              <a:buFont typeface="Wingdings" panose="05000000000000000000" pitchFamily="2" charset="2"/>
+              <a:buChar char="p"/>
+            </a:pPr>
+            <a:r>
+              <a:rPr lang="en-US" altLang="zh-CN" sz="3600" dirty="0">
+                <a:solidFill>
+                  <a:schemeClr val="bg1">
+                    <a:lumMod val="75000"/>
+                  </a:schemeClr>
+                </a:solidFill>
+                <a:latin typeface="High Tower Text" panose="02040502050506030303" pitchFamily="18" charset="0"/>
+              </a:rPr>
+              <a:t>Say and think differently</a:t>
+            </a:r>
+          </a:p>
+          <a:p>
+            <a:pPr marL="571500" indent="-571500">
+              <a:lnSpc>
+                <a:spcPct val="150000"/>
+              </a:lnSpc>
+              <a:buFont typeface="Wingdings" panose="05000000000000000000" pitchFamily="2" charset="2"/>
+              <a:buChar char="p"/>
+            </a:pPr>
+            <a:r>
+              <a:rPr lang="en-US" altLang="zh-CN" sz="3600" dirty="0">
+                <a:solidFill>
+                  <a:schemeClr val="bg1">
+                    <a:lumMod val="75000"/>
+                  </a:schemeClr>
+                </a:solidFill>
+                <a:latin typeface="High Tower Text" panose="02040502050506030303" pitchFamily="18" charset="0"/>
+              </a:rPr>
+              <a:t>Checkout costumes of other sprites</a:t>
+            </a:r>
+          </a:p>
+          <a:p>
+            <a:pPr marL="571500" indent="-571500">
+              <a:lnSpc>
+                <a:spcPct val="150000"/>
+              </a:lnSpc>
+              <a:buFont typeface="Wingdings" panose="05000000000000000000" pitchFamily="2" charset="2"/>
+              <a:buChar char="p"/>
+            </a:pPr>
+            <a:r>
+              <a:rPr lang="en-US" altLang="zh-CN" sz="3600" dirty="0">
+                <a:solidFill>
+                  <a:schemeClr val="bg1">
+                    <a:lumMod val="75000"/>
+                  </a:schemeClr>
+                </a:solidFill>
+                <a:latin typeface="High Tower Text" panose="02040502050506030303" pitchFamily="18" charset="0"/>
+              </a:rPr>
+              <a:t>Invent your own way of communication!</a:t>
+            </a:r>
+            <a:br>
+              <a:rPr lang="en-US" altLang="zh-CN" sz="4400" dirty="0">
+                <a:solidFill>
+                  <a:schemeClr val="bg1">
+                    <a:lumMod val="75000"/>
+                  </a:schemeClr>
+                </a:solidFill>
+                <a:latin typeface="High Tower Text" panose="02040502050506030303" pitchFamily="18" charset="0"/>
+              </a:rPr>
+            </a:br>
+            <a:endParaRPr lang="zh-CN" altLang="en-US" sz="4400" dirty="0">
+              <a:solidFill>
+                <a:schemeClr val="bg1">
+                  <a:lumMod val="75000"/>
+                </a:schemeClr>
+              </a:solidFill>
+              <a:latin typeface="High Tower Text" panose="02040502050506030303" pitchFamily="18" charset="0"/>
+            </a:endParaRPr>
+          </a:p>
+        </p:txBody>
+      </p:sp>
+    </p:spTree>
+    <p:extLst>
+      <p:ext uri="{BB962C8B-B14F-4D97-AF65-F5344CB8AC3E}">
+        <p14:creationId xmlns:p14="http://schemas.microsoft.com/office/powerpoint/2010/main" val="1008589518"/>
+      </p:ext>
+    </p:extLst>
+  </p:cSld>
+  <p:clrMapOvr>
+    <a:masterClrMapping/>
+  </p:clrMapOvr>
+</p:sld>
+</file>
+
+<file path=ppt/slides/slide16.xml><?xml version="1.0" encoding="utf-8"?>
+<p:sld xmlns:a="http://schemas.openxmlformats.org/drawingml/2006/main" xmlns:r="http://schemas.openxmlformats.org/officeDocument/2006/relationships" xmlns:p="http://schemas.openxmlformats.org/presentationml/2006/main">
+  <p:cSld>
+    <p:spTree>
+      <p:nvGrpSpPr>
+        <p:cNvPr id="1" name=""/>
+        <p:cNvGrpSpPr/>
+        <p:nvPr/>
+      </p:nvGrpSpPr>
+      <p:grpSpPr>
+        <a:xfrm>
+          <a:off x="0" y="0"/>
+          <a:ext cx="0" cy="0"/>
+          <a:chOff x="0" y="0"/>
+          <a:chExt cx="0" cy="0"/>
+        </a:xfrm>
+      </p:grpSpPr>
+      <p:sp>
+        <p:nvSpPr>
+          <p:cNvPr id="6" name="Rectangle 5">
+            <a:extLst>
+              <a:ext uri="{FF2B5EF4-FFF2-40B4-BE49-F238E27FC236}">
+                <a16:creationId xmlns:a16="http://schemas.microsoft.com/office/drawing/2014/main" id="{7BC4EB1B-EA6B-DFE4-AF3B-05D0EB253209}"/>
+              </a:ext>
+            </a:extLst>
+          </p:cNvPr>
+          <p:cNvSpPr/>
+          <p:nvPr/>
+        </p:nvSpPr>
+        <p:spPr>
+          <a:xfrm>
+            <a:off x="0" y="0"/>
+            <a:ext cx="12192000" cy="6858000"/>
+          </a:xfrm>
+          <a:prstGeom prst="rect">
+            <a:avLst/>
+          </a:prstGeom>
+          <a:solidFill>
+            <a:srgbClr val="23242A"/>
+          </a:solidFill>
+          <a:ln>
+            <a:noFill/>
+          </a:ln>
+        </p:spPr>
+        <p:style>
+          <a:lnRef idx="2">
+            <a:schemeClr val="accent1">
+              <a:shade val="15000"/>
+            </a:schemeClr>
+          </a:lnRef>
+          <a:fillRef idx="1">
+            <a:schemeClr val="accent1"/>
+          </a:fillRef>
+          <a:effectRef idx="0">
+            <a:schemeClr val="accent1"/>
+          </a:effectRef>
+          <a:fontRef idx="minor">
+            <a:schemeClr val="lt1"/>
+          </a:fontRef>
+        </p:style>
+        <p:txBody>
+          <a:bodyPr rtlCol="0" anchor="ctr"/>
+          <a:lstStyle/>
+          <a:p>
+            <a:pPr algn="ctr"/>
+            <a:endParaRPr lang="zh-CN" altLang="en-US" dirty="0"/>
+          </a:p>
+        </p:txBody>
+      </p:sp>
+      <p:sp>
+        <p:nvSpPr>
+          <p:cNvPr id="2" name="Slide Number Placeholder 1">
+            <a:extLst>
+              <a:ext uri="{FF2B5EF4-FFF2-40B4-BE49-F238E27FC236}">
+                <a16:creationId xmlns:a16="http://schemas.microsoft.com/office/drawing/2014/main" id="{C53E70DF-9B91-8A92-BF94-1399BB9FFE34}"/>
+              </a:ext>
+            </a:extLst>
+          </p:cNvPr>
+          <p:cNvSpPr>
+            <a:spLocks noGrp="1"/>
+          </p:cNvSpPr>
+          <p:nvPr>
+            <p:ph type="sldNum" sz="quarter" idx="12"/>
+          </p:nvPr>
+        </p:nvSpPr>
+        <p:spPr>
+          <a:xfrm>
+            <a:off x="9057739" y="6259509"/>
+            <a:ext cx="2743200" cy="365125"/>
+          </a:xfrm>
+        </p:spPr>
+        <p:txBody>
+          <a:bodyPr/>
+          <a:lstStyle/>
+          <a:p>
+            <a:fld id="{9B1EC109-1E15-4BCA-93B5-56442BB3443E}" type="slidenum">
+              <a:rPr lang="zh-CN" altLang="en-US" sz="2400" b="1" smtClean="0">
+                <a:solidFill>
+                  <a:schemeClr val="bg1">
+                    <a:lumMod val="65000"/>
+                  </a:schemeClr>
+                </a:solidFill>
+                <a:latin typeface="Bradley Hand ITC" panose="03070402050302030203" pitchFamily="66" charset="0"/>
+              </a:rPr>
+              <a:t>16</a:t>
+            </a:fld>
+            <a:endParaRPr lang="zh-CN" altLang="en-US" sz="2400" b="1" dirty="0">
+              <a:solidFill>
+                <a:schemeClr val="bg1">
+                  <a:lumMod val="65000"/>
+                </a:schemeClr>
+              </a:solidFill>
+              <a:latin typeface="Bradley Hand ITC" panose="03070402050302030203" pitchFamily="66" charset="0"/>
+            </a:endParaRPr>
+          </a:p>
+        </p:txBody>
+      </p:sp>
+      <p:sp>
+        <p:nvSpPr>
+          <p:cNvPr id="4" name="Google Shape;867;p33">
+            <a:extLst>
+              <a:ext uri="{FF2B5EF4-FFF2-40B4-BE49-F238E27FC236}">
+                <a16:creationId xmlns:a16="http://schemas.microsoft.com/office/drawing/2014/main" id="{24BC39E7-8798-676F-63C1-093D28359AFA}"/>
+              </a:ext>
+            </a:extLst>
+          </p:cNvPr>
+          <p:cNvSpPr txBox="1">
+            <a:spLocks/>
+          </p:cNvSpPr>
+          <p:nvPr/>
+        </p:nvSpPr>
+        <p:spPr>
+          <a:xfrm>
+            <a:off x="2222600" y="2778760"/>
+            <a:ext cx="7746800" cy="1602400"/>
+          </a:xfrm>
+          <a:prstGeom prst="rect">
+            <a:avLst/>
+          </a:prstGeom>
+          <a:noFill/>
+          <a:ln>
+            <a:noFill/>
+          </a:ln>
+        </p:spPr>
+        <p:txBody>
+          <a:bodyPr spcFirstLastPara="1" wrap="square" lIns="91425" tIns="91425" rIns="91425" bIns="91425" anchor="b" anchorCtr="0">
+            <a:noAutofit/>
+          </a:bodyPr>
+          <a:lstStyle>
+            <a:defPPr marR="0" lvl="0" algn="l" rtl="0">
+              <a:lnSpc>
+                <a:spcPct val="100000"/>
+              </a:lnSpc>
+              <a:spcBef>
+                <a:spcPts val="0"/>
+              </a:spcBef>
+              <a:spcAft>
+                <a:spcPts val="0"/>
+              </a:spcAft>
+            </a:defPPr>
+            <a:lvl1pPr marR="0" lvl="0" algn="l" rtl="0">
+              <a:lnSpc>
+                <a:spcPct val="100000"/>
+              </a:lnSpc>
+              <a:spcBef>
+                <a:spcPts val="0"/>
+              </a:spcBef>
+              <a:spcAft>
+                <a:spcPts val="0"/>
+              </a:spcAft>
+              <a:buClr>
+                <a:schemeClr val="dk1"/>
+              </a:buClr>
+              <a:buSzPts val="3600"/>
+              <a:buFont typeface="Barlow"/>
+              <a:buNone/>
+              <a:defRPr sz="7200" b="1" i="0" u="none" strike="noStrike" cap="none">
+                <a:solidFill>
+                  <a:schemeClr val="dk1"/>
+                </a:solidFill>
+                <a:latin typeface="Barlow"/>
+                <a:ea typeface="Barlow"/>
+                <a:cs typeface="Barlow"/>
+                <a:sym typeface="Barlow"/>
+              </a:defRPr>
+            </a:lvl1pPr>
+            <a:lvl2pPr marR="0" lvl="1" algn="ctr" rtl="0">
+              <a:lnSpc>
+                <a:spcPct val="100000"/>
+              </a:lnSpc>
+              <a:spcBef>
+                <a:spcPts val="0"/>
+              </a:spcBef>
+              <a:spcAft>
+                <a:spcPts val="0"/>
+              </a:spcAft>
+              <a:buClr>
+                <a:schemeClr val="dk1"/>
+              </a:buClr>
+              <a:buSzPts val="3600"/>
+              <a:buFont typeface="Barlow"/>
+              <a:buNone/>
+              <a:defRPr sz="3600" b="1" i="0" u="none" strike="noStrike" cap="none">
+                <a:solidFill>
+                  <a:schemeClr val="dk1"/>
+                </a:solidFill>
+                <a:latin typeface="Barlow"/>
+                <a:ea typeface="Barlow"/>
+                <a:cs typeface="Barlow"/>
+                <a:sym typeface="Barlow"/>
+              </a:defRPr>
+            </a:lvl2pPr>
+            <a:lvl3pPr marR="0" lvl="2" algn="ctr" rtl="0">
+              <a:lnSpc>
+                <a:spcPct val="100000"/>
+              </a:lnSpc>
+              <a:spcBef>
+                <a:spcPts val="0"/>
+              </a:spcBef>
+              <a:spcAft>
+                <a:spcPts val="0"/>
+              </a:spcAft>
+              <a:buClr>
+                <a:schemeClr val="dk1"/>
+              </a:buClr>
+              <a:buSzPts val="3600"/>
+              <a:buFont typeface="Barlow"/>
+              <a:buNone/>
+              <a:defRPr sz="3600" b="1" i="0" u="none" strike="noStrike" cap="none">
+                <a:solidFill>
+                  <a:schemeClr val="dk1"/>
+                </a:solidFill>
+                <a:latin typeface="Barlow"/>
+                <a:ea typeface="Barlow"/>
+                <a:cs typeface="Barlow"/>
+                <a:sym typeface="Barlow"/>
+              </a:defRPr>
+            </a:lvl3pPr>
+            <a:lvl4pPr marR="0" lvl="3" algn="ctr" rtl="0">
+              <a:lnSpc>
+                <a:spcPct val="100000"/>
+              </a:lnSpc>
+              <a:spcBef>
+                <a:spcPts val="0"/>
+              </a:spcBef>
+              <a:spcAft>
+                <a:spcPts val="0"/>
+              </a:spcAft>
+              <a:buClr>
+                <a:schemeClr val="dk1"/>
+              </a:buClr>
+              <a:buSzPts val="3600"/>
+              <a:buFont typeface="Barlow"/>
+              <a:buNone/>
+              <a:defRPr sz="3600" b="1" i="0" u="none" strike="noStrike" cap="none">
+                <a:solidFill>
+                  <a:schemeClr val="dk1"/>
+                </a:solidFill>
+                <a:latin typeface="Barlow"/>
+                <a:ea typeface="Barlow"/>
+                <a:cs typeface="Barlow"/>
+                <a:sym typeface="Barlow"/>
+              </a:defRPr>
+            </a:lvl4pPr>
+            <a:lvl5pPr marR="0" lvl="4" algn="ctr" rtl="0">
+              <a:lnSpc>
+                <a:spcPct val="100000"/>
+              </a:lnSpc>
+              <a:spcBef>
+                <a:spcPts val="0"/>
+              </a:spcBef>
+              <a:spcAft>
+                <a:spcPts val="0"/>
+              </a:spcAft>
+              <a:buClr>
+                <a:schemeClr val="dk1"/>
+              </a:buClr>
+              <a:buSzPts val="3600"/>
+              <a:buFont typeface="Barlow"/>
+              <a:buNone/>
+              <a:defRPr sz="3600" b="1" i="0" u="none" strike="noStrike" cap="none">
+                <a:solidFill>
+                  <a:schemeClr val="dk1"/>
+                </a:solidFill>
+                <a:latin typeface="Barlow"/>
+                <a:ea typeface="Barlow"/>
+                <a:cs typeface="Barlow"/>
+                <a:sym typeface="Barlow"/>
+              </a:defRPr>
+            </a:lvl5pPr>
+            <a:lvl6pPr marR="0" lvl="5" algn="ctr" rtl="0">
+              <a:lnSpc>
+                <a:spcPct val="100000"/>
+              </a:lnSpc>
+              <a:spcBef>
+                <a:spcPts val="0"/>
+              </a:spcBef>
+              <a:spcAft>
+                <a:spcPts val="0"/>
+              </a:spcAft>
+              <a:buClr>
+                <a:schemeClr val="dk1"/>
+              </a:buClr>
+              <a:buSzPts val="3600"/>
+              <a:buFont typeface="Barlow"/>
+              <a:buNone/>
+              <a:defRPr sz="3600" b="1" i="0" u="none" strike="noStrike" cap="none">
+                <a:solidFill>
+                  <a:schemeClr val="dk1"/>
+                </a:solidFill>
+                <a:latin typeface="Barlow"/>
+                <a:ea typeface="Barlow"/>
+                <a:cs typeface="Barlow"/>
+                <a:sym typeface="Barlow"/>
+              </a:defRPr>
+            </a:lvl6pPr>
+            <a:lvl7pPr marR="0" lvl="6" algn="ctr" rtl="0">
+              <a:lnSpc>
+                <a:spcPct val="100000"/>
+              </a:lnSpc>
+              <a:spcBef>
+                <a:spcPts val="0"/>
+              </a:spcBef>
+              <a:spcAft>
+                <a:spcPts val="0"/>
+              </a:spcAft>
+              <a:buClr>
+                <a:schemeClr val="dk1"/>
+              </a:buClr>
+              <a:buSzPts val="3600"/>
+              <a:buFont typeface="Barlow"/>
+              <a:buNone/>
+              <a:defRPr sz="3600" b="1" i="0" u="none" strike="noStrike" cap="none">
+                <a:solidFill>
+                  <a:schemeClr val="dk1"/>
+                </a:solidFill>
+                <a:latin typeface="Barlow"/>
+                <a:ea typeface="Barlow"/>
+                <a:cs typeface="Barlow"/>
+                <a:sym typeface="Barlow"/>
+              </a:defRPr>
+            </a:lvl7pPr>
+            <a:lvl8pPr marR="0" lvl="7" algn="ctr" rtl="0">
+              <a:lnSpc>
+                <a:spcPct val="100000"/>
+              </a:lnSpc>
+              <a:spcBef>
+                <a:spcPts val="0"/>
+              </a:spcBef>
+              <a:spcAft>
+                <a:spcPts val="0"/>
+              </a:spcAft>
+              <a:buClr>
+                <a:schemeClr val="dk1"/>
+              </a:buClr>
+              <a:buSzPts val="3600"/>
+              <a:buFont typeface="Barlow"/>
+              <a:buNone/>
+              <a:defRPr sz="3600" b="1" i="0" u="none" strike="noStrike" cap="none">
+                <a:solidFill>
+                  <a:schemeClr val="dk1"/>
+                </a:solidFill>
+                <a:latin typeface="Barlow"/>
+                <a:ea typeface="Barlow"/>
+                <a:cs typeface="Barlow"/>
+                <a:sym typeface="Barlow"/>
+              </a:defRPr>
+            </a:lvl8pPr>
+            <a:lvl9pPr marR="0" lvl="8" algn="ctr" rtl="0">
+              <a:lnSpc>
+                <a:spcPct val="100000"/>
+              </a:lnSpc>
+              <a:spcBef>
+                <a:spcPts val="0"/>
+              </a:spcBef>
+              <a:spcAft>
+                <a:spcPts val="0"/>
+              </a:spcAft>
+              <a:buClr>
+                <a:schemeClr val="dk1"/>
+              </a:buClr>
+              <a:buSzPts val="3600"/>
+              <a:buFont typeface="Barlow"/>
+              <a:buNone/>
+              <a:defRPr sz="3600" b="1" i="0" u="none" strike="noStrike" cap="none">
+                <a:solidFill>
+                  <a:schemeClr val="dk1"/>
+                </a:solidFill>
+                <a:latin typeface="Barlow"/>
+                <a:ea typeface="Barlow"/>
+                <a:cs typeface="Barlow"/>
+                <a:sym typeface="Barlow"/>
+              </a:defRPr>
+            </a:lvl9pPr>
+          </a:lstStyle>
+          <a:p>
+            <a:pPr algn="ctr"/>
+            <a:r>
+              <a:rPr lang="en-US" altLang="zh-CN" sz="8000" spc="300" dirty="0">
+                <a:solidFill>
+                  <a:schemeClr val="accent4">
+                    <a:lumMod val="60000"/>
+                    <a:lumOff val="40000"/>
+                    <a:alpha val="60000"/>
+                  </a:schemeClr>
+                </a:solidFill>
+                <a:latin typeface="Amatic SC" panose="020F0502020204030204" pitchFamily="2" charset="-79"/>
+                <a:cs typeface="Amatic SC" panose="020F0502020204030204" pitchFamily="2" charset="-79"/>
+              </a:rPr>
+              <a:t>Thank you and see you in the next lesson!</a:t>
+            </a:r>
+          </a:p>
+        </p:txBody>
+      </p:sp>
+    </p:spTree>
+    <p:extLst>
+      <p:ext uri="{BB962C8B-B14F-4D97-AF65-F5344CB8AC3E}">
+        <p14:creationId xmlns:p14="http://schemas.microsoft.com/office/powerpoint/2010/main" val="394012090"/>
+      </p:ext>
+    </p:extLst>
+  </p:cSld>
+  <p:clrMapOvr>
+    <a:masterClrMapping/>
+  </p:clrMapOvr>
+</p:sld>
+</file>
+
 <file path=ppt/slides/slide2.xml><?xml version="1.0" encoding="utf-8"?>
 <p:sld xmlns:a="http://schemas.openxmlformats.org/drawingml/2006/main" xmlns:r="http://schemas.openxmlformats.org/officeDocument/2006/relationships" xmlns:p="http://schemas.openxmlformats.org/presentationml/2006/main">
   <p:cSld>
@@ -5755,65 +9617,51 @@
                 <a:latin typeface="Amatic SC" panose="020F0502020204030204" pitchFamily="2" charset="-79"/>
                 <a:cs typeface="Amatic SC" panose="020F0502020204030204" pitchFamily="2" charset="-79"/>
               </a:rPr>
-              <a:t>What we learnt…</a:t>
+              <a:t>Backdrop editor</a:t>
             </a:r>
           </a:p>
         </p:txBody>
       </p:sp>
-      <p:sp>
-        <p:nvSpPr>
-          <p:cNvPr id="7" name="TextBox 6">
-            <a:extLst>
-              <a:ext uri="{FF2B5EF4-FFF2-40B4-BE49-F238E27FC236}">
-                <a16:creationId xmlns:a16="http://schemas.microsoft.com/office/drawing/2014/main" id="{05C7B8C4-EFC3-E867-315B-66AC0B5EBC5C}"/>
-              </a:ext>
-            </a:extLst>
-          </p:cNvPr>
-          <p:cNvSpPr txBox="1"/>
+      <p:pic>
+        <p:nvPicPr>
+          <p:cNvPr id="5" name="Picture 4">
+            <a:extLst>
+              <a:ext uri="{FF2B5EF4-FFF2-40B4-BE49-F238E27FC236}">
+                <a16:creationId xmlns:a16="http://schemas.microsoft.com/office/drawing/2014/main" id="{CF2A2E68-CF93-4C3E-0D28-8305F9852EF3}"/>
+              </a:ext>
+            </a:extLst>
+          </p:cNvPr>
+          <p:cNvPicPr>
+            <a:picLocks noChangeAspect="1"/>
+          </p:cNvPicPr>
           <p:nvPr/>
-        </p:nvSpPr>
+        </p:nvPicPr>
+        <p:blipFill>
+          <a:blip r:embed="rId2">
+            <a:extLst>
+              <a:ext uri="{28A0092B-C50C-407E-A947-70E740481C1C}">
+                <a14:useLocalDpi xmlns:a14="http://schemas.microsoft.com/office/drawing/2010/main" val="0"/>
+              </a:ext>
+            </a:extLst>
+          </a:blip>
+          <a:stretch>
+            <a:fillRect/>
+          </a:stretch>
+        </p:blipFill>
         <p:spPr>
           <a:xfrm>
-            <a:off x="1265150" y="2117181"/>
-            <a:ext cx="4048530" cy="1446550"/>
+            <a:off x="2425523" y="1976855"/>
+            <a:ext cx="7340954" cy="4361101"/>
           </a:xfrm>
           <a:prstGeom prst="rect">
             <a:avLst/>
           </a:prstGeom>
-          <a:noFill/>
-        </p:spPr>
-        <p:txBody>
-          <a:bodyPr wrap="square" rtlCol="0">
-            <a:spAutoFit/>
-          </a:bodyPr>
-          <a:lstStyle/>
-          <a:p>
-            <a:r>
-              <a:rPr lang="en-US" altLang="zh-CN" sz="4400" dirty="0">
-                <a:solidFill>
-                  <a:schemeClr val="bg1">
-                    <a:lumMod val="75000"/>
-                  </a:schemeClr>
-                </a:solidFill>
-                <a:latin typeface="High Tower Text" panose="02040502050506030303" pitchFamily="18" charset="0"/>
-              </a:rPr>
-              <a:t>Sprites can say or think…</a:t>
-            </a:r>
-            <a:endParaRPr lang="zh-CN" altLang="en-US" sz="4400" dirty="0">
-              <a:solidFill>
-                <a:schemeClr val="bg1">
-                  <a:lumMod val="75000"/>
-                </a:schemeClr>
-              </a:solidFill>
-              <a:latin typeface="High Tower Text" panose="02040502050506030303" pitchFamily="18" charset="0"/>
-            </a:endParaRPr>
-          </a:p>
-        </p:txBody>
-      </p:sp>
+        </p:spPr>
+      </p:pic>
     </p:spTree>
     <p:extLst>
       <p:ext uri="{BB962C8B-B14F-4D97-AF65-F5344CB8AC3E}">
-        <p14:creationId xmlns:p14="http://schemas.microsoft.com/office/powerpoint/2010/main" val="161685287"/>
+        <p14:creationId xmlns:p14="http://schemas.microsoft.com/office/powerpoint/2010/main" val="1276997364"/>
       </p:ext>
     </p:extLst>
   </p:cSld>
@@ -5894,6 +9742,54 @@
       </p:sp>
       <p:sp>
         <p:nvSpPr>
+          <p:cNvPr id="2" name="Slide Number Placeholder 1">
+            <a:extLst>
+              <a:ext uri="{FF2B5EF4-FFF2-40B4-BE49-F238E27FC236}">
+                <a16:creationId xmlns:a16="http://schemas.microsoft.com/office/drawing/2014/main" id="{C53E70DF-9B91-8A92-BF94-1399BB9FFE34}"/>
+              </a:ext>
+            </a:extLst>
+          </p:cNvPr>
+          <p:cNvSpPr>
+            <a:spLocks noGrp="1"/>
+          </p:cNvSpPr>
+          <p:nvPr>
+            <p:ph type="sldNum" sz="quarter" idx="12"/>
+          </p:nvPr>
+        </p:nvSpPr>
+        <p:spPr>
+          <a:xfrm>
+            <a:off x="9057739" y="6259509"/>
+            <a:ext cx="2743200" cy="365125"/>
+          </a:xfrm>
+        </p:spPr>
+        <p:txBody>
+          <a:bodyPr/>
+          <a:lstStyle/>
+          <a:p>
+            <a:fld id="{9B1EC109-1E15-4BCA-93B5-56442BB3443E}" type="slidenum">
+              <a:rPr lang="zh-CN" altLang="en-US" sz="2400" b="1" smtClean="0">
+                <a:solidFill>
+                  <a:schemeClr val="bg1">
+                    <a:lumMod val="65000"/>
+                  </a:schemeClr>
+                </a:solidFill>
+                <a:latin typeface="Bradley Hand ITC" panose="03070402050302030203" pitchFamily="66" charset="0"/>
+              </a:rPr>
+              <a:t>5</a:t>
+            </a:fld>
+            <a:endParaRPr lang="zh-CN" altLang="en-US" sz="2400" b="1" dirty="0">
+              <a:solidFill>
+                <a:schemeClr val="bg1">
+                  <a:lumMod val="65000"/>
+                </a:schemeClr>
+              </a:solidFill>
+              <a:latin typeface="Bradley Hand ITC" panose="03070402050302030203" pitchFamily="66" charset="0"/>
+            </a:endParaRPr>
+          </a:p>
+        </p:txBody>
+      </p:sp>
+      <p:sp>
+        <p:nvSpPr>
           <p:cNvPr id="4" name="Google Shape;867;p33">
             <a:extLst>
               <a:ext uri="{FF2B5EF4-FFF2-40B4-BE49-F238E27FC236}">
@@ -5908,8 +9804,8 @@
         </p:nvSpPr>
         <p:spPr>
           <a:xfrm>
-            <a:off x="1557070" y="382508"/>
-            <a:ext cx="9077860" cy="1602400"/>
+            <a:off x="2222600" y="143850"/>
+            <a:ext cx="7746800" cy="1602400"/>
           </a:xfrm>
           <a:prstGeom prst="rect">
             <a:avLst/>
@@ -6184,32 +10080,120 @@
                 <a:latin typeface="Amatic SC" panose="020F0502020204030204" pitchFamily="2" charset="-79"/>
                 <a:cs typeface="Amatic SC" panose="020F0502020204030204" pitchFamily="2" charset="-79"/>
               </a:rPr>
-              <a:t>Exercises</a:t>
+              <a:t>Canvas</a:t>
             </a:r>
           </a:p>
         </p:txBody>
       </p:sp>
-      <p:sp>
-        <p:nvSpPr>
-          <p:cNvPr id="2" name="TextBox 1">
-            <a:extLst>
-              <a:ext uri="{FF2B5EF4-FFF2-40B4-BE49-F238E27FC236}">
-                <a16:creationId xmlns:a16="http://schemas.microsoft.com/office/drawing/2014/main" id="{2E29E62E-3E0A-1FD3-C734-48831C47E32F}"/>
-              </a:ext>
-            </a:extLst>
-          </p:cNvPr>
-          <p:cNvSpPr txBox="1"/>
+      <p:pic>
+        <p:nvPicPr>
+          <p:cNvPr id="9" name="Picture 8">
+            <a:extLst>
+              <a:ext uri="{FF2B5EF4-FFF2-40B4-BE49-F238E27FC236}">
+                <a16:creationId xmlns:a16="http://schemas.microsoft.com/office/drawing/2014/main" id="{CD895931-6EED-6324-98F2-793266B0508D}"/>
+              </a:ext>
+            </a:extLst>
+          </p:cNvPr>
+          <p:cNvPicPr>
+            <a:picLocks noChangeAspect="1"/>
+          </p:cNvPicPr>
           <p:nvPr/>
-        </p:nvSpPr>
+        </p:nvPicPr>
+        <p:blipFill>
+          <a:blip r:embed="rId2">
+            <a:extLst>
+              <a:ext uri="{28A0092B-C50C-407E-A947-70E740481C1C}">
+                <a14:useLocalDpi xmlns:a14="http://schemas.microsoft.com/office/drawing/2010/main" val="0"/>
+              </a:ext>
+            </a:extLst>
+          </a:blip>
+          <a:stretch>
+            <a:fillRect/>
+          </a:stretch>
+        </p:blipFill>
         <p:spPr>
           <a:xfrm>
-            <a:off x="1265150" y="2117180"/>
-            <a:ext cx="9727970" cy="5348002"/>
+            <a:off x="1207444" y="1890100"/>
+            <a:ext cx="6017912" cy="4470798"/>
+          </a:xfrm>
+          <a:prstGeom prst="rect">
+            <a:avLst/>
+          </a:prstGeom>
+        </p:spPr>
+      </p:pic>
+      <p:sp>
+        <p:nvSpPr>
+          <p:cNvPr id="10" name="Rectangle 9">
+            <a:extLst>
+              <a:ext uri="{FF2B5EF4-FFF2-40B4-BE49-F238E27FC236}">
+                <a16:creationId xmlns:a16="http://schemas.microsoft.com/office/drawing/2014/main" id="{F3F167D6-2FF9-1564-235D-BABD0CA36881}"/>
+              </a:ext>
+            </a:extLst>
+          </p:cNvPr>
+          <p:cNvSpPr/>
+          <p:nvPr/>
+        </p:nvSpPr>
+        <p:spPr>
+          <a:xfrm>
+            <a:off x="2333040" y="2727960"/>
+            <a:ext cx="3704540" cy="2781300"/>
           </a:xfrm>
           <a:prstGeom prst="rect">
             <a:avLst/>
           </a:prstGeom>
           <a:noFill/>
+          <a:ln w="38100">
+            <a:solidFill>
+              <a:srgbClr val="C00000"/>
+            </a:solidFill>
+          </a:ln>
+        </p:spPr>
+        <p:style>
+          <a:lnRef idx="2">
+            <a:schemeClr val="accent1">
+              <a:shade val="15000"/>
+            </a:schemeClr>
+          </a:lnRef>
+          <a:fillRef idx="1">
+            <a:schemeClr val="accent1"/>
+          </a:fillRef>
+          <a:effectRef idx="0">
+            <a:schemeClr val="accent1"/>
+          </a:effectRef>
+          <a:fontRef idx="minor">
+            <a:schemeClr val="lt1"/>
+          </a:fontRef>
+        </p:style>
+        <p:txBody>
+          <a:bodyPr rtlCol="0" anchor="ctr"/>
+          <a:lstStyle/>
+          <a:p>
+            <a:pPr algn="ctr"/>
+            <a:endParaRPr lang="zh-CN" altLang="en-US"/>
+          </a:p>
+        </p:txBody>
+      </p:sp>
+      <p:sp>
+        <p:nvSpPr>
+          <p:cNvPr id="11" name="TextBox 10">
+            <a:extLst>
+              <a:ext uri="{FF2B5EF4-FFF2-40B4-BE49-F238E27FC236}">
+                <a16:creationId xmlns:a16="http://schemas.microsoft.com/office/drawing/2014/main" id="{B702BC7E-2C56-93A6-E7F1-7417A4CD2475}"/>
+              </a:ext>
+            </a:extLst>
+          </p:cNvPr>
+          <p:cNvSpPr txBox="1"/>
+          <p:nvPr/>
+        </p:nvSpPr>
+        <p:spPr>
+          <a:xfrm>
+            <a:off x="3281641" y="4369413"/>
+            <a:ext cx="1807337" cy="707886"/>
+          </a:xfrm>
+          <a:prstGeom prst="rect">
+            <a:avLst/>
+          </a:prstGeom>
+          <a:noFill/>
         </p:spPr>
         <p:txBody>
           <a:bodyPr wrap="square" rtlCol="0">
@@ -6217,118 +10201,24 @@
           </a:bodyPr>
           <a:lstStyle/>
           <a:p>
-            <a:pPr marL="571500" indent="-571500">
-              <a:lnSpc>
-                <a:spcPct val="150000"/>
-              </a:lnSpc>
-              <a:buFont typeface="Wingdings" panose="05000000000000000000" pitchFamily="2" charset="2"/>
-              <a:buChar char="p"/>
-            </a:pPr>
+            <a:pPr algn="ctr"/>
             <a:r>
-              <a:rPr lang="en-US" altLang="zh-CN" sz="3600" dirty="0">
-                <a:solidFill>
-                  <a:schemeClr val="bg1">
-                    <a:lumMod val="75000"/>
+              <a:rPr lang="en-US" altLang="zh-CN" sz="4000" dirty="0">
+                <a:solidFill>
+                  <a:schemeClr val="tx1">
+                    <a:lumMod val="50000"/>
+                    <a:lumOff val="50000"/>
                   </a:schemeClr>
                 </a:solidFill>
                 <a:latin typeface="High Tower Text" panose="02040502050506030303" pitchFamily="18" charset="0"/>
               </a:rPr>
-              <a:t>Have fun with some of the other effects</a:t>
+              <a:t>Canvas</a:t>
             </a:r>
-          </a:p>
-          <a:p>
-            <a:pPr marL="571500" indent="-571500">
-              <a:lnSpc>
-                <a:spcPct val="150000"/>
-              </a:lnSpc>
-              <a:buFont typeface="Wingdings" panose="05000000000000000000" pitchFamily="2" charset="2"/>
-              <a:buChar char="p"/>
-            </a:pPr>
-            <a:r>
-              <a:rPr lang="en-US" altLang="zh-CN" sz="3600" dirty="0">
-                <a:solidFill>
-                  <a:schemeClr val="bg1">
-                    <a:lumMod val="75000"/>
-                  </a:schemeClr>
-                </a:solidFill>
-                <a:latin typeface="High Tower Text" panose="02040502050506030303" pitchFamily="18" charset="0"/>
-              </a:rPr>
-              <a:t>Try different sprites and backdrops</a:t>
-            </a:r>
-          </a:p>
-          <a:p>
-            <a:pPr marL="571500" indent="-571500">
-              <a:lnSpc>
-                <a:spcPct val="150000"/>
-              </a:lnSpc>
-              <a:buFont typeface="Wingdings" panose="05000000000000000000" pitchFamily="2" charset="2"/>
-              <a:buChar char="p"/>
-            </a:pPr>
-            <a:r>
-              <a:rPr lang="en-US" altLang="zh-CN" sz="3600" dirty="0">
-                <a:solidFill>
-                  <a:schemeClr val="bg1">
-                    <a:lumMod val="75000"/>
-                  </a:schemeClr>
-                </a:solidFill>
-                <a:latin typeface="High Tower Text" panose="02040502050506030303" pitchFamily="18" charset="0"/>
-              </a:rPr>
-              <a:t>Say and think differently</a:t>
-            </a:r>
-          </a:p>
-          <a:p>
-            <a:pPr marL="571500" indent="-571500">
-              <a:lnSpc>
-                <a:spcPct val="150000"/>
-              </a:lnSpc>
-              <a:buFont typeface="Wingdings" panose="05000000000000000000" pitchFamily="2" charset="2"/>
-              <a:buChar char="p"/>
-            </a:pPr>
-            <a:r>
-              <a:rPr lang="en-US" altLang="zh-CN" sz="3600" dirty="0">
-                <a:solidFill>
-                  <a:schemeClr val="bg1">
-                    <a:lumMod val="75000"/>
-                  </a:schemeClr>
-                </a:solidFill>
-                <a:latin typeface="High Tower Text" panose="02040502050506030303" pitchFamily="18" charset="0"/>
-              </a:rPr>
-              <a:t>Checkout costumes of other sprites</a:t>
-            </a:r>
-          </a:p>
-          <a:p>
-            <a:pPr marL="571500" indent="-571500">
-              <a:lnSpc>
-                <a:spcPct val="150000"/>
-              </a:lnSpc>
-              <a:buFont typeface="Wingdings" panose="05000000000000000000" pitchFamily="2" charset="2"/>
-              <a:buChar char="p"/>
-            </a:pPr>
-            <a:r>
-              <a:rPr lang="en-US" altLang="zh-CN" sz="3600" dirty="0">
-                <a:solidFill>
-                  <a:schemeClr val="bg1">
-                    <a:lumMod val="75000"/>
-                  </a:schemeClr>
-                </a:solidFill>
-                <a:latin typeface="High Tower Text" panose="02040502050506030303" pitchFamily="18" charset="0"/>
-              </a:rPr>
-              <a:t>Invent your own way of communication!</a:t>
-            </a:r>
-            <a:br>
-              <a:rPr lang="en-US" altLang="zh-CN" sz="4400" dirty="0">
-                <a:solidFill>
-                  <a:schemeClr val="bg1">
-                    <a:lumMod val="75000"/>
-                  </a:schemeClr>
-                </a:solidFill>
-                <a:latin typeface="High Tower Text" panose="02040502050506030303" pitchFamily="18" charset="0"/>
-              </a:rPr>
-            </a:br>
-            <a:endParaRPr lang="zh-CN" altLang="en-US" sz="4400" dirty="0">
+            <a:endParaRPr lang="zh-CN" altLang="en-US" sz="4000" dirty="0">
               <a:solidFill>
-                <a:schemeClr val="bg1">
-                  <a:lumMod val="75000"/>
+                <a:schemeClr val="tx1">
+                  <a:lumMod val="50000"/>
+                  <a:lumOff val="50000"/>
                 </a:schemeClr>
               </a:solidFill>
               <a:latin typeface="High Tower Text" panose="02040502050506030303" pitchFamily="18" charset="0"/>
@@ -6336,10 +10226,97 @@
           </a:p>
         </p:txBody>
       </p:sp>
+      <p:pic>
+        <p:nvPicPr>
+          <p:cNvPr id="13" name="Picture 12">
+            <a:extLst>
+              <a:ext uri="{FF2B5EF4-FFF2-40B4-BE49-F238E27FC236}">
+                <a16:creationId xmlns:a16="http://schemas.microsoft.com/office/drawing/2014/main" id="{9FE36465-83EE-0635-56D1-1EE78AA3BBE7}"/>
+              </a:ext>
+            </a:extLst>
+          </p:cNvPr>
+          <p:cNvPicPr>
+            <a:picLocks noChangeAspect="1"/>
+          </p:cNvPicPr>
+          <p:nvPr/>
+        </p:nvPicPr>
+        <p:blipFill>
+          <a:blip r:embed="rId3">
+            <a:extLst>
+              <a:ext uri="{28A0092B-C50C-407E-A947-70E740481C1C}">
+                <a14:useLocalDpi xmlns:a14="http://schemas.microsoft.com/office/drawing/2010/main" val="0"/>
+              </a:ext>
+            </a:extLst>
+          </a:blip>
+          <a:stretch>
+            <a:fillRect/>
+          </a:stretch>
+        </p:blipFill>
+        <p:spPr>
+          <a:xfrm>
+            <a:off x="8432800" y="3319360"/>
+            <a:ext cx="2571750" cy="971550"/>
+          </a:xfrm>
+          <a:prstGeom prst="rect">
+            <a:avLst/>
+          </a:prstGeom>
+        </p:spPr>
+      </p:pic>
+      <p:sp>
+        <p:nvSpPr>
+          <p:cNvPr id="14" name="TextBox 13">
+            <a:extLst>
+              <a:ext uri="{FF2B5EF4-FFF2-40B4-BE49-F238E27FC236}">
+                <a16:creationId xmlns:a16="http://schemas.microsoft.com/office/drawing/2014/main" id="{17A74F26-494A-EFFB-1B64-073FABBA976A}"/>
+              </a:ext>
+            </a:extLst>
+          </p:cNvPr>
+          <p:cNvSpPr txBox="1"/>
+          <p:nvPr/>
+        </p:nvSpPr>
+        <p:spPr>
+          <a:xfrm>
+            <a:off x="8880310" y="4279659"/>
+            <a:ext cx="1807337" cy="830997"/>
+          </a:xfrm>
+          <a:prstGeom prst="rect">
+            <a:avLst/>
+          </a:prstGeom>
+          <a:noFill/>
+        </p:spPr>
+        <p:txBody>
+          <a:bodyPr wrap="square" rtlCol="0">
+            <a:spAutoFit/>
+          </a:bodyPr>
+          <a:lstStyle/>
+          <a:p>
+            <a:pPr algn="ctr"/>
+            <a:r>
+              <a:rPr lang="en-US" altLang="zh-CN" sz="2400" dirty="0">
+                <a:solidFill>
+                  <a:schemeClr val="bg1">
+                    <a:lumMod val="65000"/>
+                  </a:schemeClr>
+                </a:solidFill>
+                <a:latin typeface="High Tower Text" panose="02040502050506030303" pitchFamily="18" charset="0"/>
+              </a:rPr>
+              <a:t>Change Canvas Size</a:t>
+            </a:r>
+            <a:endParaRPr lang="zh-CN" altLang="en-US" sz="2400" dirty="0">
+              <a:solidFill>
+                <a:schemeClr val="bg1">
+                  <a:lumMod val="65000"/>
+                </a:schemeClr>
+              </a:solidFill>
+              <a:latin typeface="High Tower Text" panose="02040502050506030303" pitchFamily="18" charset="0"/>
+            </a:endParaRPr>
+          </a:p>
+        </p:txBody>
+      </p:sp>
     </p:spTree>
     <p:extLst>
       <p:ext uri="{BB962C8B-B14F-4D97-AF65-F5344CB8AC3E}">
-        <p14:creationId xmlns:p14="http://schemas.microsoft.com/office/powerpoint/2010/main" val="1008589518"/>
+        <p14:creationId xmlns:p14="http://schemas.microsoft.com/office/powerpoint/2010/main" val="839197578"/>
       </p:ext>
     </p:extLst>
   </p:cSld>
@@ -6482,7 +10459,7 @@
         </p:nvSpPr>
         <p:spPr>
           <a:xfrm>
-            <a:off x="2222600" y="2778760"/>
+            <a:off x="2222600" y="143850"/>
             <a:ext cx="7746800" cy="1602400"/>
           </a:xfrm>
           <a:prstGeom prst="rect">
@@ -6758,15 +10735,3086 @@
                 <a:latin typeface="Amatic SC" panose="020F0502020204030204" pitchFamily="2" charset="-79"/>
                 <a:cs typeface="Amatic SC" panose="020F0502020204030204" pitchFamily="2" charset="-79"/>
               </a:rPr>
-              <a:t>Thank you and see you in the next lesson!</a:t>
+              <a:t>Tool Box</a:t>
             </a:r>
+          </a:p>
+        </p:txBody>
+      </p:sp>
+      <p:pic>
+        <p:nvPicPr>
+          <p:cNvPr id="5" name="Picture 4">
+            <a:extLst>
+              <a:ext uri="{FF2B5EF4-FFF2-40B4-BE49-F238E27FC236}">
+                <a16:creationId xmlns:a16="http://schemas.microsoft.com/office/drawing/2014/main" id="{B5DBD8BD-57BD-6110-80D7-4A2616888FEF}"/>
+              </a:ext>
+            </a:extLst>
+          </p:cNvPr>
+          <p:cNvPicPr>
+            <a:picLocks noChangeAspect="1"/>
+          </p:cNvPicPr>
+          <p:nvPr/>
+        </p:nvPicPr>
+        <p:blipFill>
+          <a:blip r:embed="rId2">
+            <a:extLst>
+              <a:ext uri="{28A0092B-C50C-407E-A947-70E740481C1C}">
+                <a14:useLocalDpi xmlns:a14="http://schemas.microsoft.com/office/drawing/2010/main" val="0"/>
+              </a:ext>
+            </a:extLst>
+          </a:blip>
+          <a:stretch>
+            <a:fillRect/>
+          </a:stretch>
+        </p:blipFill>
+        <p:spPr>
+          <a:xfrm>
+            <a:off x="5029991" y="1998963"/>
+            <a:ext cx="2132017" cy="4172923"/>
+          </a:xfrm>
+          <a:prstGeom prst="rect">
+            <a:avLst/>
+          </a:prstGeom>
+        </p:spPr>
+      </p:pic>
+      <p:sp>
+        <p:nvSpPr>
+          <p:cNvPr id="7" name="TextBox 6">
+            <a:extLst>
+              <a:ext uri="{FF2B5EF4-FFF2-40B4-BE49-F238E27FC236}">
+                <a16:creationId xmlns:a16="http://schemas.microsoft.com/office/drawing/2014/main" id="{C6858739-F245-1DBD-AD76-6BC9BF33F079}"/>
+              </a:ext>
+            </a:extLst>
+          </p:cNvPr>
+          <p:cNvSpPr txBox="1"/>
+          <p:nvPr/>
+        </p:nvSpPr>
+        <p:spPr>
+          <a:xfrm>
+            <a:off x="3647440" y="2278139"/>
+            <a:ext cx="1188047" cy="461665"/>
+          </a:xfrm>
+          <a:prstGeom prst="rect">
+            <a:avLst/>
+          </a:prstGeom>
+          <a:noFill/>
+        </p:spPr>
+        <p:txBody>
+          <a:bodyPr wrap="square" rtlCol="0">
+            <a:spAutoFit/>
+          </a:bodyPr>
+          <a:lstStyle/>
+          <a:p>
+            <a:pPr algn="ctr"/>
+            <a:r>
+              <a:rPr lang="en-US" altLang="zh-CN" sz="2400" dirty="0">
+                <a:solidFill>
+                  <a:schemeClr val="bg1">
+                    <a:lumMod val="65000"/>
+                  </a:schemeClr>
+                </a:solidFill>
+                <a:latin typeface="High Tower Text" panose="02040502050506030303" pitchFamily="18" charset="0"/>
+              </a:rPr>
+              <a:t>Select</a:t>
+            </a:r>
+            <a:endParaRPr lang="zh-CN" altLang="en-US" sz="2400" dirty="0">
+              <a:solidFill>
+                <a:schemeClr val="bg1">
+                  <a:lumMod val="65000"/>
+                </a:schemeClr>
+              </a:solidFill>
+              <a:latin typeface="High Tower Text" panose="02040502050506030303" pitchFamily="18" charset="0"/>
+            </a:endParaRPr>
+          </a:p>
+        </p:txBody>
+      </p:sp>
+      <p:sp>
+        <p:nvSpPr>
+          <p:cNvPr id="8" name="TextBox 7">
+            <a:extLst>
+              <a:ext uri="{FF2B5EF4-FFF2-40B4-BE49-F238E27FC236}">
+                <a16:creationId xmlns:a16="http://schemas.microsoft.com/office/drawing/2014/main" id="{6A213EAB-A08F-797E-2BFB-46284ABFAC8F}"/>
+              </a:ext>
+            </a:extLst>
+          </p:cNvPr>
+          <p:cNvSpPr txBox="1"/>
+          <p:nvPr/>
+        </p:nvSpPr>
+        <p:spPr>
+          <a:xfrm>
+            <a:off x="3647440" y="3112850"/>
+            <a:ext cx="1188047" cy="461665"/>
+          </a:xfrm>
+          <a:prstGeom prst="rect">
+            <a:avLst/>
+          </a:prstGeom>
+          <a:noFill/>
+        </p:spPr>
+        <p:txBody>
+          <a:bodyPr wrap="square" rtlCol="0">
+            <a:spAutoFit/>
+          </a:bodyPr>
+          <a:lstStyle/>
+          <a:p>
+            <a:pPr algn="ctr"/>
+            <a:r>
+              <a:rPr lang="en-US" altLang="zh-CN" sz="2400" dirty="0">
+                <a:solidFill>
+                  <a:schemeClr val="bg1">
+                    <a:lumMod val="65000"/>
+                  </a:schemeClr>
+                </a:solidFill>
+                <a:latin typeface="High Tower Text" panose="02040502050506030303" pitchFamily="18" charset="0"/>
+              </a:rPr>
+              <a:t>Brush</a:t>
+            </a:r>
+            <a:endParaRPr lang="zh-CN" altLang="en-US" sz="2400" dirty="0">
+              <a:solidFill>
+                <a:schemeClr val="bg1">
+                  <a:lumMod val="65000"/>
+                </a:schemeClr>
+              </a:solidFill>
+              <a:latin typeface="High Tower Text" panose="02040502050506030303" pitchFamily="18" charset="0"/>
+            </a:endParaRPr>
+          </a:p>
+        </p:txBody>
+      </p:sp>
+      <p:sp>
+        <p:nvSpPr>
+          <p:cNvPr id="12" name="TextBox 11">
+            <a:extLst>
+              <a:ext uri="{FF2B5EF4-FFF2-40B4-BE49-F238E27FC236}">
+                <a16:creationId xmlns:a16="http://schemas.microsoft.com/office/drawing/2014/main" id="{5F9B8FE3-E4CF-4076-B64B-4511DE329E90}"/>
+              </a:ext>
+            </a:extLst>
+          </p:cNvPr>
+          <p:cNvSpPr txBox="1"/>
+          <p:nvPr/>
+        </p:nvSpPr>
+        <p:spPr>
+          <a:xfrm>
+            <a:off x="3647439" y="3919881"/>
+            <a:ext cx="1188047" cy="461665"/>
+          </a:xfrm>
+          <a:prstGeom prst="rect">
+            <a:avLst/>
+          </a:prstGeom>
+          <a:noFill/>
+        </p:spPr>
+        <p:txBody>
+          <a:bodyPr wrap="square" rtlCol="0">
+            <a:spAutoFit/>
+          </a:bodyPr>
+          <a:lstStyle/>
+          <a:p>
+            <a:pPr algn="ctr"/>
+            <a:r>
+              <a:rPr lang="en-US" altLang="zh-CN" sz="2400" dirty="0">
+                <a:solidFill>
+                  <a:schemeClr val="bg1">
+                    <a:lumMod val="65000"/>
+                  </a:schemeClr>
+                </a:solidFill>
+                <a:latin typeface="High Tower Text" panose="02040502050506030303" pitchFamily="18" charset="0"/>
+              </a:rPr>
+              <a:t>Fill</a:t>
+            </a:r>
+            <a:endParaRPr lang="zh-CN" altLang="en-US" sz="2400" dirty="0">
+              <a:solidFill>
+                <a:schemeClr val="bg1">
+                  <a:lumMod val="65000"/>
+                </a:schemeClr>
+              </a:solidFill>
+              <a:latin typeface="High Tower Text" panose="02040502050506030303" pitchFamily="18" charset="0"/>
+            </a:endParaRPr>
+          </a:p>
+        </p:txBody>
+      </p:sp>
+      <p:sp>
+        <p:nvSpPr>
+          <p:cNvPr id="15" name="TextBox 14">
+            <a:extLst>
+              <a:ext uri="{FF2B5EF4-FFF2-40B4-BE49-F238E27FC236}">
+                <a16:creationId xmlns:a16="http://schemas.microsoft.com/office/drawing/2014/main" id="{3B242A8A-AC3C-1893-2F42-1EA47F562B6D}"/>
+              </a:ext>
+            </a:extLst>
+          </p:cNvPr>
+          <p:cNvSpPr txBox="1"/>
+          <p:nvPr/>
+        </p:nvSpPr>
+        <p:spPr>
+          <a:xfrm>
+            <a:off x="3647439" y="4754592"/>
+            <a:ext cx="1188047" cy="461665"/>
+          </a:xfrm>
+          <a:prstGeom prst="rect">
+            <a:avLst/>
+          </a:prstGeom>
+          <a:noFill/>
+        </p:spPr>
+        <p:txBody>
+          <a:bodyPr wrap="square" rtlCol="0">
+            <a:spAutoFit/>
+          </a:bodyPr>
+          <a:lstStyle/>
+          <a:p>
+            <a:pPr algn="ctr"/>
+            <a:r>
+              <a:rPr lang="en-US" altLang="zh-CN" sz="2400" dirty="0">
+                <a:solidFill>
+                  <a:schemeClr val="bg1">
+                    <a:lumMod val="65000"/>
+                  </a:schemeClr>
+                </a:solidFill>
+                <a:latin typeface="High Tower Text" panose="02040502050506030303" pitchFamily="18" charset="0"/>
+              </a:rPr>
+              <a:t>Line</a:t>
+            </a:r>
+            <a:endParaRPr lang="zh-CN" altLang="en-US" sz="2400" dirty="0">
+              <a:solidFill>
+                <a:schemeClr val="bg1">
+                  <a:lumMod val="65000"/>
+                </a:schemeClr>
+              </a:solidFill>
+              <a:latin typeface="High Tower Text" panose="02040502050506030303" pitchFamily="18" charset="0"/>
+            </a:endParaRPr>
+          </a:p>
+        </p:txBody>
+      </p:sp>
+      <p:sp>
+        <p:nvSpPr>
+          <p:cNvPr id="16" name="TextBox 15">
+            <a:extLst>
+              <a:ext uri="{FF2B5EF4-FFF2-40B4-BE49-F238E27FC236}">
+                <a16:creationId xmlns:a16="http://schemas.microsoft.com/office/drawing/2014/main" id="{075E30F3-7A90-A2EC-C15D-6999AD7A36A7}"/>
+              </a:ext>
+            </a:extLst>
+          </p:cNvPr>
+          <p:cNvSpPr txBox="1"/>
+          <p:nvPr/>
+        </p:nvSpPr>
+        <p:spPr>
+          <a:xfrm>
+            <a:off x="3383281" y="5517313"/>
+            <a:ext cx="1452206" cy="461665"/>
+          </a:xfrm>
+          <a:prstGeom prst="rect">
+            <a:avLst/>
+          </a:prstGeom>
+          <a:noFill/>
+        </p:spPr>
+        <p:txBody>
+          <a:bodyPr wrap="square" rtlCol="0">
+            <a:spAutoFit/>
+          </a:bodyPr>
+          <a:lstStyle/>
+          <a:p>
+            <a:pPr algn="ctr"/>
+            <a:r>
+              <a:rPr lang="en-US" altLang="zh-CN" sz="2400" dirty="0">
+                <a:solidFill>
+                  <a:schemeClr val="bg1">
+                    <a:lumMod val="65000"/>
+                  </a:schemeClr>
+                </a:solidFill>
+                <a:latin typeface="High Tower Text" panose="02040502050506030303" pitchFamily="18" charset="0"/>
+              </a:rPr>
+              <a:t>Rectangle</a:t>
+            </a:r>
+            <a:endParaRPr lang="zh-CN" altLang="en-US" sz="2400" dirty="0">
+              <a:solidFill>
+                <a:schemeClr val="bg1">
+                  <a:lumMod val="65000"/>
+                </a:schemeClr>
+              </a:solidFill>
+              <a:latin typeface="High Tower Text" panose="02040502050506030303" pitchFamily="18" charset="0"/>
+            </a:endParaRPr>
+          </a:p>
+        </p:txBody>
+      </p:sp>
+      <p:sp>
+        <p:nvSpPr>
+          <p:cNvPr id="17" name="TextBox 16">
+            <a:extLst>
+              <a:ext uri="{FF2B5EF4-FFF2-40B4-BE49-F238E27FC236}">
+                <a16:creationId xmlns:a16="http://schemas.microsoft.com/office/drawing/2014/main" id="{65FCD6CE-B78B-1786-813A-B04282B8423F}"/>
+              </a:ext>
+            </a:extLst>
+          </p:cNvPr>
+          <p:cNvSpPr txBox="1"/>
+          <p:nvPr/>
+        </p:nvSpPr>
+        <p:spPr>
+          <a:xfrm>
+            <a:off x="7294880" y="2278138"/>
+            <a:ext cx="1422400" cy="461665"/>
+          </a:xfrm>
+          <a:prstGeom prst="rect">
+            <a:avLst/>
+          </a:prstGeom>
+          <a:noFill/>
+        </p:spPr>
+        <p:txBody>
+          <a:bodyPr wrap="square" rtlCol="0">
+            <a:spAutoFit/>
+          </a:bodyPr>
+          <a:lstStyle/>
+          <a:p>
+            <a:pPr algn="ctr"/>
+            <a:r>
+              <a:rPr lang="en-US" altLang="zh-CN" sz="2400" dirty="0">
+                <a:solidFill>
+                  <a:schemeClr val="bg1">
+                    <a:lumMod val="65000"/>
+                  </a:schemeClr>
+                </a:solidFill>
+                <a:latin typeface="High Tower Text" panose="02040502050506030303" pitchFamily="18" charset="0"/>
+              </a:rPr>
+              <a:t>Reshape</a:t>
+            </a:r>
+            <a:endParaRPr lang="zh-CN" altLang="en-US" sz="2400" dirty="0">
+              <a:solidFill>
+                <a:schemeClr val="bg1">
+                  <a:lumMod val="65000"/>
+                </a:schemeClr>
+              </a:solidFill>
+              <a:latin typeface="High Tower Text" panose="02040502050506030303" pitchFamily="18" charset="0"/>
+            </a:endParaRPr>
+          </a:p>
+        </p:txBody>
+      </p:sp>
+      <p:sp>
+        <p:nvSpPr>
+          <p:cNvPr id="18" name="TextBox 17">
+            <a:extLst>
+              <a:ext uri="{FF2B5EF4-FFF2-40B4-BE49-F238E27FC236}">
+                <a16:creationId xmlns:a16="http://schemas.microsoft.com/office/drawing/2014/main" id="{5998FC15-B5ED-82EE-8555-762D0C49933E}"/>
+              </a:ext>
+            </a:extLst>
+          </p:cNvPr>
+          <p:cNvSpPr txBox="1"/>
+          <p:nvPr/>
+        </p:nvSpPr>
+        <p:spPr>
+          <a:xfrm>
+            <a:off x="7294880" y="3112849"/>
+            <a:ext cx="1422400" cy="461665"/>
+          </a:xfrm>
+          <a:prstGeom prst="rect">
+            <a:avLst/>
+          </a:prstGeom>
+          <a:noFill/>
+        </p:spPr>
+        <p:txBody>
+          <a:bodyPr wrap="square" rtlCol="0">
+            <a:spAutoFit/>
+          </a:bodyPr>
+          <a:lstStyle/>
+          <a:p>
+            <a:pPr algn="ctr"/>
+            <a:r>
+              <a:rPr lang="en-US" altLang="zh-CN" sz="2400" dirty="0">
+                <a:solidFill>
+                  <a:schemeClr val="bg1">
+                    <a:lumMod val="65000"/>
+                  </a:schemeClr>
+                </a:solidFill>
+                <a:latin typeface="High Tower Text" panose="02040502050506030303" pitchFamily="18" charset="0"/>
+              </a:rPr>
+              <a:t>Eraser</a:t>
+            </a:r>
+            <a:endParaRPr lang="zh-CN" altLang="en-US" sz="2400" dirty="0">
+              <a:solidFill>
+                <a:schemeClr val="bg1">
+                  <a:lumMod val="65000"/>
+                </a:schemeClr>
+              </a:solidFill>
+              <a:latin typeface="High Tower Text" panose="02040502050506030303" pitchFamily="18" charset="0"/>
+            </a:endParaRPr>
+          </a:p>
+        </p:txBody>
+      </p:sp>
+      <p:sp>
+        <p:nvSpPr>
+          <p:cNvPr id="19" name="TextBox 18">
+            <a:extLst>
+              <a:ext uri="{FF2B5EF4-FFF2-40B4-BE49-F238E27FC236}">
+                <a16:creationId xmlns:a16="http://schemas.microsoft.com/office/drawing/2014/main" id="{9905EA83-B7EF-6803-61A1-BDF108CFC01C}"/>
+              </a:ext>
+            </a:extLst>
+          </p:cNvPr>
+          <p:cNvSpPr txBox="1"/>
+          <p:nvPr/>
+        </p:nvSpPr>
+        <p:spPr>
+          <a:xfrm>
+            <a:off x="7315199" y="3919880"/>
+            <a:ext cx="1422400" cy="461665"/>
+          </a:xfrm>
+          <a:prstGeom prst="rect">
+            <a:avLst/>
+          </a:prstGeom>
+          <a:noFill/>
+        </p:spPr>
+        <p:txBody>
+          <a:bodyPr wrap="square" rtlCol="0">
+            <a:spAutoFit/>
+          </a:bodyPr>
+          <a:lstStyle/>
+          <a:p>
+            <a:pPr algn="ctr"/>
+            <a:r>
+              <a:rPr lang="en-US" altLang="zh-CN" sz="2400" dirty="0">
+                <a:solidFill>
+                  <a:schemeClr val="bg1">
+                    <a:lumMod val="65000"/>
+                  </a:schemeClr>
+                </a:solidFill>
+                <a:latin typeface="High Tower Text" panose="02040502050506030303" pitchFamily="18" charset="0"/>
+              </a:rPr>
+              <a:t>Text</a:t>
+            </a:r>
+            <a:endParaRPr lang="zh-CN" altLang="en-US" sz="2400" dirty="0">
+              <a:solidFill>
+                <a:schemeClr val="bg1">
+                  <a:lumMod val="65000"/>
+                </a:schemeClr>
+              </a:solidFill>
+              <a:latin typeface="High Tower Text" panose="02040502050506030303" pitchFamily="18" charset="0"/>
+            </a:endParaRPr>
+          </a:p>
+        </p:txBody>
+      </p:sp>
+      <p:sp>
+        <p:nvSpPr>
+          <p:cNvPr id="20" name="TextBox 19">
+            <a:extLst>
+              <a:ext uri="{FF2B5EF4-FFF2-40B4-BE49-F238E27FC236}">
+                <a16:creationId xmlns:a16="http://schemas.microsoft.com/office/drawing/2014/main" id="{A92B0CA6-FB63-7F41-CB40-31D20EA508E7}"/>
+              </a:ext>
+            </a:extLst>
+          </p:cNvPr>
+          <p:cNvSpPr txBox="1"/>
+          <p:nvPr/>
+        </p:nvSpPr>
+        <p:spPr>
+          <a:xfrm>
+            <a:off x="7294880" y="4746980"/>
+            <a:ext cx="1422400" cy="461665"/>
+          </a:xfrm>
+          <a:prstGeom prst="rect">
+            <a:avLst/>
+          </a:prstGeom>
+          <a:noFill/>
+        </p:spPr>
+        <p:txBody>
+          <a:bodyPr wrap="square" rtlCol="0">
+            <a:spAutoFit/>
+          </a:bodyPr>
+          <a:lstStyle/>
+          <a:p>
+            <a:pPr algn="ctr"/>
+            <a:r>
+              <a:rPr lang="en-US" altLang="zh-CN" sz="2400" dirty="0">
+                <a:solidFill>
+                  <a:schemeClr val="bg1">
+                    <a:lumMod val="65000"/>
+                  </a:schemeClr>
+                </a:solidFill>
+                <a:latin typeface="High Tower Text" panose="02040502050506030303" pitchFamily="18" charset="0"/>
+              </a:rPr>
+              <a:t>Circle</a:t>
+            </a:r>
+            <a:endParaRPr lang="zh-CN" altLang="en-US" sz="2400" dirty="0">
+              <a:solidFill>
+                <a:schemeClr val="bg1">
+                  <a:lumMod val="65000"/>
+                </a:schemeClr>
+              </a:solidFill>
+              <a:latin typeface="High Tower Text" panose="02040502050506030303" pitchFamily="18" charset="0"/>
+            </a:endParaRPr>
           </a:p>
         </p:txBody>
       </p:sp>
     </p:spTree>
     <p:extLst>
       <p:ext uri="{BB962C8B-B14F-4D97-AF65-F5344CB8AC3E}">
-        <p14:creationId xmlns:p14="http://schemas.microsoft.com/office/powerpoint/2010/main" val="394012090"/>
+        <p14:creationId xmlns:p14="http://schemas.microsoft.com/office/powerpoint/2010/main" val="3855703955"/>
+      </p:ext>
+    </p:extLst>
+  </p:cSld>
+  <p:clrMapOvr>
+    <a:masterClrMapping/>
+  </p:clrMapOvr>
+</p:sld>
+</file>
+
+<file path=ppt/slides/slide7.xml><?xml version="1.0" encoding="utf-8"?>
+<p:sld xmlns:a="http://schemas.openxmlformats.org/drawingml/2006/main" xmlns:r="http://schemas.openxmlformats.org/officeDocument/2006/relationships" xmlns:p="http://schemas.openxmlformats.org/presentationml/2006/main">
+  <p:cSld>
+    <p:spTree>
+      <p:nvGrpSpPr>
+        <p:cNvPr id="1" name=""/>
+        <p:cNvGrpSpPr/>
+        <p:nvPr/>
+      </p:nvGrpSpPr>
+      <p:grpSpPr>
+        <a:xfrm>
+          <a:off x="0" y="0"/>
+          <a:ext cx="0" cy="0"/>
+          <a:chOff x="0" y="0"/>
+          <a:chExt cx="0" cy="0"/>
+        </a:xfrm>
+      </p:grpSpPr>
+      <p:sp>
+        <p:nvSpPr>
+          <p:cNvPr id="6" name="Rectangle 5">
+            <a:extLst>
+              <a:ext uri="{FF2B5EF4-FFF2-40B4-BE49-F238E27FC236}">
+                <a16:creationId xmlns:a16="http://schemas.microsoft.com/office/drawing/2014/main" id="{7BC4EB1B-EA6B-DFE4-AF3B-05D0EB253209}"/>
+              </a:ext>
+            </a:extLst>
+          </p:cNvPr>
+          <p:cNvSpPr/>
+          <p:nvPr/>
+        </p:nvSpPr>
+        <p:spPr>
+          <a:xfrm>
+            <a:off x="0" y="0"/>
+            <a:ext cx="12192000" cy="6858000"/>
+          </a:xfrm>
+          <a:prstGeom prst="rect">
+            <a:avLst/>
+          </a:prstGeom>
+          <a:solidFill>
+            <a:srgbClr val="23242A"/>
+          </a:solidFill>
+          <a:ln>
+            <a:noFill/>
+          </a:ln>
+        </p:spPr>
+        <p:style>
+          <a:lnRef idx="2">
+            <a:schemeClr val="accent1">
+              <a:shade val="15000"/>
+            </a:schemeClr>
+          </a:lnRef>
+          <a:fillRef idx="1">
+            <a:schemeClr val="accent1"/>
+          </a:fillRef>
+          <a:effectRef idx="0">
+            <a:schemeClr val="accent1"/>
+          </a:effectRef>
+          <a:fontRef idx="minor">
+            <a:schemeClr val="lt1"/>
+          </a:fontRef>
+        </p:style>
+        <p:txBody>
+          <a:bodyPr rtlCol="0" anchor="ctr"/>
+          <a:lstStyle/>
+          <a:p>
+            <a:pPr algn="ctr"/>
+            <a:endParaRPr lang="zh-CN" altLang="en-US" dirty="0"/>
+          </a:p>
+        </p:txBody>
+      </p:sp>
+      <p:sp>
+        <p:nvSpPr>
+          <p:cNvPr id="2" name="Slide Number Placeholder 1">
+            <a:extLst>
+              <a:ext uri="{FF2B5EF4-FFF2-40B4-BE49-F238E27FC236}">
+                <a16:creationId xmlns:a16="http://schemas.microsoft.com/office/drawing/2014/main" id="{C53E70DF-9B91-8A92-BF94-1399BB9FFE34}"/>
+              </a:ext>
+            </a:extLst>
+          </p:cNvPr>
+          <p:cNvSpPr>
+            <a:spLocks noGrp="1"/>
+          </p:cNvSpPr>
+          <p:nvPr>
+            <p:ph type="sldNum" sz="quarter" idx="12"/>
+          </p:nvPr>
+        </p:nvSpPr>
+        <p:spPr>
+          <a:xfrm>
+            <a:off x="9057739" y="6259509"/>
+            <a:ext cx="2743200" cy="365125"/>
+          </a:xfrm>
+        </p:spPr>
+        <p:txBody>
+          <a:bodyPr/>
+          <a:lstStyle/>
+          <a:p>
+            <a:fld id="{9B1EC109-1E15-4BCA-93B5-56442BB3443E}" type="slidenum">
+              <a:rPr lang="zh-CN" altLang="en-US" sz="2400" b="1" smtClean="0">
+                <a:solidFill>
+                  <a:schemeClr val="bg1">
+                    <a:lumMod val="65000"/>
+                  </a:schemeClr>
+                </a:solidFill>
+                <a:latin typeface="Bradley Hand ITC" panose="03070402050302030203" pitchFamily="66" charset="0"/>
+              </a:rPr>
+              <a:t>7</a:t>
+            </a:fld>
+            <a:endParaRPr lang="zh-CN" altLang="en-US" sz="2400" b="1" dirty="0">
+              <a:solidFill>
+                <a:schemeClr val="bg1">
+                  <a:lumMod val="65000"/>
+                </a:schemeClr>
+              </a:solidFill>
+              <a:latin typeface="Bradley Hand ITC" panose="03070402050302030203" pitchFamily="66" charset="0"/>
+            </a:endParaRPr>
+          </a:p>
+        </p:txBody>
+      </p:sp>
+      <p:sp>
+        <p:nvSpPr>
+          <p:cNvPr id="4" name="Google Shape;867;p33">
+            <a:extLst>
+              <a:ext uri="{FF2B5EF4-FFF2-40B4-BE49-F238E27FC236}">
+                <a16:creationId xmlns:a16="http://schemas.microsoft.com/office/drawing/2014/main" id="{24BC39E7-8798-676F-63C1-093D28359AFA}"/>
+              </a:ext>
+            </a:extLst>
+          </p:cNvPr>
+          <p:cNvSpPr txBox="1">
+            <a:spLocks/>
+          </p:cNvSpPr>
+          <p:nvPr/>
+        </p:nvSpPr>
+        <p:spPr>
+          <a:xfrm>
+            <a:off x="2222600" y="143850"/>
+            <a:ext cx="7746800" cy="1602400"/>
+          </a:xfrm>
+          <a:prstGeom prst="rect">
+            <a:avLst/>
+          </a:prstGeom>
+          <a:noFill/>
+          <a:ln>
+            <a:noFill/>
+          </a:ln>
+        </p:spPr>
+        <p:txBody>
+          <a:bodyPr spcFirstLastPara="1" wrap="square" lIns="91425" tIns="91425" rIns="91425" bIns="91425" anchor="b" anchorCtr="0">
+            <a:noAutofit/>
+          </a:bodyPr>
+          <a:lstStyle>
+            <a:defPPr marR="0" lvl="0" algn="l" rtl="0">
+              <a:lnSpc>
+                <a:spcPct val="100000"/>
+              </a:lnSpc>
+              <a:spcBef>
+                <a:spcPts val="0"/>
+              </a:spcBef>
+              <a:spcAft>
+                <a:spcPts val="0"/>
+              </a:spcAft>
+            </a:defPPr>
+            <a:lvl1pPr marR="0" lvl="0" algn="l" rtl="0">
+              <a:lnSpc>
+                <a:spcPct val="100000"/>
+              </a:lnSpc>
+              <a:spcBef>
+                <a:spcPts val="0"/>
+              </a:spcBef>
+              <a:spcAft>
+                <a:spcPts val="0"/>
+              </a:spcAft>
+              <a:buClr>
+                <a:schemeClr val="dk1"/>
+              </a:buClr>
+              <a:buSzPts val="3600"/>
+              <a:buFont typeface="Barlow"/>
+              <a:buNone/>
+              <a:defRPr sz="7200" b="1" i="0" u="none" strike="noStrike" cap="none">
+                <a:solidFill>
+                  <a:schemeClr val="dk1"/>
+                </a:solidFill>
+                <a:latin typeface="Barlow"/>
+                <a:ea typeface="Barlow"/>
+                <a:cs typeface="Barlow"/>
+                <a:sym typeface="Barlow"/>
+              </a:defRPr>
+            </a:lvl1pPr>
+            <a:lvl2pPr marR="0" lvl="1" algn="ctr" rtl="0">
+              <a:lnSpc>
+                <a:spcPct val="100000"/>
+              </a:lnSpc>
+              <a:spcBef>
+                <a:spcPts val="0"/>
+              </a:spcBef>
+              <a:spcAft>
+                <a:spcPts val="0"/>
+              </a:spcAft>
+              <a:buClr>
+                <a:schemeClr val="dk1"/>
+              </a:buClr>
+              <a:buSzPts val="3600"/>
+              <a:buFont typeface="Barlow"/>
+              <a:buNone/>
+              <a:defRPr sz="3600" b="1" i="0" u="none" strike="noStrike" cap="none">
+                <a:solidFill>
+                  <a:schemeClr val="dk1"/>
+                </a:solidFill>
+                <a:latin typeface="Barlow"/>
+                <a:ea typeface="Barlow"/>
+                <a:cs typeface="Barlow"/>
+                <a:sym typeface="Barlow"/>
+              </a:defRPr>
+            </a:lvl2pPr>
+            <a:lvl3pPr marR="0" lvl="2" algn="ctr" rtl="0">
+              <a:lnSpc>
+                <a:spcPct val="100000"/>
+              </a:lnSpc>
+              <a:spcBef>
+                <a:spcPts val="0"/>
+              </a:spcBef>
+              <a:spcAft>
+                <a:spcPts val="0"/>
+              </a:spcAft>
+              <a:buClr>
+                <a:schemeClr val="dk1"/>
+              </a:buClr>
+              <a:buSzPts val="3600"/>
+              <a:buFont typeface="Barlow"/>
+              <a:buNone/>
+              <a:defRPr sz="3600" b="1" i="0" u="none" strike="noStrike" cap="none">
+                <a:solidFill>
+                  <a:schemeClr val="dk1"/>
+                </a:solidFill>
+                <a:latin typeface="Barlow"/>
+                <a:ea typeface="Barlow"/>
+                <a:cs typeface="Barlow"/>
+                <a:sym typeface="Barlow"/>
+              </a:defRPr>
+            </a:lvl3pPr>
+            <a:lvl4pPr marR="0" lvl="3" algn="ctr" rtl="0">
+              <a:lnSpc>
+                <a:spcPct val="100000"/>
+              </a:lnSpc>
+              <a:spcBef>
+                <a:spcPts val="0"/>
+              </a:spcBef>
+              <a:spcAft>
+                <a:spcPts val="0"/>
+              </a:spcAft>
+              <a:buClr>
+                <a:schemeClr val="dk1"/>
+              </a:buClr>
+              <a:buSzPts val="3600"/>
+              <a:buFont typeface="Barlow"/>
+              <a:buNone/>
+              <a:defRPr sz="3600" b="1" i="0" u="none" strike="noStrike" cap="none">
+                <a:solidFill>
+                  <a:schemeClr val="dk1"/>
+                </a:solidFill>
+                <a:latin typeface="Barlow"/>
+                <a:ea typeface="Barlow"/>
+                <a:cs typeface="Barlow"/>
+                <a:sym typeface="Barlow"/>
+              </a:defRPr>
+            </a:lvl4pPr>
+            <a:lvl5pPr marR="0" lvl="4" algn="ctr" rtl="0">
+              <a:lnSpc>
+                <a:spcPct val="100000"/>
+              </a:lnSpc>
+              <a:spcBef>
+                <a:spcPts val="0"/>
+              </a:spcBef>
+              <a:spcAft>
+                <a:spcPts val="0"/>
+              </a:spcAft>
+              <a:buClr>
+                <a:schemeClr val="dk1"/>
+              </a:buClr>
+              <a:buSzPts val="3600"/>
+              <a:buFont typeface="Barlow"/>
+              <a:buNone/>
+              <a:defRPr sz="3600" b="1" i="0" u="none" strike="noStrike" cap="none">
+                <a:solidFill>
+                  <a:schemeClr val="dk1"/>
+                </a:solidFill>
+                <a:latin typeface="Barlow"/>
+                <a:ea typeface="Barlow"/>
+                <a:cs typeface="Barlow"/>
+                <a:sym typeface="Barlow"/>
+              </a:defRPr>
+            </a:lvl5pPr>
+            <a:lvl6pPr marR="0" lvl="5" algn="ctr" rtl="0">
+              <a:lnSpc>
+                <a:spcPct val="100000"/>
+              </a:lnSpc>
+              <a:spcBef>
+                <a:spcPts val="0"/>
+              </a:spcBef>
+              <a:spcAft>
+                <a:spcPts val="0"/>
+              </a:spcAft>
+              <a:buClr>
+                <a:schemeClr val="dk1"/>
+              </a:buClr>
+              <a:buSzPts val="3600"/>
+              <a:buFont typeface="Barlow"/>
+              <a:buNone/>
+              <a:defRPr sz="3600" b="1" i="0" u="none" strike="noStrike" cap="none">
+                <a:solidFill>
+                  <a:schemeClr val="dk1"/>
+                </a:solidFill>
+                <a:latin typeface="Barlow"/>
+                <a:ea typeface="Barlow"/>
+                <a:cs typeface="Barlow"/>
+                <a:sym typeface="Barlow"/>
+              </a:defRPr>
+            </a:lvl6pPr>
+            <a:lvl7pPr marR="0" lvl="6" algn="ctr" rtl="0">
+              <a:lnSpc>
+                <a:spcPct val="100000"/>
+              </a:lnSpc>
+              <a:spcBef>
+                <a:spcPts val="0"/>
+              </a:spcBef>
+              <a:spcAft>
+                <a:spcPts val="0"/>
+              </a:spcAft>
+              <a:buClr>
+                <a:schemeClr val="dk1"/>
+              </a:buClr>
+              <a:buSzPts val="3600"/>
+              <a:buFont typeface="Barlow"/>
+              <a:buNone/>
+              <a:defRPr sz="3600" b="1" i="0" u="none" strike="noStrike" cap="none">
+                <a:solidFill>
+                  <a:schemeClr val="dk1"/>
+                </a:solidFill>
+                <a:latin typeface="Barlow"/>
+                <a:ea typeface="Barlow"/>
+                <a:cs typeface="Barlow"/>
+                <a:sym typeface="Barlow"/>
+              </a:defRPr>
+            </a:lvl7pPr>
+            <a:lvl8pPr marR="0" lvl="7" algn="ctr" rtl="0">
+              <a:lnSpc>
+                <a:spcPct val="100000"/>
+              </a:lnSpc>
+              <a:spcBef>
+                <a:spcPts val="0"/>
+              </a:spcBef>
+              <a:spcAft>
+                <a:spcPts val="0"/>
+              </a:spcAft>
+              <a:buClr>
+                <a:schemeClr val="dk1"/>
+              </a:buClr>
+              <a:buSzPts val="3600"/>
+              <a:buFont typeface="Barlow"/>
+              <a:buNone/>
+              <a:defRPr sz="3600" b="1" i="0" u="none" strike="noStrike" cap="none">
+                <a:solidFill>
+                  <a:schemeClr val="dk1"/>
+                </a:solidFill>
+                <a:latin typeface="Barlow"/>
+                <a:ea typeface="Barlow"/>
+                <a:cs typeface="Barlow"/>
+                <a:sym typeface="Barlow"/>
+              </a:defRPr>
+            </a:lvl8pPr>
+            <a:lvl9pPr marR="0" lvl="8" algn="ctr" rtl="0">
+              <a:lnSpc>
+                <a:spcPct val="100000"/>
+              </a:lnSpc>
+              <a:spcBef>
+                <a:spcPts val="0"/>
+              </a:spcBef>
+              <a:spcAft>
+                <a:spcPts val="0"/>
+              </a:spcAft>
+              <a:buClr>
+                <a:schemeClr val="dk1"/>
+              </a:buClr>
+              <a:buSzPts val="3600"/>
+              <a:buFont typeface="Barlow"/>
+              <a:buNone/>
+              <a:defRPr sz="3600" b="1" i="0" u="none" strike="noStrike" cap="none">
+                <a:solidFill>
+                  <a:schemeClr val="dk1"/>
+                </a:solidFill>
+                <a:latin typeface="Barlow"/>
+                <a:ea typeface="Barlow"/>
+                <a:cs typeface="Barlow"/>
+                <a:sym typeface="Barlow"/>
+              </a:defRPr>
+            </a:lvl9pPr>
+          </a:lstStyle>
+          <a:p>
+            <a:pPr algn="ctr"/>
+            <a:r>
+              <a:rPr lang="en-US" altLang="zh-CN" sz="8000" spc="300" dirty="0">
+                <a:solidFill>
+                  <a:schemeClr val="accent4">
+                    <a:lumMod val="60000"/>
+                    <a:lumOff val="40000"/>
+                    <a:alpha val="60000"/>
+                  </a:schemeClr>
+                </a:solidFill>
+                <a:latin typeface="Amatic SC" panose="020F0502020204030204" pitchFamily="2" charset="-79"/>
+                <a:cs typeface="Amatic SC" panose="020F0502020204030204" pitchFamily="2" charset="-79"/>
+              </a:rPr>
+              <a:t>Draw Rectangle</a:t>
+            </a:r>
+          </a:p>
+        </p:txBody>
+      </p:sp>
+      <p:pic>
+        <p:nvPicPr>
+          <p:cNvPr id="9" name="Picture 8">
+            <a:extLst>
+              <a:ext uri="{FF2B5EF4-FFF2-40B4-BE49-F238E27FC236}">
+                <a16:creationId xmlns:a16="http://schemas.microsoft.com/office/drawing/2014/main" id="{D5066508-09EB-F4F0-11C7-7521CBF10FBD}"/>
+              </a:ext>
+            </a:extLst>
+          </p:cNvPr>
+          <p:cNvPicPr>
+            <a:picLocks noChangeAspect="1"/>
+          </p:cNvPicPr>
+          <p:nvPr/>
+        </p:nvPicPr>
+        <p:blipFill>
+          <a:blip r:embed="rId2">
+            <a:extLst>
+              <a:ext uri="{28A0092B-C50C-407E-A947-70E740481C1C}">
+                <a14:useLocalDpi xmlns:a14="http://schemas.microsoft.com/office/drawing/2010/main" val="0"/>
+              </a:ext>
+            </a:extLst>
+          </a:blip>
+          <a:stretch>
+            <a:fillRect/>
+          </a:stretch>
+        </p:blipFill>
+        <p:spPr>
+          <a:xfrm>
+            <a:off x="1348735" y="2424430"/>
+            <a:ext cx="1695689" cy="3207680"/>
+          </a:xfrm>
+          <a:prstGeom prst="rect">
+            <a:avLst/>
+          </a:prstGeom>
+        </p:spPr>
+      </p:pic>
+      <p:sp>
+        <p:nvSpPr>
+          <p:cNvPr id="10" name="TextBox 9">
+            <a:extLst>
+              <a:ext uri="{FF2B5EF4-FFF2-40B4-BE49-F238E27FC236}">
+                <a16:creationId xmlns:a16="http://schemas.microsoft.com/office/drawing/2014/main" id="{A043DFBB-463E-9BDB-E5E4-40E870A2B090}"/>
+              </a:ext>
+            </a:extLst>
+          </p:cNvPr>
+          <p:cNvSpPr txBox="1"/>
+          <p:nvPr/>
+        </p:nvSpPr>
+        <p:spPr>
+          <a:xfrm>
+            <a:off x="1470476" y="5718155"/>
+            <a:ext cx="1452206" cy="461665"/>
+          </a:xfrm>
+          <a:prstGeom prst="rect">
+            <a:avLst/>
+          </a:prstGeom>
+          <a:noFill/>
+        </p:spPr>
+        <p:txBody>
+          <a:bodyPr wrap="square" rtlCol="0">
+            <a:spAutoFit/>
+          </a:bodyPr>
+          <a:lstStyle/>
+          <a:p>
+            <a:pPr algn="ctr"/>
+            <a:r>
+              <a:rPr lang="en-US" altLang="zh-CN" sz="2400" dirty="0">
+                <a:solidFill>
+                  <a:schemeClr val="bg1">
+                    <a:lumMod val="65000"/>
+                  </a:schemeClr>
+                </a:solidFill>
+                <a:latin typeface="High Tower Text" panose="02040502050506030303" pitchFamily="18" charset="0"/>
+              </a:rPr>
+              <a:t>Rectangle</a:t>
+            </a:r>
+            <a:endParaRPr lang="zh-CN" altLang="en-US" sz="2400" dirty="0">
+              <a:solidFill>
+                <a:schemeClr val="bg1">
+                  <a:lumMod val="65000"/>
+                </a:schemeClr>
+              </a:solidFill>
+              <a:latin typeface="High Tower Text" panose="02040502050506030303" pitchFamily="18" charset="0"/>
+            </a:endParaRPr>
+          </a:p>
+        </p:txBody>
+      </p:sp>
+      <p:pic>
+        <p:nvPicPr>
+          <p:cNvPr id="13" name="Picture 12">
+            <a:extLst>
+              <a:ext uri="{FF2B5EF4-FFF2-40B4-BE49-F238E27FC236}">
+                <a16:creationId xmlns:a16="http://schemas.microsoft.com/office/drawing/2014/main" id="{4C6A2EA7-A3DB-74E3-6A6D-D5C0507DB76D}"/>
+              </a:ext>
+            </a:extLst>
+          </p:cNvPr>
+          <p:cNvPicPr>
+            <a:picLocks noChangeAspect="1"/>
+          </p:cNvPicPr>
+          <p:nvPr/>
+        </p:nvPicPr>
+        <p:blipFill>
+          <a:blip r:embed="rId3">
+            <a:extLst>
+              <a:ext uri="{28A0092B-C50C-407E-A947-70E740481C1C}">
+                <a14:useLocalDpi xmlns:a14="http://schemas.microsoft.com/office/drawing/2010/main" val="0"/>
+              </a:ext>
+            </a:extLst>
+          </a:blip>
+          <a:stretch>
+            <a:fillRect/>
+          </a:stretch>
+        </p:blipFill>
+        <p:spPr>
+          <a:xfrm>
+            <a:off x="4712819" y="1890100"/>
+            <a:ext cx="6008705" cy="4627822"/>
+          </a:xfrm>
+          <a:prstGeom prst="rect">
+            <a:avLst/>
+          </a:prstGeom>
+        </p:spPr>
+      </p:pic>
+      <p:sp>
+        <p:nvSpPr>
+          <p:cNvPr id="14" name="Oval 13">
+            <a:extLst>
+              <a:ext uri="{FF2B5EF4-FFF2-40B4-BE49-F238E27FC236}">
+                <a16:creationId xmlns:a16="http://schemas.microsoft.com/office/drawing/2014/main" id="{8DA07662-D2D0-3D91-9061-31BF08F3324D}"/>
+              </a:ext>
+            </a:extLst>
+          </p:cNvPr>
+          <p:cNvSpPr/>
+          <p:nvPr/>
+        </p:nvSpPr>
+        <p:spPr>
+          <a:xfrm>
+            <a:off x="6709410" y="3558540"/>
+            <a:ext cx="243840" cy="243840"/>
+          </a:xfrm>
+          <a:prstGeom prst="ellipse">
+            <a:avLst/>
+          </a:prstGeom>
+          <a:noFill/>
+          <a:ln w="38100">
+            <a:solidFill>
+              <a:srgbClr val="C00000"/>
+            </a:solidFill>
+          </a:ln>
+        </p:spPr>
+        <p:style>
+          <a:lnRef idx="2">
+            <a:schemeClr val="accent1">
+              <a:shade val="15000"/>
+            </a:schemeClr>
+          </a:lnRef>
+          <a:fillRef idx="1">
+            <a:schemeClr val="accent1"/>
+          </a:fillRef>
+          <a:effectRef idx="0">
+            <a:schemeClr val="accent1"/>
+          </a:effectRef>
+          <a:fontRef idx="minor">
+            <a:schemeClr val="lt1"/>
+          </a:fontRef>
+        </p:style>
+        <p:txBody>
+          <a:bodyPr rtlCol="0" anchor="ctr"/>
+          <a:lstStyle/>
+          <a:p>
+            <a:pPr algn="ctr"/>
+            <a:endParaRPr lang="zh-CN" altLang="en-US"/>
+          </a:p>
+        </p:txBody>
+      </p:sp>
+      <p:sp>
+        <p:nvSpPr>
+          <p:cNvPr id="21" name="Oval 20">
+            <a:extLst>
+              <a:ext uri="{FF2B5EF4-FFF2-40B4-BE49-F238E27FC236}">
+                <a16:creationId xmlns:a16="http://schemas.microsoft.com/office/drawing/2014/main" id="{D79DAEC5-22FB-3C11-C264-A24CE6BC9FF4}"/>
+              </a:ext>
+            </a:extLst>
+          </p:cNvPr>
+          <p:cNvSpPr/>
+          <p:nvPr/>
+        </p:nvSpPr>
+        <p:spPr>
+          <a:xfrm>
+            <a:off x="7595251" y="3550936"/>
+            <a:ext cx="243840" cy="243840"/>
+          </a:xfrm>
+          <a:prstGeom prst="ellipse">
+            <a:avLst/>
+          </a:prstGeom>
+          <a:noFill/>
+          <a:ln w="38100">
+            <a:solidFill>
+              <a:srgbClr val="C00000"/>
+            </a:solidFill>
+          </a:ln>
+        </p:spPr>
+        <p:style>
+          <a:lnRef idx="2">
+            <a:schemeClr val="accent1">
+              <a:shade val="15000"/>
+            </a:schemeClr>
+          </a:lnRef>
+          <a:fillRef idx="1">
+            <a:schemeClr val="accent1"/>
+          </a:fillRef>
+          <a:effectRef idx="0">
+            <a:schemeClr val="accent1"/>
+          </a:effectRef>
+          <a:fontRef idx="minor">
+            <a:schemeClr val="lt1"/>
+          </a:fontRef>
+        </p:style>
+        <p:txBody>
+          <a:bodyPr rtlCol="0" anchor="ctr"/>
+          <a:lstStyle/>
+          <a:p>
+            <a:pPr algn="ctr"/>
+            <a:endParaRPr lang="zh-CN" altLang="en-US"/>
+          </a:p>
+        </p:txBody>
+      </p:sp>
+      <p:sp>
+        <p:nvSpPr>
+          <p:cNvPr id="22" name="Oval 21">
+            <a:extLst>
+              <a:ext uri="{FF2B5EF4-FFF2-40B4-BE49-F238E27FC236}">
+                <a16:creationId xmlns:a16="http://schemas.microsoft.com/office/drawing/2014/main" id="{C5F72F0A-03AC-61B3-E670-364D2B21FA9C}"/>
+              </a:ext>
+            </a:extLst>
+          </p:cNvPr>
+          <p:cNvSpPr/>
+          <p:nvPr/>
+        </p:nvSpPr>
+        <p:spPr>
+          <a:xfrm>
+            <a:off x="8481092" y="3558540"/>
+            <a:ext cx="243840" cy="243840"/>
+          </a:xfrm>
+          <a:prstGeom prst="ellipse">
+            <a:avLst/>
+          </a:prstGeom>
+          <a:noFill/>
+          <a:ln w="38100">
+            <a:solidFill>
+              <a:srgbClr val="C00000"/>
+            </a:solidFill>
+          </a:ln>
+        </p:spPr>
+        <p:style>
+          <a:lnRef idx="2">
+            <a:schemeClr val="accent1">
+              <a:shade val="15000"/>
+            </a:schemeClr>
+          </a:lnRef>
+          <a:fillRef idx="1">
+            <a:schemeClr val="accent1"/>
+          </a:fillRef>
+          <a:effectRef idx="0">
+            <a:schemeClr val="accent1"/>
+          </a:effectRef>
+          <a:fontRef idx="minor">
+            <a:schemeClr val="lt1"/>
+          </a:fontRef>
+        </p:style>
+        <p:txBody>
+          <a:bodyPr rtlCol="0" anchor="ctr"/>
+          <a:lstStyle/>
+          <a:p>
+            <a:pPr algn="ctr"/>
+            <a:endParaRPr lang="zh-CN" altLang="en-US"/>
+          </a:p>
+        </p:txBody>
+      </p:sp>
+      <p:sp>
+        <p:nvSpPr>
+          <p:cNvPr id="23" name="Oval 22">
+            <a:extLst>
+              <a:ext uri="{FF2B5EF4-FFF2-40B4-BE49-F238E27FC236}">
+                <a16:creationId xmlns:a16="http://schemas.microsoft.com/office/drawing/2014/main" id="{B8F99440-020E-5F13-E185-7E2BA7766D67}"/>
+              </a:ext>
+            </a:extLst>
+          </p:cNvPr>
+          <p:cNvSpPr/>
+          <p:nvPr/>
+        </p:nvSpPr>
+        <p:spPr>
+          <a:xfrm>
+            <a:off x="6709410" y="4082091"/>
+            <a:ext cx="243840" cy="243840"/>
+          </a:xfrm>
+          <a:prstGeom prst="ellipse">
+            <a:avLst/>
+          </a:prstGeom>
+          <a:noFill/>
+          <a:ln w="38100">
+            <a:solidFill>
+              <a:srgbClr val="C00000"/>
+            </a:solidFill>
+          </a:ln>
+        </p:spPr>
+        <p:style>
+          <a:lnRef idx="2">
+            <a:schemeClr val="accent1">
+              <a:shade val="15000"/>
+            </a:schemeClr>
+          </a:lnRef>
+          <a:fillRef idx="1">
+            <a:schemeClr val="accent1"/>
+          </a:fillRef>
+          <a:effectRef idx="0">
+            <a:schemeClr val="accent1"/>
+          </a:effectRef>
+          <a:fontRef idx="minor">
+            <a:schemeClr val="lt1"/>
+          </a:fontRef>
+        </p:style>
+        <p:txBody>
+          <a:bodyPr rtlCol="0" anchor="ctr"/>
+          <a:lstStyle/>
+          <a:p>
+            <a:pPr algn="ctr"/>
+            <a:endParaRPr lang="zh-CN" altLang="en-US"/>
+          </a:p>
+        </p:txBody>
+      </p:sp>
+      <p:sp>
+        <p:nvSpPr>
+          <p:cNvPr id="24" name="Oval 23">
+            <a:extLst>
+              <a:ext uri="{FF2B5EF4-FFF2-40B4-BE49-F238E27FC236}">
+                <a16:creationId xmlns:a16="http://schemas.microsoft.com/office/drawing/2014/main" id="{E0FAD958-0DFF-5DFA-7567-A3618DEE3D95}"/>
+              </a:ext>
+            </a:extLst>
+          </p:cNvPr>
+          <p:cNvSpPr/>
+          <p:nvPr/>
+        </p:nvSpPr>
+        <p:spPr>
+          <a:xfrm>
+            <a:off x="6709410" y="4588189"/>
+            <a:ext cx="243840" cy="243840"/>
+          </a:xfrm>
+          <a:prstGeom prst="ellipse">
+            <a:avLst/>
+          </a:prstGeom>
+          <a:noFill/>
+          <a:ln w="38100">
+            <a:solidFill>
+              <a:srgbClr val="C00000"/>
+            </a:solidFill>
+          </a:ln>
+        </p:spPr>
+        <p:style>
+          <a:lnRef idx="2">
+            <a:schemeClr val="accent1">
+              <a:shade val="15000"/>
+            </a:schemeClr>
+          </a:lnRef>
+          <a:fillRef idx="1">
+            <a:schemeClr val="accent1"/>
+          </a:fillRef>
+          <a:effectRef idx="0">
+            <a:schemeClr val="accent1"/>
+          </a:effectRef>
+          <a:fontRef idx="minor">
+            <a:schemeClr val="lt1"/>
+          </a:fontRef>
+        </p:style>
+        <p:txBody>
+          <a:bodyPr rtlCol="0" anchor="ctr"/>
+          <a:lstStyle/>
+          <a:p>
+            <a:pPr algn="ctr"/>
+            <a:endParaRPr lang="zh-CN" altLang="en-US"/>
+          </a:p>
+        </p:txBody>
+      </p:sp>
+      <p:sp>
+        <p:nvSpPr>
+          <p:cNvPr id="25" name="Oval 24">
+            <a:extLst>
+              <a:ext uri="{FF2B5EF4-FFF2-40B4-BE49-F238E27FC236}">
+                <a16:creationId xmlns:a16="http://schemas.microsoft.com/office/drawing/2014/main" id="{97F3030C-2E02-6EAD-44E8-00BCE5741A55}"/>
+              </a:ext>
+            </a:extLst>
+          </p:cNvPr>
+          <p:cNvSpPr/>
+          <p:nvPr/>
+        </p:nvSpPr>
+        <p:spPr>
+          <a:xfrm>
+            <a:off x="8481092" y="4082091"/>
+            <a:ext cx="243840" cy="243840"/>
+          </a:xfrm>
+          <a:prstGeom prst="ellipse">
+            <a:avLst/>
+          </a:prstGeom>
+          <a:noFill/>
+          <a:ln w="38100">
+            <a:solidFill>
+              <a:srgbClr val="C00000"/>
+            </a:solidFill>
+          </a:ln>
+        </p:spPr>
+        <p:style>
+          <a:lnRef idx="2">
+            <a:schemeClr val="accent1">
+              <a:shade val="15000"/>
+            </a:schemeClr>
+          </a:lnRef>
+          <a:fillRef idx="1">
+            <a:schemeClr val="accent1"/>
+          </a:fillRef>
+          <a:effectRef idx="0">
+            <a:schemeClr val="accent1"/>
+          </a:effectRef>
+          <a:fontRef idx="minor">
+            <a:schemeClr val="lt1"/>
+          </a:fontRef>
+        </p:style>
+        <p:txBody>
+          <a:bodyPr rtlCol="0" anchor="ctr"/>
+          <a:lstStyle/>
+          <a:p>
+            <a:pPr algn="ctr"/>
+            <a:endParaRPr lang="zh-CN" altLang="en-US"/>
+          </a:p>
+        </p:txBody>
+      </p:sp>
+      <p:sp>
+        <p:nvSpPr>
+          <p:cNvPr id="26" name="Oval 25">
+            <a:extLst>
+              <a:ext uri="{FF2B5EF4-FFF2-40B4-BE49-F238E27FC236}">
+                <a16:creationId xmlns:a16="http://schemas.microsoft.com/office/drawing/2014/main" id="{18C048B8-E4FB-923A-B5E1-5C9A03AC4C99}"/>
+              </a:ext>
+            </a:extLst>
+          </p:cNvPr>
+          <p:cNvSpPr/>
+          <p:nvPr/>
+        </p:nvSpPr>
+        <p:spPr>
+          <a:xfrm>
+            <a:off x="8481092" y="4588189"/>
+            <a:ext cx="243840" cy="243840"/>
+          </a:xfrm>
+          <a:prstGeom prst="ellipse">
+            <a:avLst/>
+          </a:prstGeom>
+          <a:noFill/>
+          <a:ln w="38100">
+            <a:solidFill>
+              <a:srgbClr val="C00000"/>
+            </a:solidFill>
+          </a:ln>
+        </p:spPr>
+        <p:style>
+          <a:lnRef idx="2">
+            <a:schemeClr val="accent1">
+              <a:shade val="15000"/>
+            </a:schemeClr>
+          </a:lnRef>
+          <a:fillRef idx="1">
+            <a:schemeClr val="accent1"/>
+          </a:fillRef>
+          <a:effectRef idx="0">
+            <a:schemeClr val="accent1"/>
+          </a:effectRef>
+          <a:fontRef idx="minor">
+            <a:schemeClr val="lt1"/>
+          </a:fontRef>
+        </p:style>
+        <p:txBody>
+          <a:bodyPr rtlCol="0" anchor="ctr"/>
+          <a:lstStyle/>
+          <a:p>
+            <a:pPr algn="ctr"/>
+            <a:endParaRPr lang="zh-CN" altLang="en-US"/>
+          </a:p>
+        </p:txBody>
+      </p:sp>
+      <p:sp>
+        <p:nvSpPr>
+          <p:cNvPr id="28" name="Rectangle 27">
+            <a:extLst>
+              <a:ext uri="{FF2B5EF4-FFF2-40B4-BE49-F238E27FC236}">
+                <a16:creationId xmlns:a16="http://schemas.microsoft.com/office/drawing/2014/main" id="{02E598BC-A0C1-2375-E38F-F9837FB72275}"/>
+              </a:ext>
+            </a:extLst>
+          </p:cNvPr>
+          <p:cNvSpPr/>
+          <p:nvPr/>
+        </p:nvSpPr>
+        <p:spPr>
+          <a:xfrm>
+            <a:off x="7538337" y="4832029"/>
+            <a:ext cx="356893" cy="190347"/>
+          </a:xfrm>
+          <a:prstGeom prst="rect">
+            <a:avLst/>
+          </a:prstGeom>
+          <a:noFill/>
+          <a:ln w="38100">
+            <a:solidFill>
+              <a:srgbClr val="C00000"/>
+            </a:solidFill>
+          </a:ln>
+        </p:spPr>
+        <p:style>
+          <a:lnRef idx="2">
+            <a:schemeClr val="accent1">
+              <a:shade val="15000"/>
+            </a:schemeClr>
+          </a:lnRef>
+          <a:fillRef idx="1">
+            <a:schemeClr val="accent1"/>
+          </a:fillRef>
+          <a:effectRef idx="0">
+            <a:schemeClr val="accent1"/>
+          </a:effectRef>
+          <a:fontRef idx="minor">
+            <a:schemeClr val="lt1"/>
+          </a:fontRef>
+        </p:style>
+        <p:txBody>
+          <a:bodyPr rtlCol="0" anchor="ctr"/>
+          <a:lstStyle/>
+          <a:p>
+            <a:pPr algn="ctr"/>
+            <a:endParaRPr lang="zh-CN" altLang="en-US"/>
+          </a:p>
+        </p:txBody>
+      </p:sp>
+      <p:sp>
+        <p:nvSpPr>
+          <p:cNvPr id="29" name="TextBox 28">
+            <a:extLst>
+              <a:ext uri="{FF2B5EF4-FFF2-40B4-BE49-F238E27FC236}">
+                <a16:creationId xmlns:a16="http://schemas.microsoft.com/office/drawing/2014/main" id="{AA3FDEA0-BA57-EF47-2B9B-C517552C5534}"/>
+              </a:ext>
+            </a:extLst>
+          </p:cNvPr>
+          <p:cNvSpPr txBox="1"/>
+          <p:nvPr/>
+        </p:nvSpPr>
+        <p:spPr>
+          <a:xfrm>
+            <a:off x="7249008" y="5022376"/>
+            <a:ext cx="1016469" cy="338554"/>
+          </a:xfrm>
+          <a:prstGeom prst="rect">
+            <a:avLst/>
+          </a:prstGeom>
+          <a:noFill/>
+        </p:spPr>
+        <p:txBody>
+          <a:bodyPr wrap="square" rtlCol="0">
+            <a:spAutoFit/>
+          </a:bodyPr>
+          <a:lstStyle/>
+          <a:p>
+            <a:pPr algn="ctr"/>
+            <a:r>
+              <a:rPr lang="en-US" altLang="zh-CN" sz="1600" dirty="0">
+                <a:solidFill>
+                  <a:schemeClr val="tx1">
+                    <a:lumMod val="65000"/>
+                    <a:lumOff val="35000"/>
+                  </a:schemeClr>
+                </a:solidFill>
+                <a:latin typeface="High Tower Text" panose="02040502050506030303" pitchFamily="18" charset="0"/>
+              </a:rPr>
+              <a:t>Rotate</a:t>
+            </a:r>
+            <a:endParaRPr lang="zh-CN" altLang="en-US" sz="1600" dirty="0">
+              <a:solidFill>
+                <a:schemeClr val="tx1">
+                  <a:lumMod val="65000"/>
+                  <a:lumOff val="35000"/>
+                </a:schemeClr>
+              </a:solidFill>
+              <a:latin typeface="High Tower Text" panose="02040502050506030303" pitchFamily="18" charset="0"/>
+            </a:endParaRPr>
+          </a:p>
+        </p:txBody>
+      </p:sp>
+      <p:sp>
+        <p:nvSpPr>
+          <p:cNvPr id="30" name="TextBox 29">
+            <a:extLst>
+              <a:ext uri="{FF2B5EF4-FFF2-40B4-BE49-F238E27FC236}">
+                <a16:creationId xmlns:a16="http://schemas.microsoft.com/office/drawing/2014/main" id="{3C2FAD98-7EFE-0CBE-7FE5-DBAF83C57AE5}"/>
+              </a:ext>
+            </a:extLst>
+          </p:cNvPr>
+          <p:cNvSpPr txBox="1"/>
+          <p:nvPr/>
+        </p:nvSpPr>
+        <p:spPr>
+          <a:xfrm>
+            <a:off x="6895770" y="3135308"/>
+            <a:ext cx="1642025" cy="338554"/>
+          </a:xfrm>
+          <a:prstGeom prst="rect">
+            <a:avLst/>
+          </a:prstGeom>
+          <a:noFill/>
+        </p:spPr>
+        <p:txBody>
+          <a:bodyPr wrap="square" rtlCol="0">
+            <a:spAutoFit/>
+          </a:bodyPr>
+          <a:lstStyle/>
+          <a:p>
+            <a:pPr algn="ctr"/>
+            <a:r>
+              <a:rPr lang="en-US" altLang="zh-CN" sz="1600" dirty="0">
+                <a:solidFill>
+                  <a:schemeClr val="tx1">
+                    <a:lumMod val="65000"/>
+                    <a:lumOff val="35000"/>
+                  </a:schemeClr>
+                </a:solidFill>
+                <a:latin typeface="High Tower Text" panose="02040502050506030303" pitchFamily="18" charset="0"/>
+              </a:rPr>
+              <a:t>Change Height</a:t>
+            </a:r>
+            <a:endParaRPr lang="zh-CN" altLang="en-US" sz="1600" dirty="0">
+              <a:solidFill>
+                <a:schemeClr val="tx1">
+                  <a:lumMod val="65000"/>
+                  <a:lumOff val="35000"/>
+                </a:schemeClr>
+              </a:solidFill>
+              <a:latin typeface="High Tower Text" panose="02040502050506030303" pitchFamily="18" charset="0"/>
+            </a:endParaRPr>
+          </a:p>
+        </p:txBody>
+      </p:sp>
+      <p:sp>
+        <p:nvSpPr>
+          <p:cNvPr id="31" name="TextBox 30">
+            <a:extLst>
+              <a:ext uri="{FF2B5EF4-FFF2-40B4-BE49-F238E27FC236}">
+                <a16:creationId xmlns:a16="http://schemas.microsoft.com/office/drawing/2014/main" id="{DA270EC8-BBDF-9E15-761A-6A52B6C8B6F2}"/>
+              </a:ext>
+            </a:extLst>
+          </p:cNvPr>
+          <p:cNvSpPr txBox="1"/>
+          <p:nvPr/>
+        </p:nvSpPr>
+        <p:spPr>
+          <a:xfrm>
+            <a:off x="5124477" y="4034734"/>
+            <a:ext cx="1642025" cy="338554"/>
+          </a:xfrm>
+          <a:prstGeom prst="rect">
+            <a:avLst/>
+          </a:prstGeom>
+          <a:noFill/>
+        </p:spPr>
+        <p:txBody>
+          <a:bodyPr wrap="square" rtlCol="0">
+            <a:spAutoFit/>
+          </a:bodyPr>
+          <a:lstStyle/>
+          <a:p>
+            <a:pPr algn="ctr"/>
+            <a:r>
+              <a:rPr lang="en-US" altLang="zh-CN" sz="1600" dirty="0">
+                <a:solidFill>
+                  <a:schemeClr val="tx1">
+                    <a:lumMod val="65000"/>
+                    <a:lumOff val="35000"/>
+                  </a:schemeClr>
+                </a:solidFill>
+                <a:latin typeface="High Tower Text" panose="02040502050506030303" pitchFamily="18" charset="0"/>
+              </a:rPr>
+              <a:t>Change Width</a:t>
+            </a:r>
+            <a:endParaRPr lang="zh-CN" altLang="en-US" sz="1600" dirty="0">
+              <a:solidFill>
+                <a:schemeClr val="tx1">
+                  <a:lumMod val="65000"/>
+                  <a:lumOff val="35000"/>
+                </a:schemeClr>
+              </a:solidFill>
+              <a:latin typeface="High Tower Text" panose="02040502050506030303" pitchFamily="18" charset="0"/>
+            </a:endParaRPr>
+          </a:p>
+        </p:txBody>
+      </p:sp>
+      <p:sp>
+        <p:nvSpPr>
+          <p:cNvPr id="32" name="TextBox 31">
+            <a:extLst>
+              <a:ext uri="{FF2B5EF4-FFF2-40B4-BE49-F238E27FC236}">
+                <a16:creationId xmlns:a16="http://schemas.microsoft.com/office/drawing/2014/main" id="{6363B9F1-5E40-8A8D-9F59-E1F4EBAC21D5}"/>
+              </a:ext>
+            </a:extLst>
+          </p:cNvPr>
+          <p:cNvSpPr txBox="1"/>
+          <p:nvPr/>
+        </p:nvSpPr>
+        <p:spPr>
+          <a:xfrm>
+            <a:off x="8551030" y="4755733"/>
+            <a:ext cx="1642025" cy="584775"/>
+          </a:xfrm>
+          <a:prstGeom prst="rect">
+            <a:avLst/>
+          </a:prstGeom>
+          <a:noFill/>
+        </p:spPr>
+        <p:txBody>
+          <a:bodyPr wrap="square" rtlCol="0">
+            <a:spAutoFit/>
+          </a:bodyPr>
+          <a:lstStyle/>
+          <a:p>
+            <a:pPr algn="ctr"/>
+            <a:r>
+              <a:rPr lang="en-US" altLang="zh-CN" sz="1600" dirty="0">
+                <a:solidFill>
+                  <a:schemeClr val="tx1">
+                    <a:lumMod val="65000"/>
+                    <a:lumOff val="35000"/>
+                  </a:schemeClr>
+                </a:solidFill>
+                <a:latin typeface="High Tower Text" panose="02040502050506030303" pitchFamily="18" charset="0"/>
+              </a:rPr>
+              <a:t>Change Height and Width</a:t>
+            </a:r>
+            <a:endParaRPr lang="zh-CN" altLang="en-US" sz="1600" dirty="0">
+              <a:solidFill>
+                <a:schemeClr val="tx1">
+                  <a:lumMod val="65000"/>
+                  <a:lumOff val="35000"/>
+                </a:schemeClr>
+              </a:solidFill>
+              <a:latin typeface="High Tower Text" panose="02040502050506030303" pitchFamily="18" charset="0"/>
+            </a:endParaRPr>
+          </a:p>
+        </p:txBody>
+      </p:sp>
+    </p:spTree>
+    <p:extLst>
+      <p:ext uri="{BB962C8B-B14F-4D97-AF65-F5344CB8AC3E}">
+        <p14:creationId xmlns:p14="http://schemas.microsoft.com/office/powerpoint/2010/main" val="3026599883"/>
+      </p:ext>
+    </p:extLst>
+  </p:cSld>
+  <p:clrMapOvr>
+    <a:masterClrMapping/>
+  </p:clrMapOvr>
+</p:sld>
+</file>
+
+<file path=ppt/slides/slide8.xml><?xml version="1.0" encoding="utf-8"?>
+<p:sld xmlns:a="http://schemas.openxmlformats.org/drawingml/2006/main" xmlns:r="http://schemas.openxmlformats.org/officeDocument/2006/relationships" xmlns:p="http://schemas.openxmlformats.org/presentationml/2006/main">
+  <p:cSld>
+    <p:spTree>
+      <p:nvGrpSpPr>
+        <p:cNvPr id="1" name=""/>
+        <p:cNvGrpSpPr/>
+        <p:nvPr/>
+      </p:nvGrpSpPr>
+      <p:grpSpPr>
+        <a:xfrm>
+          <a:off x="0" y="0"/>
+          <a:ext cx="0" cy="0"/>
+          <a:chOff x="0" y="0"/>
+          <a:chExt cx="0" cy="0"/>
+        </a:xfrm>
+      </p:grpSpPr>
+      <p:sp>
+        <p:nvSpPr>
+          <p:cNvPr id="6" name="Rectangle 5">
+            <a:extLst>
+              <a:ext uri="{FF2B5EF4-FFF2-40B4-BE49-F238E27FC236}">
+                <a16:creationId xmlns:a16="http://schemas.microsoft.com/office/drawing/2014/main" id="{7BC4EB1B-EA6B-DFE4-AF3B-05D0EB253209}"/>
+              </a:ext>
+            </a:extLst>
+          </p:cNvPr>
+          <p:cNvSpPr/>
+          <p:nvPr/>
+        </p:nvSpPr>
+        <p:spPr>
+          <a:xfrm>
+            <a:off x="0" y="0"/>
+            <a:ext cx="12192000" cy="6858000"/>
+          </a:xfrm>
+          <a:prstGeom prst="rect">
+            <a:avLst/>
+          </a:prstGeom>
+          <a:solidFill>
+            <a:srgbClr val="23242A"/>
+          </a:solidFill>
+          <a:ln>
+            <a:noFill/>
+          </a:ln>
+        </p:spPr>
+        <p:style>
+          <a:lnRef idx="2">
+            <a:schemeClr val="accent1">
+              <a:shade val="15000"/>
+            </a:schemeClr>
+          </a:lnRef>
+          <a:fillRef idx="1">
+            <a:schemeClr val="accent1"/>
+          </a:fillRef>
+          <a:effectRef idx="0">
+            <a:schemeClr val="accent1"/>
+          </a:effectRef>
+          <a:fontRef idx="minor">
+            <a:schemeClr val="lt1"/>
+          </a:fontRef>
+        </p:style>
+        <p:txBody>
+          <a:bodyPr rtlCol="0" anchor="ctr"/>
+          <a:lstStyle/>
+          <a:p>
+            <a:pPr algn="ctr"/>
+            <a:endParaRPr lang="zh-CN" altLang="en-US" dirty="0"/>
+          </a:p>
+        </p:txBody>
+      </p:sp>
+      <p:sp>
+        <p:nvSpPr>
+          <p:cNvPr id="2" name="Slide Number Placeholder 1">
+            <a:extLst>
+              <a:ext uri="{FF2B5EF4-FFF2-40B4-BE49-F238E27FC236}">
+                <a16:creationId xmlns:a16="http://schemas.microsoft.com/office/drawing/2014/main" id="{C53E70DF-9B91-8A92-BF94-1399BB9FFE34}"/>
+              </a:ext>
+            </a:extLst>
+          </p:cNvPr>
+          <p:cNvSpPr>
+            <a:spLocks noGrp="1"/>
+          </p:cNvSpPr>
+          <p:nvPr>
+            <p:ph type="sldNum" sz="quarter" idx="12"/>
+          </p:nvPr>
+        </p:nvSpPr>
+        <p:spPr>
+          <a:xfrm>
+            <a:off x="9057739" y="6259509"/>
+            <a:ext cx="2743200" cy="365125"/>
+          </a:xfrm>
+        </p:spPr>
+        <p:txBody>
+          <a:bodyPr/>
+          <a:lstStyle/>
+          <a:p>
+            <a:fld id="{9B1EC109-1E15-4BCA-93B5-56442BB3443E}" type="slidenum">
+              <a:rPr lang="zh-CN" altLang="en-US" sz="2400" b="1" smtClean="0">
+                <a:solidFill>
+                  <a:schemeClr val="bg1">
+                    <a:lumMod val="65000"/>
+                  </a:schemeClr>
+                </a:solidFill>
+                <a:latin typeface="Bradley Hand ITC" panose="03070402050302030203" pitchFamily="66" charset="0"/>
+              </a:rPr>
+              <a:t>8</a:t>
+            </a:fld>
+            <a:endParaRPr lang="zh-CN" altLang="en-US" sz="2400" b="1" dirty="0">
+              <a:solidFill>
+                <a:schemeClr val="bg1">
+                  <a:lumMod val="65000"/>
+                </a:schemeClr>
+              </a:solidFill>
+              <a:latin typeface="Bradley Hand ITC" panose="03070402050302030203" pitchFamily="66" charset="0"/>
+            </a:endParaRPr>
+          </a:p>
+        </p:txBody>
+      </p:sp>
+      <p:sp>
+        <p:nvSpPr>
+          <p:cNvPr id="4" name="Google Shape;867;p33">
+            <a:extLst>
+              <a:ext uri="{FF2B5EF4-FFF2-40B4-BE49-F238E27FC236}">
+                <a16:creationId xmlns:a16="http://schemas.microsoft.com/office/drawing/2014/main" id="{24BC39E7-8798-676F-63C1-093D28359AFA}"/>
+              </a:ext>
+            </a:extLst>
+          </p:cNvPr>
+          <p:cNvSpPr txBox="1">
+            <a:spLocks/>
+          </p:cNvSpPr>
+          <p:nvPr/>
+        </p:nvSpPr>
+        <p:spPr>
+          <a:xfrm>
+            <a:off x="2222600" y="143850"/>
+            <a:ext cx="7746800" cy="1602400"/>
+          </a:xfrm>
+          <a:prstGeom prst="rect">
+            <a:avLst/>
+          </a:prstGeom>
+          <a:noFill/>
+          <a:ln>
+            <a:noFill/>
+          </a:ln>
+        </p:spPr>
+        <p:txBody>
+          <a:bodyPr spcFirstLastPara="1" wrap="square" lIns="91425" tIns="91425" rIns="91425" bIns="91425" anchor="b" anchorCtr="0">
+            <a:noAutofit/>
+          </a:bodyPr>
+          <a:lstStyle>
+            <a:defPPr marR="0" lvl="0" algn="l" rtl="0">
+              <a:lnSpc>
+                <a:spcPct val="100000"/>
+              </a:lnSpc>
+              <a:spcBef>
+                <a:spcPts val="0"/>
+              </a:spcBef>
+              <a:spcAft>
+                <a:spcPts val="0"/>
+              </a:spcAft>
+            </a:defPPr>
+            <a:lvl1pPr marR="0" lvl="0" algn="l" rtl="0">
+              <a:lnSpc>
+                <a:spcPct val="100000"/>
+              </a:lnSpc>
+              <a:spcBef>
+                <a:spcPts val="0"/>
+              </a:spcBef>
+              <a:spcAft>
+                <a:spcPts val="0"/>
+              </a:spcAft>
+              <a:buClr>
+                <a:schemeClr val="dk1"/>
+              </a:buClr>
+              <a:buSzPts val="3600"/>
+              <a:buFont typeface="Barlow"/>
+              <a:buNone/>
+              <a:defRPr sz="7200" b="1" i="0" u="none" strike="noStrike" cap="none">
+                <a:solidFill>
+                  <a:schemeClr val="dk1"/>
+                </a:solidFill>
+                <a:latin typeface="Barlow"/>
+                <a:ea typeface="Barlow"/>
+                <a:cs typeface="Barlow"/>
+                <a:sym typeface="Barlow"/>
+              </a:defRPr>
+            </a:lvl1pPr>
+            <a:lvl2pPr marR="0" lvl="1" algn="ctr" rtl="0">
+              <a:lnSpc>
+                <a:spcPct val="100000"/>
+              </a:lnSpc>
+              <a:spcBef>
+                <a:spcPts val="0"/>
+              </a:spcBef>
+              <a:spcAft>
+                <a:spcPts val="0"/>
+              </a:spcAft>
+              <a:buClr>
+                <a:schemeClr val="dk1"/>
+              </a:buClr>
+              <a:buSzPts val="3600"/>
+              <a:buFont typeface="Barlow"/>
+              <a:buNone/>
+              <a:defRPr sz="3600" b="1" i="0" u="none" strike="noStrike" cap="none">
+                <a:solidFill>
+                  <a:schemeClr val="dk1"/>
+                </a:solidFill>
+                <a:latin typeface="Barlow"/>
+                <a:ea typeface="Barlow"/>
+                <a:cs typeface="Barlow"/>
+                <a:sym typeface="Barlow"/>
+              </a:defRPr>
+            </a:lvl2pPr>
+            <a:lvl3pPr marR="0" lvl="2" algn="ctr" rtl="0">
+              <a:lnSpc>
+                <a:spcPct val="100000"/>
+              </a:lnSpc>
+              <a:spcBef>
+                <a:spcPts val="0"/>
+              </a:spcBef>
+              <a:spcAft>
+                <a:spcPts val="0"/>
+              </a:spcAft>
+              <a:buClr>
+                <a:schemeClr val="dk1"/>
+              </a:buClr>
+              <a:buSzPts val="3600"/>
+              <a:buFont typeface="Barlow"/>
+              <a:buNone/>
+              <a:defRPr sz="3600" b="1" i="0" u="none" strike="noStrike" cap="none">
+                <a:solidFill>
+                  <a:schemeClr val="dk1"/>
+                </a:solidFill>
+                <a:latin typeface="Barlow"/>
+                <a:ea typeface="Barlow"/>
+                <a:cs typeface="Barlow"/>
+                <a:sym typeface="Barlow"/>
+              </a:defRPr>
+            </a:lvl3pPr>
+            <a:lvl4pPr marR="0" lvl="3" algn="ctr" rtl="0">
+              <a:lnSpc>
+                <a:spcPct val="100000"/>
+              </a:lnSpc>
+              <a:spcBef>
+                <a:spcPts val="0"/>
+              </a:spcBef>
+              <a:spcAft>
+                <a:spcPts val="0"/>
+              </a:spcAft>
+              <a:buClr>
+                <a:schemeClr val="dk1"/>
+              </a:buClr>
+              <a:buSzPts val="3600"/>
+              <a:buFont typeface="Barlow"/>
+              <a:buNone/>
+              <a:defRPr sz="3600" b="1" i="0" u="none" strike="noStrike" cap="none">
+                <a:solidFill>
+                  <a:schemeClr val="dk1"/>
+                </a:solidFill>
+                <a:latin typeface="Barlow"/>
+                <a:ea typeface="Barlow"/>
+                <a:cs typeface="Barlow"/>
+                <a:sym typeface="Barlow"/>
+              </a:defRPr>
+            </a:lvl4pPr>
+            <a:lvl5pPr marR="0" lvl="4" algn="ctr" rtl="0">
+              <a:lnSpc>
+                <a:spcPct val="100000"/>
+              </a:lnSpc>
+              <a:spcBef>
+                <a:spcPts val="0"/>
+              </a:spcBef>
+              <a:spcAft>
+                <a:spcPts val="0"/>
+              </a:spcAft>
+              <a:buClr>
+                <a:schemeClr val="dk1"/>
+              </a:buClr>
+              <a:buSzPts val="3600"/>
+              <a:buFont typeface="Barlow"/>
+              <a:buNone/>
+              <a:defRPr sz="3600" b="1" i="0" u="none" strike="noStrike" cap="none">
+                <a:solidFill>
+                  <a:schemeClr val="dk1"/>
+                </a:solidFill>
+                <a:latin typeface="Barlow"/>
+                <a:ea typeface="Barlow"/>
+                <a:cs typeface="Barlow"/>
+                <a:sym typeface="Barlow"/>
+              </a:defRPr>
+            </a:lvl5pPr>
+            <a:lvl6pPr marR="0" lvl="5" algn="ctr" rtl="0">
+              <a:lnSpc>
+                <a:spcPct val="100000"/>
+              </a:lnSpc>
+              <a:spcBef>
+                <a:spcPts val="0"/>
+              </a:spcBef>
+              <a:spcAft>
+                <a:spcPts val="0"/>
+              </a:spcAft>
+              <a:buClr>
+                <a:schemeClr val="dk1"/>
+              </a:buClr>
+              <a:buSzPts val="3600"/>
+              <a:buFont typeface="Barlow"/>
+              <a:buNone/>
+              <a:defRPr sz="3600" b="1" i="0" u="none" strike="noStrike" cap="none">
+                <a:solidFill>
+                  <a:schemeClr val="dk1"/>
+                </a:solidFill>
+                <a:latin typeface="Barlow"/>
+                <a:ea typeface="Barlow"/>
+                <a:cs typeface="Barlow"/>
+                <a:sym typeface="Barlow"/>
+              </a:defRPr>
+            </a:lvl6pPr>
+            <a:lvl7pPr marR="0" lvl="6" algn="ctr" rtl="0">
+              <a:lnSpc>
+                <a:spcPct val="100000"/>
+              </a:lnSpc>
+              <a:spcBef>
+                <a:spcPts val="0"/>
+              </a:spcBef>
+              <a:spcAft>
+                <a:spcPts val="0"/>
+              </a:spcAft>
+              <a:buClr>
+                <a:schemeClr val="dk1"/>
+              </a:buClr>
+              <a:buSzPts val="3600"/>
+              <a:buFont typeface="Barlow"/>
+              <a:buNone/>
+              <a:defRPr sz="3600" b="1" i="0" u="none" strike="noStrike" cap="none">
+                <a:solidFill>
+                  <a:schemeClr val="dk1"/>
+                </a:solidFill>
+                <a:latin typeface="Barlow"/>
+                <a:ea typeface="Barlow"/>
+                <a:cs typeface="Barlow"/>
+                <a:sym typeface="Barlow"/>
+              </a:defRPr>
+            </a:lvl7pPr>
+            <a:lvl8pPr marR="0" lvl="7" algn="ctr" rtl="0">
+              <a:lnSpc>
+                <a:spcPct val="100000"/>
+              </a:lnSpc>
+              <a:spcBef>
+                <a:spcPts val="0"/>
+              </a:spcBef>
+              <a:spcAft>
+                <a:spcPts val="0"/>
+              </a:spcAft>
+              <a:buClr>
+                <a:schemeClr val="dk1"/>
+              </a:buClr>
+              <a:buSzPts val="3600"/>
+              <a:buFont typeface="Barlow"/>
+              <a:buNone/>
+              <a:defRPr sz="3600" b="1" i="0" u="none" strike="noStrike" cap="none">
+                <a:solidFill>
+                  <a:schemeClr val="dk1"/>
+                </a:solidFill>
+                <a:latin typeface="Barlow"/>
+                <a:ea typeface="Barlow"/>
+                <a:cs typeface="Barlow"/>
+                <a:sym typeface="Barlow"/>
+              </a:defRPr>
+            </a:lvl8pPr>
+            <a:lvl9pPr marR="0" lvl="8" algn="ctr" rtl="0">
+              <a:lnSpc>
+                <a:spcPct val="100000"/>
+              </a:lnSpc>
+              <a:spcBef>
+                <a:spcPts val="0"/>
+              </a:spcBef>
+              <a:spcAft>
+                <a:spcPts val="0"/>
+              </a:spcAft>
+              <a:buClr>
+                <a:schemeClr val="dk1"/>
+              </a:buClr>
+              <a:buSzPts val="3600"/>
+              <a:buFont typeface="Barlow"/>
+              <a:buNone/>
+              <a:defRPr sz="3600" b="1" i="0" u="none" strike="noStrike" cap="none">
+                <a:solidFill>
+                  <a:schemeClr val="dk1"/>
+                </a:solidFill>
+                <a:latin typeface="Barlow"/>
+                <a:ea typeface="Barlow"/>
+                <a:cs typeface="Barlow"/>
+                <a:sym typeface="Barlow"/>
+              </a:defRPr>
+            </a:lvl9pPr>
+          </a:lstStyle>
+          <a:p>
+            <a:pPr algn="ctr"/>
+            <a:r>
+              <a:rPr lang="en-US" altLang="zh-CN" sz="8000" spc="300" dirty="0">
+                <a:solidFill>
+                  <a:schemeClr val="accent4">
+                    <a:lumMod val="60000"/>
+                    <a:lumOff val="40000"/>
+                    <a:alpha val="60000"/>
+                  </a:schemeClr>
+                </a:solidFill>
+                <a:latin typeface="Amatic SC" panose="020F0502020204030204" pitchFamily="2" charset="-79"/>
+                <a:cs typeface="Amatic SC" panose="020F0502020204030204" pitchFamily="2" charset="-79"/>
+              </a:rPr>
+              <a:t>Draw Ocean</a:t>
+            </a:r>
+          </a:p>
+        </p:txBody>
+      </p:sp>
+      <p:pic>
+        <p:nvPicPr>
+          <p:cNvPr id="5" name="Picture 4">
+            <a:extLst>
+              <a:ext uri="{FF2B5EF4-FFF2-40B4-BE49-F238E27FC236}">
+                <a16:creationId xmlns:a16="http://schemas.microsoft.com/office/drawing/2014/main" id="{C7E6F8F6-4709-0050-38E7-5DB9331A0BB7}"/>
+              </a:ext>
+            </a:extLst>
+          </p:cNvPr>
+          <p:cNvPicPr>
+            <a:picLocks noChangeAspect="1"/>
+          </p:cNvPicPr>
+          <p:nvPr/>
+        </p:nvPicPr>
+        <p:blipFill>
+          <a:blip r:embed="rId2">
+            <a:extLst>
+              <a:ext uri="{28A0092B-C50C-407E-A947-70E740481C1C}">
+                <a14:useLocalDpi xmlns:a14="http://schemas.microsoft.com/office/drawing/2010/main" val="0"/>
+              </a:ext>
+            </a:extLst>
+          </a:blip>
+          <a:stretch>
+            <a:fillRect/>
+          </a:stretch>
+        </p:blipFill>
+        <p:spPr>
+          <a:xfrm>
+            <a:off x="5387417" y="1890100"/>
+            <a:ext cx="5896080" cy="4466345"/>
+          </a:xfrm>
+          <a:prstGeom prst="rect">
+            <a:avLst/>
+          </a:prstGeom>
+        </p:spPr>
+      </p:pic>
+      <p:pic>
+        <p:nvPicPr>
+          <p:cNvPr id="8" name="Picture 7">
+            <a:extLst>
+              <a:ext uri="{FF2B5EF4-FFF2-40B4-BE49-F238E27FC236}">
+                <a16:creationId xmlns:a16="http://schemas.microsoft.com/office/drawing/2014/main" id="{74A1CCDA-D456-C33B-C4C0-00E8EEB0ADAD}"/>
+              </a:ext>
+            </a:extLst>
+          </p:cNvPr>
+          <p:cNvPicPr>
+            <a:picLocks noChangeAspect="1"/>
+          </p:cNvPicPr>
+          <p:nvPr/>
+        </p:nvPicPr>
+        <p:blipFill>
+          <a:blip r:embed="rId3">
+            <a:extLst>
+              <a:ext uri="{28A0092B-C50C-407E-A947-70E740481C1C}">
+                <a14:useLocalDpi xmlns:a14="http://schemas.microsoft.com/office/drawing/2010/main" val="0"/>
+              </a:ext>
+            </a:extLst>
+          </a:blip>
+          <a:stretch>
+            <a:fillRect/>
+          </a:stretch>
+        </p:blipFill>
+        <p:spPr>
+          <a:xfrm>
+            <a:off x="992597" y="1890100"/>
+            <a:ext cx="1893904" cy="4250991"/>
+          </a:xfrm>
+          <a:prstGeom prst="rect">
+            <a:avLst/>
+          </a:prstGeom>
+        </p:spPr>
+      </p:pic>
+      <p:sp>
+        <p:nvSpPr>
+          <p:cNvPr id="11" name="TextBox 10">
+            <a:extLst>
+              <a:ext uri="{FF2B5EF4-FFF2-40B4-BE49-F238E27FC236}">
+                <a16:creationId xmlns:a16="http://schemas.microsoft.com/office/drawing/2014/main" id="{38FF439F-4EDE-A5EE-56EC-777803782BF6}"/>
+              </a:ext>
+            </a:extLst>
+          </p:cNvPr>
+          <p:cNvSpPr txBox="1"/>
+          <p:nvPr/>
+        </p:nvSpPr>
+        <p:spPr>
+          <a:xfrm>
+            <a:off x="2895118" y="2960201"/>
+            <a:ext cx="1803265" cy="461665"/>
+          </a:xfrm>
+          <a:prstGeom prst="rect">
+            <a:avLst/>
+          </a:prstGeom>
+          <a:noFill/>
+        </p:spPr>
+        <p:txBody>
+          <a:bodyPr wrap="square" rtlCol="0">
+            <a:spAutoFit/>
+          </a:bodyPr>
+          <a:lstStyle/>
+          <a:p>
+            <a:r>
+              <a:rPr lang="en-US" altLang="zh-CN" sz="2400" dirty="0">
+                <a:solidFill>
+                  <a:schemeClr val="bg1">
+                    <a:lumMod val="65000"/>
+                  </a:schemeClr>
+                </a:solidFill>
+                <a:latin typeface="High Tower Text" panose="02040502050506030303" pitchFamily="18" charset="0"/>
+              </a:rPr>
+              <a:t>Color: 50</a:t>
+            </a:r>
+            <a:endParaRPr lang="zh-CN" altLang="en-US" sz="2400" dirty="0">
+              <a:solidFill>
+                <a:schemeClr val="bg1">
+                  <a:lumMod val="65000"/>
+                </a:schemeClr>
+              </a:solidFill>
+              <a:latin typeface="High Tower Text" panose="02040502050506030303" pitchFamily="18" charset="0"/>
+            </a:endParaRPr>
+          </a:p>
+        </p:txBody>
+      </p:sp>
+      <p:sp>
+        <p:nvSpPr>
+          <p:cNvPr id="12" name="TextBox 11">
+            <a:extLst>
+              <a:ext uri="{FF2B5EF4-FFF2-40B4-BE49-F238E27FC236}">
+                <a16:creationId xmlns:a16="http://schemas.microsoft.com/office/drawing/2014/main" id="{29CB3457-201D-0415-9BAF-4EB8A336719E}"/>
+              </a:ext>
+            </a:extLst>
+          </p:cNvPr>
+          <p:cNvSpPr txBox="1"/>
+          <p:nvPr/>
+        </p:nvSpPr>
+        <p:spPr>
+          <a:xfrm>
+            <a:off x="2886501" y="3532270"/>
+            <a:ext cx="2147730" cy="461665"/>
+          </a:xfrm>
+          <a:prstGeom prst="rect">
+            <a:avLst/>
+          </a:prstGeom>
+          <a:noFill/>
+        </p:spPr>
+        <p:txBody>
+          <a:bodyPr wrap="square" rtlCol="0">
+            <a:spAutoFit/>
+          </a:bodyPr>
+          <a:lstStyle/>
+          <a:p>
+            <a:r>
+              <a:rPr lang="en-US" altLang="zh-CN" sz="2400" dirty="0">
+                <a:solidFill>
+                  <a:schemeClr val="bg1">
+                    <a:lumMod val="65000"/>
+                  </a:schemeClr>
+                </a:solidFill>
+                <a:latin typeface="High Tower Text" panose="02040502050506030303" pitchFamily="18" charset="0"/>
+              </a:rPr>
+              <a:t>Saturation: 50</a:t>
+            </a:r>
+            <a:endParaRPr lang="zh-CN" altLang="en-US" sz="2400" dirty="0">
+              <a:solidFill>
+                <a:schemeClr val="bg1">
+                  <a:lumMod val="65000"/>
+                </a:schemeClr>
+              </a:solidFill>
+              <a:latin typeface="High Tower Text" panose="02040502050506030303" pitchFamily="18" charset="0"/>
+            </a:endParaRPr>
+          </a:p>
+        </p:txBody>
+      </p:sp>
+      <p:sp>
+        <p:nvSpPr>
+          <p:cNvPr id="15" name="TextBox 14">
+            <a:extLst>
+              <a:ext uri="{FF2B5EF4-FFF2-40B4-BE49-F238E27FC236}">
+                <a16:creationId xmlns:a16="http://schemas.microsoft.com/office/drawing/2014/main" id="{99B8F494-1EBF-4820-E2A4-AB58EC53624C}"/>
+              </a:ext>
+            </a:extLst>
+          </p:cNvPr>
+          <p:cNvSpPr txBox="1"/>
+          <p:nvPr/>
+        </p:nvSpPr>
+        <p:spPr>
+          <a:xfrm>
+            <a:off x="2895118" y="4104339"/>
+            <a:ext cx="2344279" cy="461665"/>
+          </a:xfrm>
+          <a:prstGeom prst="rect">
+            <a:avLst/>
+          </a:prstGeom>
+          <a:noFill/>
+        </p:spPr>
+        <p:txBody>
+          <a:bodyPr wrap="square" rtlCol="0">
+            <a:spAutoFit/>
+          </a:bodyPr>
+          <a:lstStyle/>
+          <a:p>
+            <a:r>
+              <a:rPr lang="en-US" altLang="zh-CN" sz="2400" dirty="0">
+                <a:solidFill>
+                  <a:schemeClr val="bg1">
+                    <a:lumMod val="65000"/>
+                  </a:schemeClr>
+                </a:solidFill>
+                <a:latin typeface="High Tower Text" panose="02040502050506030303" pitchFamily="18" charset="0"/>
+              </a:rPr>
+              <a:t>Brightness: 90</a:t>
+            </a:r>
+            <a:endParaRPr lang="zh-CN" altLang="en-US" sz="2400" dirty="0">
+              <a:solidFill>
+                <a:schemeClr val="bg1">
+                  <a:lumMod val="65000"/>
+                </a:schemeClr>
+              </a:solidFill>
+              <a:latin typeface="High Tower Text" panose="02040502050506030303" pitchFamily="18" charset="0"/>
+            </a:endParaRPr>
+          </a:p>
+        </p:txBody>
+      </p:sp>
+      <p:sp>
+        <p:nvSpPr>
+          <p:cNvPr id="16" name="TextBox 15">
+            <a:extLst>
+              <a:ext uri="{FF2B5EF4-FFF2-40B4-BE49-F238E27FC236}">
+                <a16:creationId xmlns:a16="http://schemas.microsoft.com/office/drawing/2014/main" id="{50EAF94F-264E-B284-C3B0-FB374C85EEAF}"/>
+              </a:ext>
+            </a:extLst>
+          </p:cNvPr>
+          <p:cNvSpPr txBox="1"/>
+          <p:nvPr/>
+        </p:nvSpPr>
+        <p:spPr>
+          <a:xfrm>
+            <a:off x="2886501" y="4715048"/>
+            <a:ext cx="2099963" cy="461665"/>
+          </a:xfrm>
+          <a:prstGeom prst="rect">
+            <a:avLst/>
+          </a:prstGeom>
+          <a:noFill/>
+        </p:spPr>
+        <p:txBody>
+          <a:bodyPr wrap="square" rtlCol="0">
+            <a:spAutoFit/>
+          </a:bodyPr>
+          <a:lstStyle/>
+          <a:p>
+            <a:r>
+              <a:rPr lang="en-US" altLang="zh-CN" sz="2400" dirty="0">
+                <a:solidFill>
+                  <a:schemeClr val="bg1">
+                    <a:lumMod val="65000"/>
+                  </a:schemeClr>
+                </a:solidFill>
+                <a:latin typeface="High Tower Text" panose="02040502050506030303" pitchFamily="18" charset="0"/>
+              </a:rPr>
+              <a:t>Opacity: 100</a:t>
+            </a:r>
+            <a:endParaRPr lang="zh-CN" altLang="en-US" sz="2400" dirty="0">
+              <a:solidFill>
+                <a:schemeClr val="bg1">
+                  <a:lumMod val="65000"/>
+                </a:schemeClr>
+              </a:solidFill>
+              <a:latin typeface="High Tower Text" panose="02040502050506030303" pitchFamily="18" charset="0"/>
+            </a:endParaRPr>
+          </a:p>
+        </p:txBody>
+      </p:sp>
+    </p:spTree>
+    <p:extLst>
+      <p:ext uri="{BB962C8B-B14F-4D97-AF65-F5344CB8AC3E}">
+        <p14:creationId xmlns:p14="http://schemas.microsoft.com/office/powerpoint/2010/main" val="2678061124"/>
+      </p:ext>
+    </p:extLst>
+  </p:cSld>
+  <p:clrMapOvr>
+    <a:masterClrMapping/>
+  </p:clrMapOvr>
+</p:sld>
+</file>
+
+<file path=ppt/slides/slide9.xml><?xml version="1.0" encoding="utf-8"?>
+<p:sld xmlns:a="http://schemas.openxmlformats.org/drawingml/2006/main" xmlns:r="http://schemas.openxmlformats.org/officeDocument/2006/relationships" xmlns:p="http://schemas.openxmlformats.org/presentationml/2006/main">
+  <p:cSld>
+    <p:spTree>
+      <p:nvGrpSpPr>
+        <p:cNvPr id="1" name=""/>
+        <p:cNvGrpSpPr/>
+        <p:nvPr/>
+      </p:nvGrpSpPr>
+      <p:grpSpPr>
+        <a:xfrm>
+          <a:off x="0" y="0"/>
+          <a:ext cx="0" cy="0"/>
+          <a:chOff x="0" y="0"/>
+          <a:chExt cx="0" cy="0"/>
+        </a:xfrm>
+      </p:grpSpPr>
+      <p:sp>
+        <p:nvSpPr>
+          <p:cNvPr id="6" name="Rectangle 5">
+            <a:extLst>
+              <a:ext uri="{FF2B5EF4-FFF2-40B4-BE49-F238E27FC236}">
+                <a16:creationId xmlns:a16="http://schemas.microsoft.com/office/drawing/2014/main" id="{7BC4EB1B-EA6B-DFE4-AF3B-05D0EB253209}"/>
+              </a:ext>
+            </a:extLst>
+          </p:cNvPr>
+          <p:cNvSpPr/>
+          <p:nvPr/>
+        </p:nvSpPr>
+        <p:spPr>
+          <a:xfrm>
+            <a:off x="0" y="0"/>
+            <a:ext cx="12192000" cy="6858000"/>
+          </a:xfrm>
+          <a:prstGeom prst="rect">
+            <a:avLst/>
+          </a:prstGeom>
+          <a:solidFill>
+            <a:srgbClr val="23242A"/>
+          </a:solidFill>
+          <a:ln>
+            <a:noFill/>
+          </a:ln>
+        </p:spPr>
+        <p:style>
+          <a:lnRef idx="2">
+            <a:schemeClr val="accent1">
+              <a:shade val="15000"/>
+            </a:schemeClr>
+          </a:lnRef>
+          <a:fillRef idx="1">
+            <a:schemeClr val="accent1"/>
+          </a:fillRef>
+          <a:effectRef idx="0">
+            <a:schemeClr val="accent1"/>
+          </a:effectRef>
+          <a:fontRef idx="minor">
+            <a:schemeClr val="lt1"/>
+          </a:fontRef>
+        </p:style>
+        <p:txBody>
+          <a:bodyPr rtlCol="0" anchor="ctr"/>
+          <a:lstStyle/>
+          <a:p>
+            <a:pPr algn="ctr"/>
+            <a:endParaRPr lang="zh-CN" altLang="en-US" dirty="0"/>
+          </a:p>
+        </p:txBody>
+      </p:sp>
+      <p:sp>
+        <p:nvSpPr>
+          <p:cNvPr id="2" name="Slide Number Placeholder 1">
+            <a:extLst>
+              <a:ext uri="{FF2B5EF4-FFF2-40B4-BE49-F238E27FC236}">
+                <a16:creationId xmlns:a16="http://schemas.microsoft.com/office/drawing/2014/main" id="{C53E70DF-9B91-8A92-BF94-1399BB9FFE34}"/>
+              </a:ext>
+            </a:extLst>
+          </p:cNvPr>
+          <p:cNvSpPr>
+            <a:spLocks noGrp="1"/>
+          </p:cNvSpPr>
+          <p:nvPr>
+            <p:ph type="sldNum" sz="quarter" idx="12"/>
+          </p:nvPr>
+        </p:nvSpPr>
+        <p:spPr>
+          <a:xfrm>
+            <a:off x="9057739" y="6259509"/>
+            <a:ext cx="2743200" cy="365125"/>
+          </a:xfrm>
+        </p:spPr>
+        <p:txBody>
+          <a:bodyPr/>
+          <a:lstStyle/>
+          <a:p>
+            <a:fld id="{9B1EC109-1E15-4BCA-93B5-56442BB3443E}" type="slidenum">
+              <a:rPr lang="zh-CN" altLang="en-US" sz="2400" b="1" smtClean="0">
+                <a:solidFill>
+                  <a:schemeClr val="bg1">
+                    <a:lumMod val="65000"/>
+                  </a:schemeClr>
+                </a:solidFill>
+                <a:latin typeface="Bradley Hand ITC" panose="03070402050302030203" pitchFamily="66" charset="0"/>
+              </a:rPr>
+              <a:t>9</a:t>
+            </a:fld>
+            <a:endParaRPr lang="zh-CN" altLang="en-US" sz="2400" b="1" dirty="0">
+              <a:solidFill>
+                <a:schemeClr val="bg1">
+                  <a:lumMod val="65000"/>
+                </a:schemeClr>
+              </a:solidFill>
+              <a:latin typeface="Bradley Hand ITC" panose="03070402050302030203" pitchFamily="66" charset="0"/>
+            </a:endParaRPr>
+          </a:p>
+        </p:txBody>
+      </p:sp>
+      <p:sp>
+        <p:nvSpPr>
+          <p:cNvPr id="4" name="Google Shape;867;p33">
+            <a:extLst>
+              <a:ext uri="{FF2B5EF4-FFF2-40B4-BE49-F238E27FC236}">
+                <a16:creationId xmlns:a16="http://schemas.microsoft.com/office/drawing/2014/main" id="{24BC39E7-8798-676F-63C1-093D28359AFA}"/>
+              </a:ext>
+            </a:extLst>
+          </p:cNvPr>
+          <p:cNvSpPr txBox="1">
+            <a:spLocks/>
+          </p:cNvSpPr>
+          <p:nvPr/>
+        </p:nvSpPr>
+        <p:spPr>
+          <a:xfrm>
+            <a:off x="2222600" y="143850"/>
+            <a:ext cx="7746800" cy="1602400"/>
+          </a:xfrm>
+          <a:prstGeom prst="rect">
+            <a:avLst/>
+          </a:prstGeom>
+          <a:noFill/>
+          <a:ln>
+            <a:noFill/>
+          </a:ln>
+        </p:spPr>
+        <p:txBody>
+          <a:bodyPr spcFirstLastPara="1" wrap="square" lIns="91425" tIns="91425" rIns="91425" bIns="91425" anchor="b" anchorCtr="0">
+            <a:noAutofit/>
+          </a:bodyPr>
+          <a:lstStyle>
+            <a:defPPr marR="0" lvl="0" algn="l" rtl="0">
+              <a:lnSpc>
+                <a:spcPct val="100000"/>
+              </a:lnSpc>
+              <a:spcBef>
+                <a:spcPts val="0"/>
+              </a:spcBef>
+              <a:spcAft>
+                <a:spcPts val="0"/>
+              </a:spcAft>
+            </a:defPPr>
+            <a:lvl1pPr marR="0" lvl="0" algn="l" rtl="0">
+              <a:lnSpc>
+                <a:spcPct val="100000"/>
+              </a:lnSpc>
+              <a:spcBef>
+                <a:spcPts val="0"/>
+              </a:spcBef>
+              <a:spcAft>
+                <a:spcPts val="0"/>
+              </a:spcAft>
+              <a:buClr>
+                <a:schemeClr val="dk1"/>
+              </a:buClr>
+              <a:buSzPts val="3600"/>
+              <a:buFont typeface="Barlow"/>
+              <a:buNone/>
+              <a:defRPr sz="7200" b="1" i="0" u="none" strike="noStrike" cap="none">
+                <a:solidFill>
+                  <a:schemeClr val="dk1"/>
+                </a:solidFill>
+                <a:latin typeface="Barlow"/>
+                <a:ea typeface="Barlow"/>
+                <a:cs typeface="Barlow"/>
+                <a:sym typeface="Barlow"/>
+              </a:defRPr>
+            </a:lvl1pPr>
+            <a:lvl2pPr marR="0" lvl="1" algn="ctr" rtl="0">
+              <a:lnSpc>
+                <a:spcPct val="100000"/>
+              </a:lnSpc>
+              <a:spcBef>
+                <a:spcPts val="0"/>
+              </a:spcBef>
+              <a:spcAft>
+                <a:spcPts val="0"/>
+              </a:spcAft>
+              <a:buClr>
+                <a:schemeClr val="dk1"/>
+              </a:buClr>
+              <a:buSzPts val="3600"/>
+              <a:buFont typeface="Barlow"/>
+              <a:buNone/>
+              <a:defRPr sz="3600" b="1" i="0" u="none" strike="noStrike" cap="none">
+                <a:solidFill>
+                  <a:schemeClr val="dk1"/>
+                </a:solidFill>
+                <a:latin typeface="Barlow"/>
+                <a:ea typeface="Barlow"/>
+                <a:cs typeface="Barlow"/>
+                <a:sym typeface="Barlow"/>
+              </a:defRPr>
+            </a:lvl2pPr>
+            <a:lvl3pPr marR="0" lvl="2" algn="ctr" rtl="0">
+              <a:lnSpc>
+                <a:spcPct val="100000"/>
+              </a:lnSpc>
+              <a:spcBef>
+                <a:spcPts val="0"/>
+              </a:spcBef>
+              <a:spcAft>
+                <a:spcPts val="0"/>
+              </a:spcAft>
+              <a:buClr>
+                <a:schemeClr val="dk1"/>
+              </a:buClr>
+              <a:buSzPts val="3600"/>
+              <a:buFont typeface="Barlow"/>
+              <a:buNone/>
+              <a:defRPr sz="3600" b="1" i="0" u="none" strike="noStrike" cap="none">
+                <a:solidFill>
+                  <a:schemeClr val="dk1"/>
+                </a:solidFill>
+                <a:latin typeface="Barlow"/>
+                <a:ea typeface="Barlow"/>
+                <a:cs typeface="Barlow"/>
+                <a:sym typeface="Barlow"/>
+              </a:defRPr>
+            </a:lvl3pPr>
+            <a:lvl4pPr marR="0" lvl="3" algn="ctr" rtl="0">
+              <a:lnSpc>
+                <a:spcPct val="100000"/>
+              </a:lnSpc>
+              <a:spcBef>
+                <a:spcPts val="0"/>
+              </a:spcBef>
+              <a:spcAft>
+                <a:spcPts val="0"/>
+              </a:spcAft>
+              <a:buClr>
+                <a:schemeClr val="dk1"/>
+              </a:buClr>
+              <a:buSzPts val="3600"/>
+              <a:buFont typeface="Barlow"/>
+              <a:buNone/>
+              <a:defRPr sz="3600" b="1" i="0" u="none" strike="noStrike" cap="none">
+                <a:solidFill>
+                  <a:schemeClr val="dk1"/>
+                </a:solidFill>
+                <a:latin typeface="Barlow"/>
+                <a:ea typeface="Barlow"/>
+                <a:cs typeface="Barlow"/>
+                <a:sym typeface="Barlow"/>
+              </a:defRPr>
+            </a:lvl4pPr>
+            <a:lvl5pPr marR="0" lvl="4" algn="ctr" rtl="0">
+              <a:lnSpc>
+                <a:spcPct val="100000"/>
+              </a:lnSpc>
+              <a:spcBef>
+                <a:spcPts val="0"/>
+              </a:spcBef>
+              <a:spcAft>
+                <a:spcPts val="0"/>
+              </a:spcAft>
+              <a:buClr>
+                <a:schemeClr val="dk1"/>
+              </a:buClr>
+              <a:buSzPts val="3600"/>
+              <a:buFont typeface="Barlow"/>
+              <a:buNone/>
+              <a:defRPr sz="3600" b="1" i="0" u="none" strike="noStrike" cap="none">
+                <a:solidFill>
+                  <a:schemeClr val="dk1"/>
+                </a:solidFill>
+                <a:latin typeface="Barlow"/>
+                <a:ea typeface="Barlow"/>
+                <a:cs typeface="Barlow"/>
+                <a:sym typeface="Barlow"/>
+              </a:defRPr>
+            </a:lvl5pPr>
+            <a:lvl6pPr marR="0" lvl="5" algn="ctr" rtl="0">
+              <a:lnSpc>
+                <a:spcPct val="100000"/>
+              </a:lnSpc>
+              <a:spcBef>
+                <a:spcPts val="0"/>
+              </a:spcBef>
+              <a:spcAft>
+                <a:spcPts val="0"/>
+              </a:spcAft>
+              <a:buClr>
+                <a:schemeClr val="dk1"/>
+              </a:buClr>
+              <a:buSzPts val="3600"/>
+              <a:buFont typeface="Barlow"/>
+              <a:buNone/>
+              <a:defRPr sz="3600" b="1" i="0" u="none" strike="noStrike" cap="none">
+                <a:solidFill>
+                  <a:schemeClr val="dk1"/>
+                </a:solidFill>
+                <a:latin typeface="Barlow"/>
+                <a:ea typeface="Barlow"/>
+                <a:cs typeface="Barlow"/>
+                <a:sym typeface="Barlow"/>
+              </a:defRPr>
+            </a:lvl6pPr>
+            <a:lvl7pPr marR="0" lvl="6" algn="ctr" rtl="0">
+              <a:lnSpc>
+                <a:spcPct val="100000"/>
+              </a:lnSpc>
+              <a:spcBef>
+                <a:spcPts val="0"/>
+              </a:spcBef>
+              <a:spcAft>
+                <a:spcPts val="0"/>
+              </a:spcAft>
+              <a:buClr>
+                <a:schemeClr val="dk1"/>
+              </a:buClr>
+              <a:buSzPts val="3600"/>
+              <a:buFont typeface="Barlow"/>
+              <a:buNone/>
+              <a:defRPr sz="3600" b="1" i="0" u="none" strike="noStrike" cap="none">
+                <a:solidFill>
+                  <a:schemeClr val="dk1"/>
+                </a:solidFill>
+                <a:latin typeface="Barlow"/>
+                <a:ea typeface="Barlow"/>
+                <a:cs typeface="Barlow"/>
+                <a:sym typeface="Barlow"/>
+              </a:defRPr>
+            </a:lvl7pPr>
+            <a:lvl8pPr marR="0" lvl="7" algn="ctr" rtl="0">
+              <a:lnSpc>
+                <a:spcPct val="100000"/>
+              </a:lnSpc>
+              <a:spcBef>
+                <a:spcPts val="0"/>
+              </a:spcBef>
+              <a:spcAft>
+                <a:spcPts val="0"/>
+              </a:spcAft>
+              <a:buClr>
+                <a:schemeClr val="dk1"/>
+              </a:buClr>
+              <a:buSzPts val="3600"/>
+              <a:buFont typeface="Barlow"/>
+              <a:buNone/>
+              <a:defRPr sz="3600" b="1" i="0" u="none" strike="noStrike" cap="none">
+                <a:solidFill>
+                  <a:schemeClr val="dk1"/>
+                </a:solidFill>
+                <a:latin typeface="Barlow"/>
+                <a:ea typeface="Barlow"/>
+                <a:cs typeface="Barlow"/>
+                <a:sym typeface="Barlow"/>
+              </a:defRPr>
+            </a:lvl8pPr>
+            <a:lvl9pPr marR="0" lvl="8" algn="ctr" rtl="0">
+              <a:lnSpc>
+                <a:spcPct val="100000"/>
+              </a:lnSpc>
+              <a:spcBef>
+                <a:spcPts val="0"/>
+              </a:spcBef>
+              <a:spcAft>
+                <a:spcPts val="0"/>
+              </a:spcAft>
+              <a:buClr>
+                <a:schemeClr val="dk1"/>
+              </a:buClr>
+              <a:buSzPts val="3600"/>
+              <a:buFont typeface="Barlow"/>
+              <a:buNone/>
+              <a:defRPr sz="3600" b="1" i="0" u="none" strike="noStrike" cap="none">
+                <a:solidFill>
+                  <a:schemeClr val="dk1"/>
+                </a:solidFill>
+                <a:latin typeface="Barlow"/>
+                <a:ea typeface="Barlow"/>
+                <a:cs typeface="Barlow"/>
+                <a:sym typeface="Barlow"/>
+              </a:defRPr>
+            </a:lvl9pPr>
+          </a:lstStyle>
+          <a:p>
+            <a:pPr algn="ctr"/>
+            <a:r>
+              <a:rPr lang="en-US" altLang="zh-CN" sz="8000" spc="300" dirty="0">
+                <a:solidFill>
+                  <a:schemeClr val="accent4">
+                    <a:lumMod val="60000"/>
+                    <a:lumOff val="40000"/>
+                    <a:alpha val="60000"/>
+                  </a:schemeClr>
+                </a:solidFill>
+                <a:latin typeface="Amatic SC" panose="020F0502020204030204" pitchFamily="2" charset="-79"/>
+                <a:cs typeface="Amatic SC" panose="020F0502020204030204" pitchFamily="2" charset="-79"/>
+              </a:rPr>
+              <a:t>Draw Island</a:t>
+            </a:r>
+          </a:p>
+        </p:txBody>
+      </p:sp>
+      <p:pic>
+        <p:nvPicPr>
+          <p:cNvPr id="18" name="Picture 17">
+            <a:extLst>
+              <a:ext uri="{FF2B5EF4-FFF2-40B4-BE49-F238E27FC236}">
+                <a16:creationId xmlns:a16="http://schemas.microsoft.com/office/drawing/2014/main" id="{DB4A1561-F09A-18B8-DF42-0C3E27303553}"/>
+              </a:ext>
+            </a:extLst>
+          </p:cNvPr>
+          <p:cNvPicPr>
+            <a:picLocks noChangeAspect="1"/>
+          </p:cNvPicPr>
+          <p:nvPr/>
+        </p:nvPicPr>
+        <p:blipFill>
+          <a:blip r:embed="rId2">
+            <a:extLst>
+              <a:ext uri="{28A0092B-C50C-407E-A947-70E740481C1C}">
+                <a14:useLocalDpi xmlns:a14="http://schemas.microsoft.com/office/drawing/2010/main" val="0"/>
+              </a:ext>
+            </a:extLst>
+          </a:blip>
+          <a:stretch>
+            <a:fillRect/>
+          </a:stretch>
+        </p:blipFill>
+        <p:spPr>
+          <a:xfrm>
+            <a:off x="5387417" y="1890100"/>
+            <a:ext cx="5896080" cy="4478035"/>
+          </a:xfrm>
+          <a:prstGeom prst="rect">
+            <a:avLst/>
+          </a:prstGeom>
+        </p:spPr>
+      </p:pic>
+      <p:pic>
+        <p:nvPicPr>
+          <p:cNvPr id="20" name="Picture 19">
+            <a:extLst>
+              <a:ext uri="{FF2B5EF4-FFF2-40B4-BE49-F238E27FC236}">
+                <a16:creationId xmlns:a16="http://schemas.microsoft.com/office/drawing/2014/main" id="{598A0D8D-7694-2A26-9441-E10810064E0F}"/>
+              </a:ext>
+            </a:extLst>
+          </p:cNvPr>
+          <p:cNvPicPr>
+            <a:picLocks noChangeAspect="1"/>
+          </p:cNvPicPr>
+          <p:nvPr/>
+        </p:nvPicPr>
+        <p:blipFill>
+          <a:blip r:embed="rId3">
+            <a:extLst>
+              <a:ext uri="{28A0092B-C50C-407E-A947-70E740481C1C}">
+                <a14:useLocalDpi xmlns:a14="http://schemas.microsoft.com/office/drawing/2010/main" val="0"/>
+              </a:ext>
+            </a:extLst>
+          </a:blip>
+          <a:stretch>
+            <a:fillRect/>
+          </a:stretch>
+        </p:blipFill>
+        <p:spPr>
+          <a:xfrm>
+            <a:off x="994377" y="1890100"/>
+            <a:ext cx="1906695" cy="4250991"/>
+          </a:xfrm>
+          <a:prstGeom prst="rect">
+            <a:avLst/>
+          </a:prstGeom>
+        </p:spPr>
+      </p:pic>
+      <p:sp>
+        <p:nvSpPr>
+          <p:cNvPr id="3" name="TextBox 2">
+            <a:extLst>
+              <a:ext uri="{FF2B5EF4-FFF2-40B4-BE49-F238E27FC236}">
+                <a16:creationId xmlns:a16="http://schemas.microsoft.com/office/drawing/2014/main" id="{51187C42-FB55-5E62-1798-24409CD613F4}"/>
+              </a:ext>
+            </a:extLst>
+          </p:cNvPr>
+          <p:cNvSpPr txBox="1"/>
+          <p:nvPr/>
+        </p:nvSpPr>
+        <p:spPr>
+          <a:xfrm>
+            <a:off x="2895118" y="2960201"/>
+            <a:ext cx="1803265" cy="461665"/>
+          </a:xfrm>
+          <a:prstGeom prst="rect">
+            <a:avLst/>
+          </a:prstGeom>
+          <a:noFill/>
+        </p:spPr>
+        <p:txBody>
+          <a:bodyPr wrap="square" rtlCol="0">
+            <a:spAutoFit/>
+          </a:bodyPr>
+          <a:lstStyle/>
+          <a:p>
+            <a:r>
+              <a:rPr lang="en-US" altLang="zh-CN" sz="2400" dirty="0">
+                <a:solidFill>
+                  <a:schemeClr val="bg1">
+                    <a:lumMod val="65000"/>
+                  </a:schemeClr>
+                </a:solidFill>
+                <a:latin typeface="High Tower Text" panose="02040502050506030303" pitchFamily="18" charset="0"/>
+              </a:rPr>
+              <a:t>Color: 6</a:t>
+            </a:r>
+            <a:endParaRPr lang="zh-CN" altLang="en-US" sz="2400" dirty="0">
+              <a:solidFill>
+                <a:schemeClr val="bg1">
+                  <a:lumMod val="65000"/>
+                </a:schemeClr>
+              </a:solidFill>
+              <a:latin typeface="High Tower Text" panose="02040502050506030303" pitchFamily="18" charset="0"/>
+            </a:endParaRPr>
+          </a:p>
+        </p:txBody>
+      </p:sp>
+      <p:sp>
+        <p:nvSpPr>
+          <p:cNvPr id="7" name="TextBox 6">
+            <a:extLst>
+              <a:ext uri="{FF2B5EF4-FFF2-40B4-BE49-F238E27FC236}">
+                <a16:creationId xmlns:a16="http://schemas.microsoft.com/office/drawing/2014/main" id="{B99B0868-D4C7-D80D-22F0-795D8F3F303C}"/>
+              </a:ext>
+            </a:extLst>
+          </p:cNvPr>
+          <p:cNvSpPr txBox="1"/>
+          <p:nvPr/>
+        </p:nvSpPr>
+        <p:spPr>
+          <a:xfrm>
+            <a:off x="2886501" y="3532270"/>
+            <a:ext cx="2147730" cy="461665"/>
+          </a:xfrm>
+          <a:prstGeom prst="rect">
+            <a:avLst/>
+          </a:prstGeom>
+          <a:noFill/>
+        </p:spPr>
+        <p:txBody>
+          <a:bodyPr wrap="square" rtlCol="0">
+            <a:spAutoFit/>
+          </a:bodyPr>
+          <a:lstStyle/>
+          <a:p>
+            <a:r>
+              <a:rPr lang="en-US" altLang="zh-CN" sz="2400" dirty="0">
+                <a:solidFill>
+                  <a:schemeClr val="bg1">
+                    <a:lumMod val="65000"/>
+                  </a:schemeClr>
+                </a:solidFill>
+                <a:latin typeface="High Tower Text" panose="02040502050506030303" pitchFamily="18" charset="0"/>
+              </a:rPr>
+              <a:t>Saturation: 50</a:t>
+            </a:r>
+            <a:endParaRPr lang="zh-CN" altLang="en-US" sz="2400" dirty="0">
+              <a:solidFill>
+                <a:schemeClr val="bg1">
+                  <a:lumMod val="65000"/>
+                </a:schemeClr>
+              </a:solidFill>
+              <a:latin typeface="High Tower Text" panose="02040502050506030303" pitchFamily="18" charset="0"/>
+            </a:endParaRPr>
+          </a:p>
+        </p:txBody>
+      </p:sp>
+      <p:sp>
+        <p:nvSpPr>
+          <p:cNvPr id="9" name="TextBox 8">
+            <a:extLst>
+              <a:ext uri="{FF2B5EF4-FFF2-40B4-BE49-F238E27FC236}">
+                <a16:creationId xmlns:a16="http://schemas.microsoft.com/office/drawing/2014/main" id="{2274C513-EE16-FD06-F6F1-FBB9B506643B}"/>
+              </a:ext>
+            </a:extLst>
+          </p:cNvPr>
+          <p:cNvSpPr txBox="1"/>
+          <p:nvPr/>
+        </p:nvSpPr>
+        <p:spPr>
+          <a:xfrm>
+            <a:off x="2895118" y="4104339"/>
+            <a:ext cx="2344279" cy="461665"/>
+          </a:xfrm>
+          <a:prstGeom prst="rect">
+            <a:avLst/>
+          </a:prstGeom>
+          <a:noFill/>
+        </p:spPr>
+        <p:txBody>
+          <a:bodyPr wrap="square" rtlCol="0">
+            <a:spAutoFit/>
+          </a:bodyPr>
+          <a:lstStyle/>
+          <a:p>
+            <a:r>
+              <a:rPr lang="en-US" altLang="zh-CN" sz="2400" dirty="0">
+                <a:solidFill>
+                  <a:schemeClr val="bg1">
+                    <a:lumMod val="65000"/>
+                  </a:schemeClr>
+                </a:solidFill>
+                <a:latin typeface="High Tower Text" panose="02040502050506030303" pitchFamily="18" charset="0"/>
+              </a:rPr>
+              <a:t>Brightness: 90</a:t>
+            </a:r>
+            <a:endParaRPr lang="zh-CN" altLang="en-US" sz="2400" dirty="0">
+              <a:solidFill>
+                <a:schemeClr val="bg1">
+                  <a:lumMod val="65000"/>
+                </a:schemeClr>
+              </a:solidFill>
+              <a:latin typeface="High Tower Text" panose="02040502050506030303" pitchFamily="18" charset="0"/>
+            </a:endParaRPr>
+          </a:p>
+        </p:txBody>
+      </p:sp>
+      <p:sp>
+        <p:nvSpPr>
+          <p:cNvPr id="10" name="TextBox 9">
+            <a:extLst>
+              <a:ext uri="{FF2B5EF4-FFF2-40B4-BE49-F238E27FC236}">
+                <a16:creationId xmlns:a16="http://schemas.microsoft.com/office/drawing/2014/main" id="{4A2DC247-3A2B-CC3B-0EF2-D324F70AEEC9}"/>
+              </a:ext>
+            </a:extLst>
+          </p:cNvPr>
+          <p:cNvSpPr txBox="1"/>
+          <p:nvPr/>
+        </p:nvSpPr>
+        <p:spPr>
+          <a:xfrm>
+            <a:off x="2886501" y="4715048"/>
+            <a:ext cx="2099963" cy="461665"/>
+          </a:xfrm>
+          <a:prstGeom prst="rect">
+            <a:avLst/>
+          </a:prstGeom>
+          <a:noFill/>
+        </p:spPr>
+        <p:txBody>
+          <a:bodyPr wrap="square" rtlCol="0">
+            <a:spAutoFit/>
+          </a:bodyPr>
+          <a:lstStyle/>
+          <a:p>
+            <a:r>
+              <a:rPr lang="en-US" altLang="zh-CN" sz="2400" dirty="0">
+                <a:solidFill>
+                  <a:schemeClr val="bg1">
+                    <a:lumMod val="65000"/>
+                  </a:schemeClr>
+                </a:solidFill>
+                <a:latin typeface="High Tower Text" panose="02040502050506030303" pitchFamily="18" charset="0"/>
+              </a:rPr>
+              <a:t>Opacity: 100</a:t>
+            </a:r>
+            <a:endParaRPr lang="zh-CN" altLang="en-US" sz="2400" dirty="0">
+              <a:solidFill>
+                <a:schemeClr val="bg1">
+                  <a:lumMod val="65000"/>
+                </a:schemeClr>
+              </a:solidFill>
+              <a:latin typeface="High Tower Text" panose="02040502050506030303" pitchFamily="18" charset="0"/>
+            </a:endParaRPr>
+          </a:p>
+        </p:txBody>
+      </p:sp>
+    </p:spTree>
+    <p:extLst>
+      <p:ext uri="{BB962C8B-B14F-4D97-AF65-F5344CB8AC3E}">
+        <p14:creationId xmlns:p14="http://schemas.microsoft.com/office/powerpoint/2010/main" val="3116411773"/>
       </p:ext>
     </p:extLst>
   </p:cSld>
